--- a/docs/figs/figs_all.pptx
+++ b/docs/figs/figs_all.pptx
@@ -16,8 +16,6 @@
     <p:sldId id="261" r:id="rId11"/>
     <p:sldId id="262" r:id="rId12"/>
     <p:sldId id="263" r:id="rId13"/>
-    <p:sldId id="264" r:id="rId14"/>
-    <p:sldId id="265" r:id="rId15"/>
   </p:sldIdLst>
   <p:sldSz cy="5143500" cx="9144000"/>
   <p:notesSz cx="6858000" cy="9144000"/>
@@ -794,105 +792,6 @@
 </p:notes>
 </file>
 
-<file path=ppt/notesSlides/notesSlide10.xml><?xml version="1.0" encoding="utf-8"?>
-<p:notes xmlns:a="http://schemas.openxmlformats.org/drawingml/2006/main" xmlns:r="http://schemas.openxmlformats.org/officeDocument/2006/relationships" xmlns:mc="http://schemas.openxmlformats.org/markup-compatibility/2006" xmlns:mv="urn:schemas-microsoft-com:mac:vml" xmlns:p="http://schemas.openxmlformats.org/presentationml/2006/main" xmlns:c="http://schemas.openxmlformats.org/drawingml/2006/chart" xmlns:dgm="http://schemas.openxmlformats.org/drawingml/2006/diagram" xmlns:o="urn:schemas-microsoft-com:office:office" xmlns:v="urn:schemas-microsoft-com:vml" xmlns:pvml="urn:schemas-microsoft-com:office:powerpoint" xmlns:com="http://schemas.openxmlformats.org/drawingml/2006/compatibility" xmlns:p14="http://schemas.microsoft.com/office/powerpoint/2010/main" xmlns:p15="http://schemas.microsoft.com/office/powerpoint/2012/main" xmlns:ahyp="http://schemas.microsoft.com/office/drawing/2018/hyperlinkcolor" showMasterPhAnim="0" showMasterSp="0">
-  <p:cSld>
-    <p:spTree>
-      <p:nvGrpSpPr>
-        <p:cNvPr id="345" name="Shape 345"/>
-        <p:cNvGrpSpPr/>
-        <p:nvPr/>
-      </p:nvGrpSpPr>
-      <p:grpSpPr>
-        <a:xfrm>
-          <a:off x="0" y="0"/>
-          <a:ext cx="0" cy="0"/>
-          <a:chOff x="0" y="0"/>
-          <a:chExt cx="0" cy="0"/>
-        </a:xfrm>
-      </p:grpSpPr>
-      <p:sp>
-        <p:nvSpPr>
-          <p:cNvPr id="346" name="Google Shape;346;g22ecf671064_0_0:notes"/>
-          <p:cNvSpPr/>
-          <p:nvPr>
-            <p:ph idx="2" type="sldImg"/>
-          </p:nvPr>
-        </p:nvSpPr>
-        <p:spPr>
-          <a:xfrm>
-            <a:off x="381300" y="685800"/>
-            <a:ext cx="6096000" cy="3429000"/>
-          </a:xfrm>
-          <a:custGeom>
-            <a:rect b="b" l="l" r="r" t="t"/>
-            <a:pathLst>
-              <a:path extrusionOk="0" h="120000" w="120000">
-                <a:moveTo>
-                  <a:pt x="0" y="0"/>
-                </a:moveTo>
-                <a:lnTo>
-                  <a:pt x="120000" y="0"/>
-                </a:lnTo>
-                <a:lnTo>
-                  <a:pt x="120000" y="120000"/>
-                </a:lnTo>
-                <a:lnTo>
-                  <a:pt x="0" y="120000"/>
-                </a:lnTo>
-                <a:close/>
-              </a:path>
-            </a:pathLst>
-          </a:custGeom>
-        </p:spPr>
-      </p:sp>
-      <p:sp>
-        <p:nvSpPr>
-          <p:cNvPr id="347" name="Google Shape;347;g22ecf671064_0_0:notes"/>
-          <p:cNvSpPr txBox="1"/>
-          <p:nvPr>
-            <p:ph idx="1" type="body"/>
-          </p:nvPr>
-        </p:nvSpPr>
-        <p:spPr>
-          <a:xfrm>
-            <a:off x="685800" y="4343400"/>
-            <a:ext cx="5486400" cy="4114800"/>
-          </a:xfrm>
-          <a:prstGeom prst="rect">
-            <a:avLst/>
-          </a:prstGeom>
-        </p:spPr>
-        <p:txBody>
-          <a:bodyPr anchorCtr="0" anchor="t" bIns="91425" lIns="91425" spcFirstLastPara="1" rIns="91425" wrap="square" tIns="91425">
-            <a:noAutofit/>
-          </a:bodyPr>
-          <a:lstStyle/>
-          <a:p>
-            <a:pPr indent="0" lvl="0" marL="0" rtl="0" algn="l">
-              <a:spcBef>
-                <a:spcPts val="0"/>
-              </a:spcBef>
-              <a:spcAft>
-                <a:spcPts val="0"/>
-              </a:spcAft>
-              <a:buNone/>
-            </a:pPr>
-            <a:r>
-              <a:t/>
-            </a:r>
-            <a:endParaRPr/>
-          </a:p>
-        </p:txBody>
-      </p:sp>
-    </p:spTree>
-  </p:cSld>
-  <p:clrMapOvr>
-    <a:masterClrMapping/>
-  </p:clrMapOvr>
-</p:notes>
-</file>
-
 <file path=ppt/notesSlides/notesSlide2.xml><?xml version="1.0" encoding="utf-8"?>
 <p:notes xmlns:a="http://schemas.openxmlformats.org/drawingml/2006/main" xmlns:r="http://schemas.openxmlformats.org/officeDocument/2006/relationships" xmlns:mc="http://schemas.openxmlformats.org/markup-compatibility/2006" xmlns:mv="urn:schemas-microsoft-com:mac:vml" xmlns:p="http://schemas.openxmlformats.org/presentationml/2006/main" xmlns:c="http://schemas.openxmlformats.org/drawingml/2006/chart" xmlns:dgm="http://schemas.openxmlformats.org/drawingml/2006/diagram" xmlns:o="urn:schemas-microsoft-com:office:office" xmlns:v="urn:schemas-microsoft-com:vml" xmlns:pvml="urn:schemas-microsoft-com:office:powerpoint" xmlns:com="http://schemas.openxmlformats.org/drawingml/2006/compatibility" xmlns:p14="http://schemas.microsoft.com/office/powerpoint/2010/main" xmlns:p15="http://schemas.microsoft.com/office/powerpoint/2012/main" xmlns:ahyp="http://schemas.microsoft.com/office/drawing/2018/hyperlinkcolor" showMasterPhAnim="0" showMasterSp="0">
   <p:cSld>
@@ -1011,7 +910,7 @@
       </p:grpSpPr>
       <p:sp>
         <p:nvSpPr>
-          <p:cNvPr id="79" name="Google Shape;79;g22ec3a5eee0_0_5:notes"/>
+          <p:cNvPr id="79" name="Google Shape;79;g22ec3a5eee0_0_17:notes"/>
           <p:cNvSpPr/>
           <p:nvPr>
             <p:ph idx="2" type="sldImg"/>
@@ -1046,7 +945,7 @@
       </p:sp>
       <p:sp>
         <p:nvSpPr>
-          <p:cNvPr id="80" name="Google Shape;80;g22ec3a5eee0_0_5:notes"/>
+          <p:cNvPr id="80" name="Google Shape;80;g22ec3a5eee0_0_17:notes"/>
           <p:cNvSpPr txBox="1"/>
           <p:nvPr>
             <p:ph idx="1" type="body"/>
@@ -1096,7 +995,7 @@
   <p:cSld>
     <p:spTree>
       <p:nvGrpSpPr>
-        <p:cNvPr id="97" name="Shape 97"/>
+        <p:cNvPr id="96" name="Shape 96"/>
         <p:cNvGrpSpPr/>
         <p:nvPr/>
       </p:nvGrpSpPr>
@@ -1110,7 +1009,7 @@
       </p:grpSpPr>
       <p:sp>
         <p:nvSpPr>
-          <p:cNvPr id="98" name="Google Shape;98;g22ec3a5eee0_0_17:notes"/>
+          <p:cNvPr id="97" name="Google Shape;97;g2314aaa300b_0_40:notes"/>
           <p:cNvSpPr/>
           <p:nvPr>
             <p:ph idx="2" type="sldImg"/>
@@ -1145,7 +1044,7 @@
       </p:sp>
       <p:sp>
         <p:nvSpPr>
-          <p:cNvPr id="99" name="Google Shape;99;g22ec3a5eee0_0_17:notes"/>
+          <p:cNvPr id="98" name="Google Shape;98;g2314aaa300b_0_40:notes"/>
           <p:cNvSpPr txBox="1"/>
           <p:nvPr>
             <p:ph idx="1" type="body"/>
@@ -1195,7 +1094,7 @@
   <p:cSld>
     <p:spTree>
       <p:nvGrpSpPr>
-        <p:cNvPr id="115" name="Shape 115"/>
+        <p:cNvPr id="116" name="Shape 116"/>
         <p:cNvGrpSpPr/>
         <p:nvPr/>
       </p:nvGrpSpPr>
@@ -1209,7 +1108,7 @@
       </p:grpSpPr>
       <p:sp>
         <p:nvSpPr>
-          <p:cNvPr id="116" name="Google Shape;116;g2314aaa300b_0_40:notes"/>
+          <p:cNvPr id="117" name="Google Shape;117;g2316bc0a535_0_0:notes"/>
           <p:cNvSpPr/>
           <p:nvPr>
             <p:ph idx="2" type="sldImg"/>
@@ -1244,7 +1143,7 @@
       </p:sp>
       <p:sp>
         <p:nvSpPr>
-          <p:cNvPr id="117" name="Google Shape;117;g2314aaa300b_0_40:notes"/>
+          <p:cNvPr id="118" name="Google Shape;118;g2316bc0a535_0_0:notes"/>
           <p:cNvSpPr txBox="1"/>
           <p:nvPr>
             <p:ph idx="1" type="body"/>
@@ -1294,7 +1193,7 @@
   <p:cSld>
     <p:spTree>
       <p:nvGrpSpPr>
-        <p:cNvPr id="135" name="Shape 135"/>
+        <p:cNvPr id="134" name="Shape 134"/>
         <p:cNvGrpSpPr/>
         <p:nvPr/>
       </p:nvGrpSpPr>
@@ -1308,7 +1207,7 @@
       </p:grpSpPr>
       <p:sp>
         <p:nvSpPr>
-          <p:cNvPr id="136" name="Google Shape;136;g2316bc0a535_0_0:notes"/>
+          <p:cNvPr id="135" name="Google Shape;135;g237ccea2380_0_64:notes"/>
           <p:cNvSpPr/>
           <p:nvPr>
             <p:ph idx="2" type="sldImg"/>
@@ -1343,7 +1242,7 @@
       </p:sp>
       <p:sp>
         <p:nvSpPr>
-          <p:cNvPr id="137" name="Google Shape;137;g2316bc0a535_0_0:notes"/>
+          <p:cNvPr id="136" name="Google Shape;136;g237ccea2380_0_64:notes"/>
           <p:cNvSpPr txBox="1"/>
           <p:nvPr>
             <p:ph idx="1" type="body"/>
@@ -1393,7 +1292,7 @@
   <p:cSld>
     <p:spTree>
       <p:nvGrpSpPr>
-        <p:cNvPr id="153" name="Shape 153"/>
+        <p:cNvPr id="193" name="Shape 193"/>
         <p:cNvGrpSpPr/>
         <p:nvPr/>
       </p:nvGrpSpPr>
@@ -1407,7 +1306,7 @@
       </p:grpSpPr>
       <p:sp>
         <p:nvSpPr>
-          <p:cNvPr id="154" name="Google Shape;154;g237ccea2380_0_64:notes"/>
+          <p:cNvPr id="194" name="Google Shape;194;g237ccea2380_0_125:notes"/>
           <p:cNvSpPr/>
           <p:nvPr>
             <p:ph idx="2" type="sldImg"/>
@@ -1442,7 +1341,7 @@
       </p:sp>
       <p:sp>
         <p:nvSpPr>
-          <p:cNvPr id="155" name="Google Shape;155;g237ccea2380_0_64:notes"/>
+          <p:cNvPr id="195" name="Google Shape;195;g237ccea2380_0_125:notes"/>
           <p:cNvSpPr txBox="1"/>
           <p:nvPr>
             <p:ph idx="1" type="body"/>
@@ -1492,7 +1391,7 @@
   <p:cSld>
     <p:spTree>
       <p:nvGrpSpPr>
-        <p:cNvPr id="212" name="Shape 212"/>
+        <p:cNvPr id="257" name="Shape 257"/>
         <p:cNvGrpSpPr/>
         <p:nvPr/>
       </p:nvGrpSpPr>
@@ -1506,7 +1405,7 @@
       </p:grpSpPr>
       <p:sp>
         <p:nvSpPr>
-          <p:cNvPr id="213" name="Google Shape;213;g237ccea2380_0_125:notes"/>
+          <p:cNvPr id="258" name="Google Shape;258;g237ccea2380_0_186:notes"/>
           <p:cNvSpPr/>
           <p:nvPr>
             <p:ph idx="2" type="sldImg"/>
@@ -1541,106 +1440,7 @@
       </p:sp>
       <p:sp>
         <p:nvSpPr>
-          <p:cNvPr id="214" name="Google Shape;214;g237ccea2380_0_125:notes"/>
-          <p:cNvSpPr txBox="1"/>
-          <p:nvPr>
-            <p:ph idx="1" type="body"/>
-          </p:nvPr>
-        </p:nvSpPr>
-        <p:spPr>
-          <a:xfrm>
-            <a:off x="685800" y="4343400"/>
-            <a:ext cx="5486400" cy="4114800"/>
-          </a:xfrm>
-          <a:prstGeom prst="rect">
-            <a:avLst/>
-          </a:prstGeom>
-        </p:spPr>
-        <p:txBody>
-          <a:bodyPr anchorCtr="0" anchor="t" bIns="91425" lIns="91425" spcFirstLastPara="1" rIns="91425" wrap="square" tIns="91425">
-            <a:noAutofit/>
-          </a:bodyPr>
-          <a:lstStyle/>
-          <a:p>
-            <a:pPr indent="0" lvl="0" marL="0" rtl="0" algn="l">
-              <a:spcBef>
-                <a:spcPts val="0"/>
-              </a:spcBef>
-              <a:spcAft>
-                <a:spcPts val="0"/>
-              </a:spcAft>
-              <a:buNone/>
-            </a:pPr>
-            <a:r>
-              <a:t/>
-            </a:r>
-            <a:endParaRPr/>
-          </a:p>
-        </p:txBody>
-      </p:sp>
-    </p:spTree>
-  </p:cSld>
-  <p:clrMapOvr>
-    <a:masterClrMapping/>
-  </p:clrMapOvr>
-</p:notes>
-</file>
-
-<file path=ppt/notesSlides/notesSlide9.xml><?xml version="1.0" encoding="utf-8"?>
-<p:notes xmlns:a="http://schemas.openxmlformats.org/drawingml/2006/main" xmlns:r="http://schemas.openxmlformats.org/officeDocument/2006/relationships" xmlns:mc="http://schemas.openxmlformats.org/markup-compatibility/2006" xmlns:mv="urn:schemas-microsoft-com:mac:vml" xmlns:p="http://schemas.openxmlformats.org/presentationml/2006/main" xmlns:c="http://schemas.openxmlformats.org/drawingml/2006/chart" xmlns:dgm="http://schemas.openxmlformats.org/drawingml/2006/diagram" xmlns:o="urn:schemas-microsoft-com:office:office" xmlns:v="urn:schemas-microsoft-com:vml" xmlns:pvml="urn:schemas-microsoft-com:office:powerpoint" xmlns:com="http://schemas.openxmlformats.org/drawingml/2006/compatibility" xmlns:p14="http://schemas.microsoft.com/office/powerpoint/2010/main" xmlns:p15="http://schemas.microsoft.com/office/powerpoint/2012/main" xmlns:ahyp="http://schemas.microsoft.com/office/drawing/2018/hyperlinkcolor" showMasterPhAnim="0" showMasterSp="0">
-  <p:cSld>
-    <p:spTree>
-      <p:nvGrpSpPr>
-        <p:cNvPr id="276" name="Shape 276"/>
-        <p:cNvGrpSpPr/>
-        <p:nvPr/>
-      </p:nvGrpSpPr>
-      <p:grpSpPr>
-        <a:xfrm>
-          <a:off x="0" y="0"/>
-          <a:ext cx="0" cy="0"/>
-          <a:chOff x="0" y="0"/>
-          <a:chExt cx="0" cy="0"/>
-        </a:xfrm>
-      </p:grpSpPr>
-      <p:sp>
-        <p:nvSpPr>
-          <p:cNvPr id="277" name="Google Shape;277;g237ccea2380_0_186:notes"/>
-          <p:cNvSpPr/>
-          <p:nvPr>
-            <p:ph idx="2" type="sldImg"/>
-          </p:nvPr>
-        </p:nvSpPr>
-        <p:spPr>
-          <a:xfrm>
-            <a:off x="381300" y="685800"/>
-            <a:ext cx="6096000" cy="3429000"/>
-          </a:xfrm>
-          <a:custGeom>
-            <a:rect b="b" l="l" r="r" t="t"/>
-            <a:pathLst>
-              <a:path extrusionOk="0" h="120000" w="120000">
-                <a:moveTo>
-                  <a:pt x="0" y="0"/>
-                </a:moveTo>
-                <a:lnTo>
-                  <a:pt x="120000" y="0"/>
-                </a:lnTo>
-                <a:lnTo>
-                  <a:pt x="120000" y="120000"/>
-                </a:lnTo>
-                <a:lnTo>
-                  <a:pt x="0" y="120000"/>
-                </a:lnTo>
-                <a:close/>
-              </a:path>
-            </a:pathLst>
-          </a:custGeom>
-        </p:spPr>
-      </p:sp>
-      <p:sp>
-        <p:nvSpPr>
-          <p:cNvPr id="278" name="Google Shape;278;g237ccea2380_0_186:notes"/>
+          <p:cNvPr id="259" name="Google Shape;259;g237ccea2380_0_186:notes"/>
           <p:cNvSpPr txBox="1"/>
           <p:nvPr>
             <p:ph idx="1" type="body"/>
@@ -6357,13 +6157,12 @@
           <p:cNvPicPr preferRelativeResize="0"/>
           <p:nvPr/>
         </p:nvPicPr>
-        <p:blipFill>
+        <p:blipFill rotWithShape="1">
           <a:blip r:embed="rId3">
             <a:alphaModFix/>
           </a:blip>
-          <a:stretch>
-            <a:fillRect/>
-          </a:stretch>
+          <a:srcRect b="0" l="0" r="0" t="0"/>
+          <a:stretch/>
         </p:blipFill>
         <p:spPr>
           <a:xfrm>
@@ -6627,1516 +6426,6 @@
           </a:ln>
         </p:spPr>
       </p:cxnSp>
-    </p:spTree>
-  </p:cSld>
-  <p:clrMapOvr>
-    <a:masterClrMapping/>
-  </p:clrMapOvr>
-</p:sld>
-</file>
-
-<file path=ppt/slides/slide10.xml><?xml version="1.0" encoding="utf-8"?>
-<p:sld xmlns:a="http://schemas.openxmlformats.org/drawingml/2006/main" xmlns:r="http://schemas.openxmlformats.org/officeDocument/2006/relationships" xmlns:mc="http://schemas.openxmlformats.org/markup-compatibility/2006" xmlns:mv="urn:schemas-microsoft-com:mac:vml" xmlns:p="http://schemas.openxmlformats.org/presentationml/2006/main" xmlns:c="http://schemas.openxmlformats.org/drawingml/2006/chart" xmlns:dgm="http://schemas.openxmlformats.org/drawingml/2006/diagram" xmlns:o="urn:schemas-microsoft-com:office:office" xmlns:v="urn:schemas-microsoft-com:vml" xmlns:pvml="urn:schemas-microsoft-com:office:powerpoint" xmlns:com="http://schemas.openxmlformats.org/drawingml/2006/compatibility" xmlns:p14="http://schemas.microsoft.com/office/powerpoint/2010/main" xmlns:p15="http://schemas.microsoft.com/office/powerpoint/2012/main" xmlns:ahyp="http://schemas.microsoft.com/office/drawing/2018/hyperlinkcolor">
-  <p:cSld>
-    <p:spTree>
-      <p:nvGrpSpPr>
-        <p:cNvPr id="348" name="Shape 348"/>
-        <p:cNvGrpSpPr/>
-        <p:nvPr/>
-      </p:nvGrpSpPr>
-      <p:grpSpPr>
-        <a:xfrm>
-          <a:off x="0" y="0"/>
-          <a:ext cx="0" cy="0"/>
-          <a:chOff x="0" y="0"/>
-          <a:chExt cx="0" cy="0"/>
-        </a:xfrm>
-      </p:grpSpPr>
-      <p:sp>
-        <p:nvSpPr>
-          <p:cNvPr id="349" name="Google Shape;349;p22"/>
-          <p:cNvSpPr/>
-          <p:nvPr/>
-        </p:nvSpPr>
-        <p:spPr>
-          <a:xfrm>
-            <a:off x="2615150" y="1533025"/>
-            <a:ext cx="3111000" cy="2183700"/>
-          </a:xfrm>
-          <a:prstGeom prst="rect">
-            <a:avLst/>
-          </a:prstGeom>
-          <a:solidFill>
-            <a:srgbClr val="F3F3F3"/>
-          </a:solidFill>
-          <a:ln>
-            <a:noFill/>
-          </a:ln>
-        </p:spPr>
-        <p:txBody>
-          <a:bodyPr anchorCtr="0" anchor="ctr" bIns="91425" lIns="91425" spcFirstLastPara="1" rIns="91425" wrap="square" tIns="91425">
-            <a:noAutofit/>
-          </a:bodyPr>
-          <a:lstStyle/>
-          <a:p>
-            <a:pPr indent="0" lvl="0" marL="0" rtl="0" algn="l">
-              <a:spcBef>
-                <a:spcPts val="0"/>
-              </a:spcBef>
-              <a:spcAft>
-                <a:spcPts val="0"/>
-              </a:spcAft>
-              <a:buNone/>
-            </a:pPr>
-            <a:r>
-              <a:t/>
-            </a:r>
-            <a:endParaRPr/>
-          </a:p>
-        </p:txBody>
-      </p:sp>
-      <p:sp>
-        <p:nvSpPr>
-          <p:cNvPr id="350" name="Google Shape;350;p22"/>
-          <p:cNvSpPr/>
-          <p:nvPr/>
-        </p:nvSpPr>
-        <p:spPr>
-          <a:xfrm>
-            <a:off x="3623325" y="2212700"/>
-            <a:ext cx="1162800" cy="1036500"/>
-          </a:xfrm>
-          <a:prstGeom prst="rect">
-            <a:avLst/>
-          </a:prstGeom>
-          <a:solidFill>
-            <a:srgbClr val="D9D9D9"/>
-          </a:solidFill>
-          <a:ln>
-            <a:noFill/>
-          </a:ln>
-        </p:spPr>
-        <p:txBody>
-          <a:bodyPr anchorCtr="0" anchor="ctr" bIns="91425" lIns="91425" spcFirstLastPara="1" rIns="91425" wrap="square" tIns="91425">
-            <a:noAutofit/>
-          </a:bodyPr>
-          <a:lstStyle/>
-          <a:p>
-            <a:pPr indent="0" lvl="0" marL="0" rtl="0" algn="l">
-              <a:spcBef>
-                <a:spcPts val="0"/>
-              </a:spcBef>
-              <a:spcAft>
-                <a:spcPts val="0"/>
-              </a:spcAft>
-              <a:buNone/>
-            </a:pPr>
-            <a:r>
-              <a:t/>
-            </a:r>
-            <a:endParaRPr/>
-          </a:p>
-        </p:txBody>
-      </p:sp>
-      <p:sp>
-        <p:nvSpPr>
-          <p:cNvPr id="351" name="Google Shape;351;p22"/>
-          <p:cNvSpPr/>
-          <p:nvPr/>
-        </p:nvSpPr>
-        <p:spPr>
-          <a:xfrm flipH="1" rot="5400000">
-            <a:off x="4276402" y="-487572"/>
-            <a:ext cx="18300" cy="4042800"/>
-          </a:xfrm>
-          <a:prstGeom prst="rect">
-            <a:avLst/>
-          </a:prstGeom>
-          <a:solidFill>
-            <a:schemeClr val="accent1"/>
-          </a:solidFill>
-          <a:ln>
-            <a:noFill/>
-          </a:ln>
-        </p:spPr>
-        <p:txBody>
-          <a:bodyPr anchorCtr="0" anchor="ctr" bIns="91425" lIns="91425" spcFirstLastPara="1" rIns="91425" wrap="square" tIns="91425">
-            <a:noAutofit/>
-          </a:bodyPr>
-          <a:lstStyle/>
-          <a:p>
-            <a:pPr indent="0" lvl="0" marL="0" rtl="0" algn="l">
-              <a:spcBef>
-                <a:spcPts val="0"/>
-              </a:spcBef>
-              <a:spcAft>
-                <a:spcPts val="0"/>
-              </a:spcAft>
-              <a:buNone/>
-            </a:pPr>
-            <a:r>
-              <a:t/>
-            </a:r>
-            <a:endParaRPr/>
-          </a:p>
-        </p:txBody>
-      </p:sp>
-      <p:sp>
-        <p:nvSpPr>
-          <p:cNvPr id="352" name="Google Shape;352;p22"/>
-          <p:cNvSpPr/>
-          <p:nvPr/>
-        </p:nvSpPr>
-        <p:spPr>
-          <a:xfrm flipH="1" rot="5400000">
-            <a:off x="4274695" y="1684206"/>
-            <a:ext cx="18300" cy="4042800"/>
-          </a:xfrm>
-          <a:prstGeom prst="rect">
-            <a:avLst/>
-          </a:prstGeom>
-          <a:solidFill>
-            <a:schemeClr val="accent1"/>
-          </a:solidFill>
-          <a:ln>
-            <a:noFill/>
-          </a:ln>
-        </p:spPr>
-        <p:txBody>
-          <a:bodyPr anchorCtr="0" anchor="ctr" bIns="91425" lIns="91425" spcFirstLastPara="1" rIns="91425" wrap="square" tIns="91425">
-            <a:noAutofit/>
-          </a:bodyPr>
-          <a:lstStyle/>
-          <a:p>
-            <a:pPr indent="0" lvl="0" marL="0" rtl="0" algn="l">
-              <a:spcBef>
-                <a:spcPts val="0"/>
-              </a:spcBef>
-              <a:spcAft>
-                <a:spcPts val="0"/>
-              </a:spcAft>
-              <a:buNone/>
-            </a:pPr>
-            <a:r>
-              <a:t/>
-            </a:r>
-            <a:endParaRPr/>
-          </a:p>
-        </p:txBody>
-      </p:sp>
-      <p:sp>
-        <p:nvSpPr>
-          <p:cNvPr id="353" name="Google Shape;353;p22"/>
-          <p:cNvSpPr/>
-          <p:nvPr/>
-        </p:nvSpPr>
-        <p:spPr>
-          <a:xfrm flipH="1" rot="5400000">
-            <a:off x="4195276" y="184590"/>
-            <a:ext cx="36600" cy="4042800"/>
-          </a:xfrm>
-          <a:prstGeom prst="rect">
-            <a:avLst/>
-          </a:prstGeom>
-          <a:solidFill>
-            <a:schemeClr val="accent1"/>
-          </a:solidFill>
-          <a:ln>
-            <a:noFill/>
-          </a:ln>
-        </p:spPr>
-        <p:txBody>
-          <a:bodyPr anchorCtr="0" anchor="ctr" bIns="91425" lIns="91425" spcFirstLastPara="1" rIns="91425" wrap="square" tIns="91425">
-            <a:noAutofit/>
-          </a:bodyPr>
-          <a:lstStyle/>
-          <a:p>
-            <a:pPr indent="0" lvl="0" marL="0" rtl="0" algn="l">
-              <a:spcBef>
-                <a:spcPts val="0"/>
-              </a:spcBef>
-              <a:spcAft>
-                <a:spcPts val="0"/>
-              </a:spcAft>
-              <a:buNone/>
-            </a:pPr>
-            <a:r>
-              <a:t/>
-            </a:r>
-            <a:endParaRPr/>
-          </a:p>
-        </p:txBody>
-      </p:sp>
-      <p:sp>
-        <p:nvSpPr>
-          <p:cNvPr id="354" name="Google Shape;354;p22"/>
-          <p:cNvSpPr/>
-          <p:nvPr/>
-        </p:nvSpPr>
-        <p:spPr>
-          <a:xfrm flipH="1" rot="5400000">
-            <a:off x="4222728" y="1217850"/>
-            <a:ext cx="45600" cy="4042800"/>
-          </a:xfrm>
-          <a:prstGeom prst="rect">
-            <a:avLst/>
-          </a:prstGeom>
-          <a:solidFill>
-            <a:schemeClr val="accent1"/>
-          </a:solidFill>
-          <a:ln>
-            <a:noFill/>
-          </a:ln>
-        </p:spPr>
-        <p:txBody>
-          <a:bodyPr anchorCtr="0" anchor="ctr" bIns="91425" lIns="91425" spcFirstLastPara="1" rIns="91425" wrap="square" tIns="91425">
-            <a:noAutofit/>
-          </a:bodyPr>
-          <a:lstStyle/>
-          <a:p>
-            <a:pPr indent="0" lvl="0" marL="0" rtl="0" algn="l">
-              <a:spcBef>
-                <a:spcPts val="0"/>
-              </a:spcBef>
-              <a:spcAft>
-                <a:spcPts val="0"/>
-              </a:spcAft>
-              <a:buNone/>
-            </a:pPr>
-            <a:r>
-              <a:t/>
-            </a:r>
-            <a:endParaRPr/>
-          </a:p>
-        </p:txBody>
-      </p:sp>
-      <p:sp>
-        <p:nvSpPr>
-          <p:cNvPr id="355" name="Google Shape;355;p22"/>
-          <p:cNvSpPr/>
-          <p:nvPr/>
-        </p:nvSpPr>
-        <p:spPr>
-          <a:xfrm>
-            <a:off x="4753062" y="1150350"/>
-            <a:ext cx="58500" cy="3160500"/>
-          </a:xfrm>
-          <a:prstGeom prst="rect">
-            <a:avLst/>
-          </a:prstGeom>
-          <a:solidFill>
-            <a:srgbClr val="6AA84F"/>
-          </a:solidFill>
-          <a:ln>
-            <a:noFill/>
-          </a:ln>
-        </p:spPr>
-        <p:txBody>
-          <a:bodyPr anchorCtr="0" anchor="ctr" bIns="91425" lIns="91425" spcFirstLastPara="1" rIns="91425" wrap="square" tIns="91425">
-            <a:noAutofit/>
-          </a:bodyPr>
-          <a:lstStyle/>
-          <a:p>
-            <a:pPr indent="0" lvl="0" marL="0" rtl="0" algn="l">
-              <a:spcBef>
-                <a:spcPts val="0"/>
-              </a:spcBef>
-              <a:spcAft>
-                <a:spcPts val="0"/>
-              </a:spcAft>
-              <a:buNone/>
-            </a:pPr>
-            <a:r>
-              <a:t/>
-            </a:r>
-            <a:endParaRPr/>
-          </a:p>
-        </p:txBody>
-      </p:sp>
-      <p:sp>
-        <p:nvSpPr>
-          <p:cNvPr id="356" name="Google Shape;356;p22"/>
-          <p:cNvSpPr/>
-          <p:nvPr/>
-        </p:nvSpPr>
-        <p:spPr>
-          <a:xfrm>
-            <a:off x="5705850" y="1110325"/>
-            <a:ext cx="18300" cy="3160500"/>
-          </a:xfrm>
-          <a:prstGeom prst="rect">
-            <a:avLst/>
-          </a:prstGeom>
-          <a:solidFill>
-            <a:srgbClr val="6AA84F"/>
-          </a:solidFill>
-          <a:ln>
-            <a:noFill/>
-          </a:ln>
-        </p:spPr>
-        <p:txBody>
-          <a:bodyPr anchorCtr="0" anchor="ctr" bIns="91425" lIns="91425" spcFirstLastPara="1" rIns="91425" wrap="square" tIns="91425">
-            <a:noAutofit/>
-          </a:bodyPr>
-          <a:lstStyle/>
-          <a:p>
-            <a:pPr indent="0" lvl="0" marL="0" rtl="0" algn="l">
-              <a:spcBef>
-                <a:spcPts val="0"/>
-              </a:spcBef>
-              <a:spcAft>
-                <a:spcPts val="0"/>
-              </a:spcAft>
-              <a:buNone/>
-            </a:pPr>
-            <a:r>
-              <a:t/>
-            </a:r>
-            <a:endParaRPr/>
-          </a:p>
-        </p:txBody>
-      </p:sp>
-      <p:sp>
-        <p:nvSpPr>
-          <p:cNvPr id="357" name="Google Shape;357;p22"/>
-          <p:cNvSpPr/>
-          <p:nvPr/>
-        </p:nvSpPr>
-        <p:spPr>
-          <a:xfrm>
-            <a:off x="2606034" y="1150350"/>
-            <a:ext cx="18300" cy="3160500"/>
-          </a:xfrm>
-          <a:prstGeom prst="rect">
-            <a:avLst/>
-          </a:prstGeom>
-          <a:solidFill>
-            <a:srgbClr val="6AA84F"/>
-          </a:solidFill>
-          <a:ln>
-            <a:noFill/>
-          </a:ln>
-        </p:spPr>
-        <p:txBody>
-          <a:bodyPr anchorCtr="0" anchor="ctr" bIns="91425" lIns="91425" spcFirstLastPara="1" rIns="91425" wrap="square" tIns="91425">
-            <a:noAutofit/>
-          </a:bodyPr>
-          <a:lstStyle/>
-          <a:p>
-            <a:pPr indent="0" lvl="0" marL="0" rtl="0" algn="l">
-              <a:spcBef>
-                <a:spcPts val="0"/>
-              </a:spcBef>
-              <a:spcAft>
-                <a:spcPts val="0"/>
-              </a:spcAft>
-              <a:buNone/>
-            </a:pPr>
-            <a:r>
-              <a:t/>
-            </a:r>
-            <a:endParaRPr/>
-          </a:p>
-        </p:txBody>
-      </p:sp>
-      <p:sp>
-        <p:nvSpPr>
-          <p:cNvPr id="358" name="Google Shape;358;p22"/>
-          <p:cNvSpPr/>
-          <p:nvPr/>
-        </p:nvSpPr>
-        <p:spPr>
-          <a:xfrm>
-            <a:off x="3593580" y="1150350"/>
-            <a:ext cx="36600" cy="3160500"/>
-          </a:xfrm>
-          <a:prstGeom prst="rect">
-            <a:avLst/>
-          </a:prstGeom>
-          <a:solidFill>
-            <a:srgbClr val="6AA84F"/>
-          </a:solidFill>
-          <a:ln>
-            <a:noFill/>
-          </a:ln>
-        </p:spPr>
-        <p:txBody>
-          <a:bodyPr anchorCtr="0" anchor="ctr" bIns="91425" lIns="91425" spcFirstLastPara="1" rIns="91425" wrap="square" tIns="91425">
-            <a:noAutofit/>
-          </a:bodyPr>
-          <a:lstStyle/>
-          <a:p>
-            <a:pPr indent="0" lvl="0" marL="0" rtl="0" algn="l">
-              <a:spcBef>
-                <a:spcPts val="0"/>
-              </a:spcBef>
-              <a:spcAft>
-                <a:spcPts val="0"/>
-              </a:spcAft>
-              <a:buNone/>
-            </a:pPr>
-            <a:r>
-              <a:t/>
-            </a:r>
-            <a:endParaRPr/>
-          </a:p>
-        </p:txBody>
-      </p:sp>
-      <p:cxnSp>
-        <p:nvCxnSpPr>
-          <p:cNvPr id="359" name="Google Shape;359;p22"/>
-          <p:cNvCxnSpPr/>
-          <p:nvPr/>
-        </p:nvCxnSpPr>
-        <p:spPr>
-          <a:xfrm rot="10800000">
-            <a:off x="4297675" y="1114725"/>
-            <a:ext cx="8700" cy="3037800"/>
-          </a:xfrm>
-          <a:prstGeom prst="straightConnector1">
-            <a:avLst/>
-          </a:prstGeom>
-          <a:noFill/>
-          <a:ln cap="flat" cmpd="sng" w="19050">
-            <a:solidFill>
-              <a:schemeClr val="dk2"/>
-            </a:solidFill>
-            <a:prstDash val="solid"/>
-            <a:round/>
-            <a:headEnd len="med" w="med" type="none"/>
-            <a:tailEnd len="med" w="med" type="stealth"/>
-          </a:ln>
-        </p:spPr>
-      </p:cxnSp>
-      <p:cxnSp>
-        <p:nvCxnSpPr>
-          <p:cNvPr id="360" name="Google Shape;360;p22"/>
-          <p:cNvCxnSpPr/>
-          <p:nvPr/>
-        </p:nvCxnSpPr>
-        <p:spPr>
-          <a:xfrm>
-            <a:off x="4202725" y="3249100"/>
-            <a:ext cx="198600" cy="0"/>
-          </a:xfrm>
-          <a:prstGeom prst="straightConnector1">
-            <a:avLst/>
-          </a:prstGeom>
-          <a:noFill/>
-          <a:ln cap="flat" cmpd="sng" w="19050">
-            <a:solidFill>
-              <a:schemeClr val="dk2"/>
-            </a:solidFill>
-            <a:prstDash val="solid"/>
-            <a:round/>
-            <a:headEnd len="med" w="med" type="none"/>
-            <a:tailEnd len="med" w="med" type="none"/>
-          </a:ln>
-        </p:spPr>
-      </p:cxnSp>
-      <p:cxnSp>
-        <p:nvCxnSpPr>
-          <p:cNvPr id="361" name="Google Shape;361;p22"/>
-          <p:cNvCxnSpPr/>
-          <p:nvPr/>
-        </p:nvCxnSpPr>
-        <p:spPr>
-          <a:xfrm>
-            <a:off x="4202725" y="2215000"/>
-            <a:ext cx="198600" cy="0"/>
-          </a:xfrm>
-          <a:prstGeom prst="straightConnector1">
-            <a:avLst/>
-          </a:prstGeom>
-          <a:noFill/>
-          <a:ln cap="flat" cmpd="sng" w="19050">
-            <a:solidFill>
-              <a:schemeClr val="dk2"/>
-            </a:solidFill>
-            <a:prstDash val="solid"/>
-            <a:round/>
-            <a:headEnd len="med" w="med" type="none"/>
-            <a:tailEnd len="med" w="med" type="none"/>
-          </a:ln>
-        </p:spPr>
-      </p:cxnSp>
-      <p:cxnSp>
-        <p:nvCxnSpPr>
-          <p:cNvPr id="362" name="Google Shape;362;p22"/>
-          <p:cNvCxnSpPr/>
-          <p:nvPr/>
-        </p:nvCxnSpPr>
-        <p:spPr>
-          <a:xfrm>
-            <a:off x="4202725" y="1538925"/>
-            <a:ext cx="198600" cy="0"/>
-          </a:xfrm>
-          <a:prstGeom prst="straightConnector1">
-            <a:avLst/>
-          </a:prstGeom>
-          <a:noFill/>
-          <a:ln cap="flat" cmpd="sng" w="19050">
-            <a:solidFill>
-              <a:schemeClr val="dk2"/>
-            </a:solidFill>
-            <a:prstDash val="solid"/>
-            <a:round/>
-            <a:headEnd len="med" w="med" type="none"/>
-            <a:tailEnd len="med" w="med" type="none"/>
-          </a:ln>
-        </p:spPr>
-      </p:cxnSp>
-      <p:cxnSp>
-        <p:nvCxnSpPr>
-          <p:cNvPr id="363" name="Google Shape;363;p22"/>
-          <p:cNvCxnSpPr/>
-          <p:nvPr/>
-        </p:nvCxnSpPr>
-        <p:spPr>
-          <a:xfrm>
-            <a:off x="4202725" y="3716600"/>
-            <a:ext cx="198600" cy="0"/>
-          </a:xfrm>
-          <a:prstGeom prst="straightConnector1">
-            <a:avLst/>
-          </a:prstGeom>
-          <a:noFill/>
-          <a:ln cap="flat" cmpd="sng" w="19050">
-            <a:solidFill>
-              <a:schemeClr val="dk2"/>
-            </a:solidFill>
-            <a:prstDash val="solid"/>
-            <a:round/>
-            <a:headEnd len="med" w="med" type="none"/>
-            <a:tailEnd len="med" w="med" type="none"/>
-          </a:ln>
-        </p:spPr>
-      </p:cxnSp>
-      <p:cxnSp>
-        <p:nvCxnSpPr>
-          <p:cNvPr id="364" name="Google Shape;364;p22"/>
-          <p:cNvCxnSpPr/>
-          <p:nvPr/>
-        </p:nvCxnSpPr>
-        <p:spPr>
-          <a:xfrm rot="-5400000">
-            <a:off x="4129198" y="604102"/>
-            <a:ext cx="10200" cy="4346400"/>
-          </a:xfrm>
-          <a:prstGeom prst="straightConnector1">
-            <a:avLst/>
-          </a:prstGeom>
-          <a:noFill/>
-          <a:ln cap="flat" cmpd="sng" w="19050">
-            <a:solidFill>
-              <a:schemeClr val="dk2"/>
-            </a:solidFill>
-            <a:prstDash val="solid"/>
-            <a:round/>
-            <a:headEnd len="med" w="med" type="none"/>
-            <a:tailEnd len="med" w="med" type="stealth"/>
-          </a:ln>
-        </p:spPr>
-      </p:cxnSp>
-      <p:cxnSp>
-        <p:nvCxnSpPr>
-          <p:cNvPr id="365" name="Google Shape;365;p22"/>
-          <p:cNvCxnSpPr/>
-          <p:nvPr/>
-        </p:nvCxnSpPr>
-        <p:spPr>
-          <a:xfrm rot="5400000">
-            <a:off x="3498855" y="2777374"/>
-            <a:ext cx="229542" cy="0"/>
-          </a:xfrm>
-          <a:prstGeom prst="straightConnector1">
-            <a:avLst/>
-          </a:prstGeom>
-          <a:noFill/>
-          <a:ln cap="flat" cmpd="sng" w="19050">
-            <a:solidFill>
-              <a:schemeClr val="dk2"/>
-            </a:solidFill>
-            <a:prstDash val="solid"/>
-            <a:round/>
-            <a:headEnd len="med" w="med" type="none"/>
-            <a:tailEnd len="med" w="med" type="none"/>
-          </a:ln>
-        </p:spPr>
-      </p:cxnSp>
-      <p:cxnSp>
-        <p:nvCxnSpPr>
-          <p:cNvPr id="366" name="Google Shape;366;p22"/>
-          <p:cNvCxnSpPr/>
-          <p:nvPr/>
-        </p:nvCxnSpPr>
-        <p:spPr>
-          <a:xfrm rot="5400000">
-            <a:off x="4667562" y="2777353"/>
-            <a:ext cx="229500" cy="0"/>
-          </a:xfrm>
-          <a:prstGeom prst="straightConnector1">
-            <a:avLst/>
-          </a:prstGeom>
-          <a:noFill/>
-          <a:ln cap="flat" cmpd="sng" w="19050">
-            <a:solidFill>
-              <a:schemeClr val="dk2"/>
-            </a:solidFill>
-            <a:prstDash val="solid"/>
-            <a:round/>
-            <a:headEnd len="med" w="med" type="none"/>
-            <a:tailEnd len="med" w="med" type="none"/>
-          </a:ln>
-        </p:spPr>
-      </p:cxnSp>
-      <p:cxnSp>
-        <p:nvCxnSpPr>
-          <p:cNvPr id="367" name="Google Shape;367;p22"/>
-          <p:cNvCxnSpPr/>
-          <p:nvPr/>
-        </p:nvCxnSpPr>
-        <p:spPr>
-          <a:xfrm rot="5400000">
-            <a:off x="5600250" y="2777353"/>
-            <a:ext cx="229500" cy="0"/>
-          </a:xfrm>
-          <a:prstGeom prst="straightConnector1">
-            <a:avLst/>
-          </a:prstGeom>
-          <a:noFill/>
-          <a:ln cap="flat" cmpd="sng" w="19050">
-            <a:solidFill>
-              <a:schemeClr val="dk2"/>
-            </a:solidFill>
-            <a:prstDash val="solid"/>
-            <a:round/>
-            <a:headEnd len="med" w="med" type="none"/>
-            <a:tailEnd len="med" w="med" type="none"/>
-          </a:ln>
-        </p:spPr>
-      </p:cxnSp>
-      <p:cxnSp>
-        <p:nvCxnSpPr>
-          <p:cNvPr id="368" name="Google Shape;368;p22"/>
-          <p:cNvCxnSpPr/>
-          <p:nvPr/>
-        </p:nvCxnSpPr>
-        <p:spPr>
-          <a:xfrm rot="5400000">
-            <a:off x="2502875" y="2777374"/>
-            <a:ext cx="229542" cy="0"/>
-          </a:xfrm>
-          <a:prstGeom prst="straightConnector1">
-            <a:avLst/>
-          </a:prstGeom>
-          <a:noFill/>
-          <a:ln cap="flat" cmpd="sng" w="19050">
-            <a:solidFill>
-              <a:schemeClr val="dk2"/>
-            </a:solidFill>
-            <a:prstDash val="solid"/>
-            <a:round/>
-            <a:headEnd len="med" w="med" type="none"/>
-            <a:tailEnd len="med" w="med" type="none"/>
-          </a:ln>
-        </p:spPr>
-      </p:cxnSp>
-      <p:pic>
-        <p:nvPicPr>
-          <p:cNvPr descr="\mu_0&#10;%4fd8fc15-5910-4c9f-9fff-f8b1cb1e7dca" id="369" name="Google Shape;369;p22"/>
-          <p:cNvPicPr preferRelativeResize="0"/>
-          <p:nvPr/>
-        </p:nvPicPr>
-        <p:blipFill>
-          <a:blip r:embed="rId3">
-            <a:alphaModFix/>
-          </a:blip>
-          <a:stretch>
-            <a:fillRect/>
-          </a:stretch>
-        </p:blipFill>
-        <p:spPr>
-          <a:xfrm>
-            <a:off x="6340025" y="2726525"/>
-            <a:ext cx="209550" cy="133350"/>
-          </a:xfrm>
-          <a:prstGeom prst="rect">
-            <a:avLst/>
-          </a:prstGeom>
-          <a:noFill/>
-          <a:ln>
-            <a:noFill/>
-          </a:ln>
-        </p:spPr>
-      </p:pic>
-      <p:pic>
-        <p:nvPicPr>
-          <p:cNvPr descr="\mu_1&#10;%9c15d604-63eb-4f76-b36e-1ecf106ccda0" id="370" name="Google Shape;370;p22"/>
-          <p:cNvPicPr preferRelativeResize="0"/>
-          <p:nvPr/>
-        </p:nvPicPr>
-        <p:blipFill>
-          <a:blip r:embed="rId4">
-            <a:alphaModFix/>
-          </a:blip>
-          <a:stretch>
-            <a:fillRect/>
-          </a:stretch>
-        </p:blipFill>
-        <p:spPr>
-          <a:xfrm>
-            <a:off x="4206400" y="971350"/>
-            <a:ext cx="209550" cy="133350"/>
-          </a:xfrm>
-          <a:prstGeom prst="rect">
-            <a:avLst/>
-          </a:prstGeom>
-          <a:noFill/>
-          <a:ln>
-            <a:noFill/>
-          </a:ln>
-        </p:spPr>
-      </p:pic>
-      <p:grpSp>
-        <p:nvGrpSpPr>
-          <p:cNvPr id="371" name="Google Shape;371;p22"/>
-          <p:cNvGrpSpPr/>
-          <p:nvPr/>
-        </p:nvGrpSpPr>
-        <p:grpSpPr>
-          <a:xfrm rot="2700243">
-            <a:off x="4220871" y="2712053"/>
-            <a:ext cx="162310" cy="162310"/>
-            <a:chOff x="3066025" y="1722400"/>
-            <a:chExt cx="162300" cy="162300"/>
-          </a:xfrm>
-        </p:grpSpPr>
-        <p:cxnSp>
-          <p:nvCxnSpPr>
-            <p:cNvPr id="372" name="Google Shape;372;p22"/>
-            <p:cNvCxnSpPr/>
-            <p:nvPr/>
-          </p:nvCxnSpPr>
-          <p:spPr>
-            <a:xfrm>
-              <a:off x="3066025" y="1803550"/>
-              <a:ext cx="162300" cy="0"/>
-            </a:xfrm>
-            <a:prstGeom prst="straightConnector1">
-              <a:avLst/>
-            </a:prstGeom>
-            <a:noFill/>
-            <a:ln cap="flat" cmpd="sng" w="28575">
-              <a:solidFill>
-                <a:schemeClr val="dk2"/>
-              </a:solidFill>
-              <a:prstDash val="solid"/>
-              <a:round/>
-              <a:headEnd len="med" w="med" type="none"/>
-              <a:tailEnd len="med" w="med" type="none"/>
-            </a:ln>
-          </p:spPr>
-        </p:cxnSp>
-        <p:cxnSp>
-          <p:nvCxnSpPr>
-            <p:cNvPr id="373" name="Google Shape;373;p22"/>
-            <p:cNvCxnSpPr/>
-            <p:nvPr/>
-          </p:nvCxnSpPr>
-          <p:spPr>
-            <a:xfrm rot="5400000">
-              <a:off x="3066025" y="1803550"/>
-              <a:ext cx="162300" cy="0"/>
-            </a:xfrm>
-            <a:prstGeom prst="straightConnector1">
-              <a:avLst/>
-            </a:prstGeom>
-            <a:noFill/>
-            <a:ln cap="flat" cmpd="sng" w="28575">
-              <a:solidFill>
-                <a:schemeClr val="dk2"/>
-              </a:solidFill>
-              <a:prstDash val="solid"/>
-              <a:round/>
-              <a:headEnd len="med" w="med" type="none"/>
-              <a:tailEnd len="med" w="med" type="none"/>
-            </a:ln>
-          </p:spPr>
-        </p:cxnSp>
-      </p:grpSp>
-      <p:pic>
-        <p:nvPicPr>
-          <p:cNvPr descr="\color{green}\text u_{-1}&#10;%adf6f5c2-50e3-45d1-bd1b-e88baec4757f" id="374" name="Google Shape;374;p22"/>
-          <p:cNvPicPr preferRelativeResize="0"/>
-          <p:nvPr/>
-        </p:nvPicPr>
-        <p:blipFill>
-          <a:blip r:embed="rId5">
-            <a:alphaModFix/>
-          </a:blip>
-          <a:stretch>
-            <a:fillRect/>
-          </a:stretch>
-        </p:blipFill>
-        <p:spPr>
-          <a:xfrm>
-            <a:off x="2477063" y="4316525"/>
-            <a:ext cx="276225" cy="123825"/>
-          </a:xfrm>
-          <a:prstGeom prst="rect">
-            <a:avLst/>
-          </a:prstGeom>
-          <a:noFill/>
-          <a:ln>
-            <a:noFill/>
-          </a:ln>
-        </p:spPr>
-      </p:pic>
-      <p:pic>
-        <p:nvPicPr>
-          <p:cNvPr descr="\color{green}\text u_{0}&#10;%906e6afc-0e44-4f01-af47-d271f6a05171" id="375" name="Google Shape;375;p22"/>
-          <p:cNvPicPr preferRelativeResize="0"/>
-          <p:nvPr/>
-        </p:nvPicPr>
-        <p:blipFill>
-          <a:blip r:embed="rId6">
-            <a:alphaModFix/>
-          </a:blip>
-          <a:stretch>
-            <a:fillRect/>
-          </a:stretch>
-        </p:blipFill>
-        <p:spPr>
-          <a:xfrm>
-            <a:off x="3523138" y="4316525"/>
-            <a:ext cx="180975" cy="114300"/>
-          </a:xfrm>
-          <a:prstGeom prst="rect">
-            <a:avLst/>
-          </a:prstGeom>
-          <a:noFill/>
-          <a:ln>
-            <a:noFill/>
-          </a:ln>
-        </p:spPr>
-      </p:pic>
-      <p:pic>
-        <p:nvPicPr>
-          <p:cNvPr descr="\color{green}\text u_{1}&#10;%e1067567-553d-43e1-b56d-dbfd64c239a5" id="376" name="Google Shape;376;p22"/>
-          <p:cNvPicPr preferRelativeResize="0"/>
-          <p:nvPr/>
-        </p:nvPicPr>
-        <p:blipFill>
-          <a:blip r:embed="rId7">
-            <a:alphaModFix/>
-          </a:blip>
-          <a:stretch>
-            <a:fillRect/>
-          </a:stretch>
-        </p:blipFill>
-        <p:spPr>
-          <a:xfrm>
-            <a:off x="4691813" y="4316525"/>
-            <a:ext cx="180975" cy="114300"/>
-          </a:xfrm>
-          <a:prstGeom prst="rect">
-            <a:avLst/>
-          </a:prstGeom>
-          <a:noFill/>
-          <a:ln>
-            <a:noFill/>
-          </a:ln>
-        </p:spPr>
-      </p:pic>
-      <p:pic>
-        <p:nvPicPr>
-          <p:cNvPr descr="\color{green}\text u_{2}&#10;%384f529e-07b5-44f5-8cb1-905d7b69e08a" id="377" name="Google Shape;377;p22"/>
-          <p:cNvPicPr preferRelativeResize="0"/>
-          <p:nvPr/>
-        </p:nvPicPr>
-        <p:blipFill>
-          <a:blip r:embed="rId8">
-            <a:alphaModFix/>
-          </a:blip>
-          <a:stretch>
-            <a:fillRect/>
-          </a:stretch>
-        </p:blipFill>
-        <p:spPr>
-          <a:xfrm>
-            <a:off x="5624513" y="4316525"/>
-            <a:ext cx="180975" cy="114300"/>
-          </a:xfrm>
-          <a:prstGeom prst="rect">
-            <a:avLst/>
-          </a:prstGeom>
-          <a:noFill/>
-          <a:ln>
-            <a:noFill/>
-          </a:ln>
-        </p:spPr>
-      </p:pic>
-      <p:pic>
-        <p:nvPicPr>
-          <p:cNvPr descr="\color{blue}\text v_{2}&#10;%5a7f7398-e9e7-424d-88d8-bf6384e63540" id="378" name="Google Shape;378;p22"/>
-          <p:cNvPicPr preferRelativeResize="0"/>
-          <p:nvPr/>
-        </p:nvPicPr>
-        <p:blipFill>
-          <a:blip r:embed="rId9">
-            <a:alphaModFix/>
-          </a:blip>
-          <a:stretch>
-            <a:fillRect/>
-          </a:stretch>
-        </p:blipFill>
-        <p:spPr>
-          <a:xfrm>
-            <a:off x="6322113" y="1486225"/>
-            <a:ext cx="180975" cy="104775"/>
-          </a:xfrm>
-          <a:prstGeom prst="rect">
-            <a:avLst/>
-          </a:prstGeom>
-          <a:noFill/>
-          <a:ln>
-            <a:noFill/>
-          </a:ln>
-        </p:spPr>
-      </p:pic>
-      <p:pic>
-        <p:nvPicPr>
-          <p:cNvPr descr="\color{blue}\text v_{1}&#10;%bc4e7771-3600-4b20-b334-48a8f6a4d985" id="379" name="Google Shape;379;p22"/>
-          <p:cNvPicPr preferRelativeResize="0"/>
-          <p:nvPr/>
-        </p:nvPicPr>
-        <p:blipFill>
-          <a:blip r:embed="rId10">
-            <a:alphaModFix/>
-          </a:blip>
-          <a:stretch>
-            <a:fillRect/>
-          </a:stretch>
-        </p:blipFill>
-        <p:spPr>
-          <a:xfrm>
-            <a:off x="6284525" y="2129213"/>
-            <a:ext cx="180975" cy="104775"/>
-          </a:xfrm>
-          <a:prstGeom prst="rect">
-            <a:avLst/>
-          </a:prstGeom>
-          <a:noFill/>
-          <a:ln>
-            <a:noFill/>
-          </a:ln>
-        </p:spPr>
-      </p:pic>
-      <p:pic>
-        <p:nvPicPr>
-          <p:cNvPr descr="\color{blue}\text v_{0}&#10;%f4567b78-0f8d-47d2-a8cb-9f913578825d" id="380" name="Google Shape;380;p22"/>
-          <p:cNvPicPr preferRelativeResize="0"/>
-          <p:nvPr/>
-        </p:nvPicPr>
-        <p:blipFill>
-          <a:blip r:embed="rId11">
-            <a:alphaModFix/>
-          </a:blip>
-          <a:stretch>
-            <a:fillRect/>
-          </a:stretch>
-        </p:blipFill>
-        <p:spPr>
-          <a:xfrm>
-            <a:off x="6322125" y="3155900"/>
-            <a:ext cx="180975" cy="114300"/>
-          </a:xfrm>
-          <a:prstGeom prst="rect">
-            <a:avLst/>
-          </a:prstGeom>
-          <a:noFill/>
-          <a:ln>
-            <a:noFill/>
-          </a:ln>
-        </p:spPr>
-      </p:pic>
-      <p:pic>
-        <p:nvPicPr>
-          <p:cNvPr descr="\color{blue}\text v_{-1}&#10;%c39cd0ce-3d9b-4b9f-9276-3add3429be1e" id="381" name="Google Shape;381;p22"/>
-          <p:cNvPicPr preferRelativeResize="0"/>
-          <p:nvPr/>
-        </p:nvPicPr>
-        <p:blipFill>
-          <a:blip r:embed="rId12">
-            <a:alphaModFix/>
-          </a:blip>
-          <a:stretch>
-            <a:fillRect/>
-          </a:stretch>
-        </p:blipFill>
-        <p:spPr>
-          <a:xfrm>
-            <a:off x="6326875" y="3659450"/>
-            <a:ext cx="276225" cy="114300"/>
-          </a:xfrm>
-          <a:prstGeom prst="rect">
-            <a:avLst/>
-          </a:prstGeom>
-          <a:noFill/>
-          <a:ln>
-            <a:noFill/>
-          </a:ln>
-        </p:spPr>
-      </p:pic>
-      <p:pic>
-        <p:nvPicPr>
-          <p:cNvPr descr="\text w_{0,1}&#10;%0b2d76a5-01fa-4f96-8b90-6aa937403b4a" id="382" name="Google Shape;382;p22"/>
-          <p:cNvPicPr preferRelativeResize="0"/>
-          <p:nvPr/>
-        </p:nvPicPr>
-        <p:blipFill>
-          <a:blip r:embed="rId13">
-            <a:alphaModFix/>
-          </a:blip>
-          <a:stretch>
-            <a:fillRect/>
-          </a:stretch>
-        </p:blipFill>
-        <p:spPr>
-          <a:xfrm>
-            <a:off x="3295513" y="2028188"/>
-            <a:ext cx="314325" cy="133350"/>
-          </a:xfrm>
-          <a:prstGeom prst="rect">
-            <a:avLst/>
-          </a:prstGeom>
-          <a:noFill/>
-          <a:ln>
-            <a:noFill/>
-          </a:ln>
-        </p:spPr>
-      </p:pic>
-      <p:pic>
-        <p:nvPicPr>
-          <p:cNvPr descr="\text w_{1,1}&#10;%6de02c1e-6f0c-4b42-ade2-78d845f62cf6" id="383" name="Google Shape;383;p22"/>
-          <p:cNvPicPr preferRelativeResize="0"/>
-          <p:nvPr/>
-        </p:nvPicPr>
-        <p:blipFill>
-          <a:blip r:embed="rId14">
-            <a:alphaModFix/>
-          </a:blip>
-          <a:stretch>
-            <a:fillRect/>
-          </a:stretch>
-        </p:blipFill>
-        <p:spPr>
-          <a:xfrm>
-            <a:off x="4811550" y="2028188"/>
-            <a:ext cx="314325" cy="133350"/>
-          </a:xfrm>
-          <a:prstGeom prst="rect">
-            <a:avLst/>
-          </a:prstGeom>
-          <a:noFill/>
-          <a:ln>
-            <a:noFill/>
-          </a:ln>
-        </p:spPr>
-      </p:pic>
-      <p:pic>
-        <p:nvPicPr>
-          <p:cNvPr descr="\text w_{-1,1}&#10;%2888ab32-7587-4893-b943-44397bad5c66" id="384" name="Google Shape;384;p22"/>
-          <p:cNvPicPr preferRelativeResize="0"/>
-          <p:nvPr/>
-        </p:nvPicPr>
-        <p:blipFill>
-          <a:blip r:embed="rId15">
-            <a:alphaModFix/>
-          </a:blip>
-          <a:stretch>
-            <a:fillRect/>
-          </a:stretch>
-        </p:blipFill>
-        <p:spPr>
-          <a:xfrm>
-            <a:off x="2198100" y="2028188"/>
-            <a:ext cx="409575" cy="133350"/>
-          </a:xfrm>
-          <a:prstGeom prst="rect">
-            <a:avLst/>
-          </a:prstGeom>
-          <a:noFill/>
-          <a:ln>
-            <a:noFill/>
-          </a:ln>
-        </p:spPr>
-      </p:pic>
-      <p:pic>
-        <p:nvPicPr>
-          <p:cNvPr descr="\text w_{-1,0}&#10;%98e187f9-e0c0-44b1-aa45-485de0f03df5" id="385" name="Google Shape;385;p22"/>
-          <p:cNvPicPr preferRelativeResize="0"/>
-          <p:nvPr/>
-        </p:nvPicPr>
-        <p:blipFill>
-          <a:blip r:embed="rId16">
-            <a:alphaModFix/>
-          </a:blip>
-          <a:stretch>
-            <a:fillRect/>
-          </a:stretch>
-        </p:blipFill>
-        <p:spPr>
-          <a:xfrm>
-            <a:off x="2198100" y="3270200"/>
-            <a:ext cx="409575" cy="133350"/>
-          </a:xfrm>
-          <a:prstGeom prst="rect">
-            <a:avLst/>
-          </a:prstGeom>
-          <a:noFill/>
-          <a:ln>
-            <a:noFill/>
-          </a:ln>
-        </p:spPr>
-      </p:pic>
-      <p:pic>
-        <p:nvPicPr>
-          <p:cNvPr descr="\text w_{-1,-1}&#10;%0b5ea587-698e-4c99-bbf8-f8f443caab72" id="386" name="Google Shape;386;p22"/>
-          <p:cNvPicPr preferRelativeResize="0"/>
-          <p:nvPr/>
-        </p:nvPicPr>
-        <p:blipFill>
-          <a:blip r:embed="rId17">
-            <a:alphaModFix/>
-          </a:blip>
-          <a:stretch>
-            <a:fillRect/>
-          </a:stretch>
-        </p:blipFill>
-        <p:spPr>
-          <a:xfrm>
-            <a:off x="2102850" y="3722613"/>
-            <a:ext cx="504825" cy="133350"/>
-          </a:xfrm>
-          <a:prstGeom prst="rect">
-            <a:avLst/>
-          </a:prstGeom>
-          <a:noFill/>
-          <a:ln>
-            <a:noFill/>
-          </a:ln>
-        </p:spPr>
-      </p:pic>
-      <p:pic>
-        <p:nvPicPr>
-          <p:cNvPr descr="\text w_{2,-1}&#10;%3ba73600-bf80-4976-9270-f4c0af9904e7" id="387" name="Google Shape;387;p22"/>
-          <p:cNvPicPr preferRelativeResize="0"/>
-          <p:nvPr/>
-        </p:nvPicPr>
-        <p:blipFill>
-          <a:blip r:embed="rId18">
-            <a:alphaModFix/>
-          </a:blip>
-          <a:stretch>
-            <a:fillRect/>
-          </a:stretch>
-        </p:blipFill>
-        <p:spPr>
-          <a:xfrm>
-            <a:off x="5705850" y="3722613"/>
-            <a:ext cx="409575" cy="133350"/>
-          </a:xfrm>
-          <a:prstGeom prst="rect">
-            <a:avLst/>
-          </a:prstGeom>
-          <a:noFill/>
-          <a:ln>
-            <a:noFill/>
-          </a:ln>
-        </p:spPr>
-      </p:pic>
-      <p:pic>
-        <p:nvPicPr>
-          <p:cNvPr descr="\text w_{1,-1}&#10;%7a97ed46-8acf-4580-b31f-81e00d84b946" id="388" name="Google Shape;388;p22"/>
-          <p:cNvPicPr preferRelativeResize="0"/>
-          <p:nvPr/>
-        </p:nvPicPr>
-        <p:blipFill>
-          <a:blip r:embed="rId19">
-            <a:alphaModFix/>
-          </a:blip>
-          <a:stretch>
-            <a:fillRect/>
-          </a:stretch>
-        </p:blipFill>
-        <p:spPr>
-          <a:xfrm>
-            <a:off x="4811550" y="3722613"/>
-            <a:ext cx="409575" cy="133350"/>
-          </a:xfrm>
-          <a:prstGeom prst="rect">
-            <a:avLst/>
-          </a:prstGeom>
-          <a:noFill/>
-          <a:ln>
-            <a:noFill/>
-          </a:ln>
-        </p:spPr>
-      </p:pic>
-      <p:pic>
-        <p:nvPicPr>
-          <p:cNvPr descr="\text w_{1,0}&#10;%3e9d86f8-2000-40c4-b9b1-ce695a187957" id="389" name="Google Shape;389;p22"/>
-          <p:cNvPicPr preferRelativeResize="0"/>
-          <p:nvPr/>
-        </p:nvPicPr>
-        <p:blipFill>
-          <a:blip r:embed="rId20">
-            <a:alphaModFix/>
-          </a:blip>
-          <a:stretch>
-            <a:fillRect/>
-          </a:stretch>
-        </p:blipFill>
-        <p:spPr>
-          <a:xfrm>
-            <a:off x="4811550" y="3270200"/>
-            <a:ext cx="314325" cy="133350"/>
-          </a:xfrm>
-          <a:prstGeom prst="rect">
-            <a:avLst/>
-          </a:prstGeom>
-          <a:noFill/>
-          <a:ln>
-            <a:noFill/>
-          </a:ln>
-        </p:spPr>
-      </p:pic>
-      <p:pic>
-        <p:nvPicPr>
-          <p:cNvPr descr="\text w_{1,2}&#10;%4c341024-2233-41e8-ba27-87936e70f2d7" id="390" name="Google Shape;390;p22"/>
-          <p:cNvPicPr preferRelativeResize="0"/>
-          <p:nvPr/>
-        </p:nvPicPr>
-        <p:blipFill>
-          <a:blip r:embed="rId21">
-            <a:alphaModFix/>
-          </a:blip>
-          <a:stretch>
-            <a:fillRect/>
-          </a:stretch>
-        </p:blipFill>
-        <p:spPr>
-          <a:xfrm>
-            <a:off x="4811550" y="1333425"/>
-            <a:ext cx="314325" cy="133350"/>
-          </a:xfrm>
-          <a:prstGeom prst="rect">
-            <a:avLst/>
-          </a:prstGeom>
-          <a:noFill/>
-          <a:ln>
-            <a:noFill/>
-          </a:ln>
-        </p:spPr>
-      </p:pic>
-      <p:pic>
-        <p:nvPicPr>
-          <p:cNvPr descr="\text w_{0,2}&#10;%ce4d9607-e8b2-4bf9-8feb-57c1b9109cb1" id="391" name="Google Shape;391;p22"/>
-          <p:cNvPicPr preferRelativeResize="0"/>
-          <p:nvPr/>
-        </p:nvPicPr>
-        <p:blipFill>
-          <a:blip r:embed="rId22">
-            <a:alphaModFix/>
-          </a:blip>
-          <a:stretch>
-            <a:fillRect/>
-          </a:stretch>
-        </p:blipFill>
-        <p:spPr>
-          <a:xfrm>
-            <a:off x="3295513" y="1333425"/>
-            <a:ext cx="314325" cy="133350"/>
-          </a:xfrm>
-          <a:prstGeom prst="rect">
-            <a:avLst/>
-          </a:prstGeom>
-          <a:noFill/>
-          <a:ln>
-            <a:noFill/>
-          </a:ln>
-        </p:spPr>
-      </p:pic>
-      <p:pic>
-        <p:nvPicPr>
-          <p:cNvPr descr="\text w_{-1,2}&#10;%cbbbe6ac-43da-4ef3-be44-c51a7c4e39c1" id="392" name="Google Shape;392;p22"/>
-          <p:cNvPicPr preferRelativeResize="0"/>
-          <p:nvPr/>
-        </p:nvPicPr>
-        <p:blipFill>
-          <a:blip r:embed="rId23">
-            <a:alphaModFix/>
-          </a:blip>
-          <a:stretch>
-            <a:fillRect/>
-          </a:stretch>
-        </p:blipFill>
-        <p:spPr>
-          <a:xfrm>
-            <a:off x="2198100" y="1333425"/>
-            <a:ext cx="409575" cy="133350"/>
-          </a:xfrm>
-          <a:prstGeom prst="rect">
-            <a:avLst/>
-          </a:prstGeom>
-          <a:noFill/>
-          <a:ln>
-            <a:noFill/>
-          </a:ln>
-        </p:spPr>
-      </p:pic>
-      <p:pic>
-        <p:nvPicPr>
-          <p:cNvPr descr="\text w_{2,2}&#10;%8f3da358-f7cd-43ef-8806-06a096aaccb8" id="393" name="Google Shape;393;p22"/>
-          <p:cNvPicPr preferRelativeResize="0"/>
-          <p:nvPr/>
-        </p:nvPicPr>
-        <p:blipFill>
-          <a:blip r:embed="rId24">
-            <a:alphaModFix/>
-          </a:blip>
-          <a:stretch>
-            <a:fillRect/>
-          </a:stretch>
-        </p:blipFill>
-        <p:spPr>
-          <a:xfrm>
-            <a:off x="5705850" y="1333425"/>
-            <a:ext cx="314325" cy="133350"/>
-          </a:xfrm>
-          <a:prstGeom prst="rect">
-            <a:avLst/>
-          </a:prstGeom>
-          <a:noFill/>
-          <a:ln>
-            <a:noFill/>
-          </a:ln>
-        </p:spPr>
-      </p:pic>
-      <p:pic>
-        <p:nvPicPr>
-          <p:cNvPr descr="\text w_{2,1}&#10;%50217977-ccce-4262-baf6-9d60f7ce11e6" id="394" name="Google Shape;394;p22"/>
-          <p:cNvPicPr preferRelativeResize="0"/>
-          <p:nvPr/>
-        </p:nvPicPr>
-        <p:blipFill>
-          <a:blip r:embed="rId25">
-            <a:alphaModFix/>
-          </a:blip>
-          <a:stretch>
-            <a:fillRect/>
-          </a:stretch>
-        </p:blipFill>
-        <p:spPr>
-          <a:xfrm>
-            <a:off x="5705850" y="2028188"/>
-            <a:ext cx="314325" cy="133350"/>
-          </a:xfrm>
-          <a:prstGeom prst="rect">
-            <a:avLst/>
-          </a:prstGeom>
-          <a:noFill/>
-          <a:ln>
-            <a:noFill/>
-          </a:ln>
-        </p:spPr>
-      </p:pic>
-      <p:pic>
-        <p:nvPicPr>
-          <p:cNvPr descr="\text w_{1,2}&#10;%cd569eb6-a144-4487-86d4-ce714e469af5" id="395" name="Google Shape;395;p22"/>
-          <p:cNvPicPr preferRelativeResize="0"/>
-          <p:nvPr/>
-        </p:nvPicPr>
-        <p:blipFill>
-          <a:blip r:embed="rId21">
-            <a:alphaModFix/>
-          </a:blip>
-          <a:stretch>
-            <a:fillRect/>
-          </a:stretch>
-        </p:blipFill>
-        <p:spPr>
-          <a:xfrm>
-            <a:off x="5705850" y="3270200"/>
-            <a:ext cx="314325" cy="133350"/>
-          </a:xfrm>
-          <a:prstGeom prst="rect">
-            <a:avLst/>
-          </a:prstGeom>
-          <a:noFill/>
-          <a:ln>
-            <a:noFill/>
-          </a:ln>
-        </p:spPr>
-      </p:pic>
-      <p:pic>
-        <p:nvPicPr>
-          <p:cNvPr descr="\text w_{0,0}&#10;%ee047880-0d3d-4eb3-a0b9-69869b815223" id="396" name="Google Shape;396;p22"/>
-          <p:cNvPicPr preferRelativeResize="0"/>
-          <p:nvPr/>
-        </p:nvPicPr>
-        <p:blipFill>
-          <a:blip r:embed="rId26">
-            <a:alphaModFix/>
-          </a:blip>
-          <a:stretch>
-            <a:fillRect/>
-          </a:stretch>
-        </p:blipFill>
-        <p:spPr>
-          <a:xfrm>
-            <a:off x="3295513" y="3722613"/>
-            <a:ext cx="314325" cy="133350"/>
-          </a:xfrm>
-          <a:prstGeom prst="rect">
-            <a:avLst/>
-          </a:prstGeom>
-          <a:noFill/>
-          <a:ln>
-            <a:noFill/>
-          </a:ln>
-        </p:spPr>
-      </p:pic>
-      <p:pic>
-        <p:nvPicPr>
-          <p:cNvPr descr="\text w_{0,1}&#10;%f724ebb6-7637-43d8-8ba1-8d7664527e3b" id="397" name="Google Shape;397;p22"/>
-          <p:cNvPicPr preferRelativeResize="0"/>
-          <p:nvPr/>
-        </p:nvPicPr>
-        <p:blipFill>
-          <a:blip r:embed="rId13">
-            <a:alphaModFix/>
-          </a:blip>
-          <a:stretch>
-            <a:fillRect/>
-          </a:stretch>
-        </p:blipFill>
-        <p:spPr>
-          <a:xfrm>
-            <a:off x="3295513" y="3270200"/>
-            <a:ext cx="314325" cy="133350"/>
-          </a:xfrm>
-          <a:prstGeom prst="rect">
-            <a:avLst/>
-          </a:prstGeom>
-          <a:noFill/>
-          <a:ln>
-            <a:noFill/>
-          </a:ln>
-        </p:spPr>
-      </p:pic>
     </p:spTree>
   </p:cSld>
   <p:clrMapOvr>
@@ -8178,8 +6467,8 @@
         </p:blipFill>
         <p:spPr>
           <a:xfrm>
-            <a:off x="2024125" y="1700550"/>
-            <a:ext cx="5282198" cy="1454650"/>
+            <a:off x="2105650" y="1623050"/>
+            <a:ext cx="5048250" cy="1524000"/>
           </a:xfrm>
           <a:prstGeom prst="rect">
             <a:avLst/>
@@ -8206,7 +6495,7 @@
         </p:blipFill>
         <p:spPr>
           <a:xfrm>
-            <a:off x="4095750" y="3179025"/>
+            <a:off x="3790950" y="3179025"/>
             <a:ext cx="209550" cy="123825"/>
           </a:xfrm>
           <a:prstGeom prst="rect">
@@ -8234,7 +6523,7 @@
         </p:blipFill>
         <p:spPr>
           <a:xfrm>
-            <a:off x="5710150" y="3179025"/>
+            <a:off x="5481550" y="3179025"/>
             <a:ext cx="209550" cy="123825"/>
           </a:xfrm>
           <a:prstGeom prst="rect">
@@ -8290,7 +6579,7 @@
         </p:blipFill>
         <p:spPr>
           <a:xfrm>
-            <a:off x="4305300" y="2514800"/>
+            <a:off x="4181475" y="2571750"/>
             <a:ext cx="390525" cy="209550"/>
           </a:xfrm>
           <a:prstGeom prst="rect">
@@ -8352,7 +6641,7 @@
         </p:nvCxnSpPr>
         <p:spPr>
           <a:xfrm flipH="1" rot="10800000">
-            <a:off x="4572000" y="2221925"/>
+            <a:off x="4452713" y="2255300"/>
             <a:ext cx="95700" cy="259500"/>
           </a:xfrm>
           <a:prstGeom prst="straightConnector1">
@@ -8378,7 +6667,7 @@
         </p:nvCxnSpPr>
         <p:spPr>
           <a:xfrm flipH="1">
-            <a:off x="4846600" y="1752775"/>
+            <a:off x="4846600" y="1700550"/>
             <a:ext cx="65700" cy="250800"/>
           </a:xfrm>
           <a:prstGeom prst="straightConnector1">
@@ -8412,7 +6701,7 @@
         </p:blipFill>
         <p:spPr>
           <a:xfrm>
-            <a:off x="4014788" y="1623350"/>
+            <a:off x="3840963" y="1587300"/>
             <a:ext cx="371475" cy="209550"/>
           </a:xfrm>
           <a:prstGeom prst="rect">
@@ -8440,7 +6729,7 @@
         </p:blipFill>
         <p:spPr>
           <a:xfrm>
-            <a:off x="5591100" y="1832900"/>
+            <a:off x="5476788" y="1796850"/>
             <a:ext cx="371475" cy="209550"/>
           </a:xfrm>
           <a:prstGeom prst="rect">
@@ -8477,173 +6766,23 @@
           <a:chExt cx="0" cy="0"/>
         </a:xfrm>
       </p:grpSpPr>
-      <p:sp>
-        <p:nvSpPr>
-          <p:cNvPr id="82" name="Google Shape;82;p15"/>
-          <p:cNvSpPr/>
-          <p:nvPr/>
-        </p:nvSpPr>
-        <p:spPr>
-          <a:xfrm>
-            <a:off x="2320125" y="1364775"/>
-            <a:ext cx="3951300" cy="2456700"/>
-          </a:xfrm>
-          <a:prstGeom prst="rect">
-            <a:avLst/>
-          </a:prstGeom>
-          <a:noFill/>
-          <a:ln cap="flat" cmpd="sng" w="19050">
-            <a:solidFill>
-              <a:schemeClr val="dk2"/>
-            </a:solidFill>
-            <a:prstDash val="solid"/>
-            <a:round/>
-            <a:headEnd len="sm" w="sm" type="none"/>
-            <a:tailEnd len="sm" w="sm" type="none"/>
-          </a:ln>
-        </p:spPr>
-        <p:txBody>
-          <a:bodyPr anchorCtr="0" anchor="ctr" bIns="91425" lIns="91425" spcFirstLastPara="1" rIns="91425" wrap="square" tIns="91425">
-            <a:noAutofit/>
-          </a:bodyPr>
-          <a:lstStyle/>
-          <a:p>
-            <a:pPr indent="0" lvl="0" marL="0" rtl="0" algn="l">
-              <a:spcBef>
-                <a:spcPts val="0"/>
-              </a:spcBef>
-              <a:spcAft>
-                <a:spcPts val="0"/>
-              </a:spcAft>
-              <a:buNone/>
-            </a:pPr>
-            <a:r>
-              <a:t/>
-            </a:r>
-            <a:endParaRPr/>
-          </a:p>
-        </p:txBody>
-      </p:sp>
-      <p:cxnSp>
-        <p:nvCxnSpPr>
-          <p:cNvPr id="83" name="Google Shape;83;p15"/>
-          <p:cNvCxnSpPr/>
-          <p:nvPr/>
-        </p:nvCxnSpPr>
-        <p:spPr>
-          <a:xfrm flipH="1">
-            <a:off x="3425025" y="1358275"/>
-            <a:ext cx="12900" cy="2443500"/>
-          </a:xfrm>
-          <a:prstGeom prst="straightConnector1">
-            <a:avLst/>
-          </a:prstGeom>
-          <a:noFill/>
-          <a:ln cap="flat" cmpd="sng" w="19050">
-            <a:solidFill>
-              <a:srgbClr val="FF0000"/>
-            </a:solidFill>
-            <a:prstDash val="lgDash"/>
-            <a:round/>
-            <a:headEnd len="med" w="med" type="none"/>
-            <a:tailEnd len="med" w="med" type="none"/>
-          </a:ln>
-        </p:spPr>
-      </p:cxnSp>
-      <p:cxnSp>
-        <p:nvCxnSpPr>
-          <p:cNvPr id="84" name="Google Shape;84;p15"/>
-          <p:cNvCxnSpPr/>
-          <p:nvPr/>
-        </p:nvCxnSpPr>
-        <p:spPr>
-          <a:xfrm flipH="1">
-            <a:off x="2320275" y="2060150"/>
-            <a:ext cx="3964200" cy="6300"/>
-          </a:xfrm>
-          <a:prstGeom prst="straightConnector1">
-            <a:avLst/>
-          </a:prstGeom>
-          <a:noFill/>
-          <a:ln cap="flat" cmpd="sng" w="19050">
-            <a:solidFill>
-              <a:srgbClr val="FF0000"/>
-            </a:solidFill>
-            <a:prstDash val="lgDash"/>
-            <a:round/>
-            <a:headEnd len="med" w="med" type="none"/>
-            <a:tailEnd len="med" w="med" type="none"/>
-          </a:ln>
-        </p:spPr>
-      </p:cxnSp>
-      <p:sp>
-        <p:nvSpPr>
-          <p:cNvPr id="85" name="Google Shape;85;p15"/>
-          <p:cNvSpPr/>
-          <p:nvPr/>
-        </p:nvSpPr>
-        <p:spPr>
-          <a:xfrm>
-            <a:off x="1723550" y="2060150"/>
-            <a:ext cx="276300" cy="1702800"/>
-          </a:xfrm>
-          <a:prstGeom prst="leftBrace">
-            <a:avLst>
-              <a:gd fmla="val 50000" name="adj1"/>
-              <a:gd fmla="val 50286" name="adj2"/>
-            </a:avLst>
-          </a:prstGeom>
-          <a:noFill/>
-          <a:ln cap="flat" cmpd="sng" w="9525">
-            <a:solidFill>
-              <a:schemeClr val="dk2"/>
-            </a:solidFill>
-            <a:prstDash val="solid"/>
-            <a:round/>
-            <a:headEnd len="sm" w="sm" type="none"/>
-            <a:tailEnd len="sm" w="sm" type="none"/>
-          </a:ln>
-        </p:spPr>
-        <p:txBody>
-          <a:bodyPr anchorCtr="0" anchor="ctr" bIns="91425" lIns="91425" spcFirstLastPara="1" rIns="91425" wrap="square" tIns="91425">
-            <a:noAutofit/>
-          </a:bodyPr>
-          <a:lstStyle/>
-          <a:p>
-            <a:pPr indent="0" lvl="0" marL="0" rtl="0" algn="l">
-              <a:spcBef>
-                <a:spcPts val="0"/>
-              </a:spcBef>
-              <a:spcAft>
-                <a:spcPts val="0"/>
-              </a:spcAft>
-              <a:buNone/>
-            </a:pPr>
-            <a:r>
-              <a:t/>
-            </a:r>
-            <a:endParaRPr/>
-          </a:p>
-        </p:txBody>
-      </p:sp>
       <p:pic>
         <p:nvPicPr>
-          <p:cNvPr descr="\mu_1&#10;%df7a1974-b76b-4fc2-860a-73949cfa1e35" id="86" name="Google Shape;86;p15"/>
+          <p:cNvPr id="82" name="Google Shape;82;p15"/>
           <p:cNvPicPr preferRelativeResize="0"/>
           <p:nvPr/>
         </p:nvPicPr>
-        <p:blipFill>
+        <p:blipFill rotWithShape="1">
           <a:blip r:embed="rId3">
             <a:alphaModFix/>
           </a:blip>
-          <a:stretch>
-            <a:fillRect/>
-          </a:stretch>
+          <a:srcRect b="0" l="0" r="0" t="0"/>
+          <a:stretch/>
         </p:blipFill>
         <p:spPr>
           <a:xfrm>
-            <a:off x="1446850" y="2844875"/>
-            <a:ext cx="209550" cy="133350"/>
+            <a:off x="2584750" y="1834150"/>
+            <a:ext cx="5048250" cy="1524000"/>
           </a:xfrm>
           <a:prstGeom prst="rect">
             <a:avLst/>
@@ -8656,7 +6795,7 @@
       </p:pic>
       <p:pic>
         <p:nvPicPr>
-          <p:cNvPr descr="\mu_0&#10;%025a6d84-612f-424b-a4bb-4c371b0b4d39" id="87" name="Google Shape;87;p15"/>
+          <p:cNvPr descr="x_0&#10;%9dc802ea-48f4-41d2-8d81-b89d406c7c4a" id="83" name="Google Shape;83;p15"/>
           <p:cNvPicPr preferRelativeResize="0"/>
           <p:nvPr/>
         </p:nvPicPr>
@@ -8670,8 +6809,8 @@
         </p:blipFill>
         <p:spPr>
           <a:xfrm>
-            <a:off x="2761200" y="4192175"/>
-            <a:ext cx="209550" cy="133350"/>
+            <a:off x="4290450" y="3383800"/>
+            <a:ext cx="209550" cy="123825"/>
           </a:xfrm>
           <a:prstGeom prst="rect">
             <a:avLst/>
@@ -8682,59 +6821,9 @@
           </a:ln>
         </p:spPr>
       </p:pic>
-      <p:sp>
-        <p:nvSpPr>
-          <p:cNvPr id="88" name="Google Shape;88;p15"/>
-          <p:cNvSpPr/>
-          <p:nvPr/>
-        </p:nvSpPr>
-        <p:spPr>
-          <a:xfrm rot="-5400000">
-            <a:off x="2771775" y="3473088"/>
-            <a:ext cx="188400" cy="1091700"/>
-          </a:xfrm>
-          <a:prstGeom prst="leftBrace">
-            <a:avLst>
-              <a:gd fmla="val 50000" name="adj1"/>
-              <a:gd fmla="val 50286" name="adj2"/>
-            </a:avLst>
-          </a:prstGeom>
-          <a:noFill/>
-          <a:ln cap="flat" cmpd="sng" w="9525">
-            <a:solidFill>
-              <a:schemeClr val="dk2"/>
-            </a:solidFill>
-            <a:prstDash val="solid"/>
-            <a:round/>
-            <a:headEnd len="sm" w="sm" type="none"/>
-            <a:tailEnd len="sm" w="sm" type="none"/>
-          </a:ln>
-        </p:spPr>
-        <p:txBody>
-          <a:bodyPr anchorCtr="0" anchor="ctr" bIns="91425" lIns="91425" spcFirstLastPara="1" rIns="91425" wrap="square" tIns="91425">
-            <a:noAutofit/>
-          </a:bodyPr>
-          <a:lstStyle/>
-          <a:p>
-            <a:pPr indent="0" lvl="0" marL="0" rtl="0" algn="l">
-              <a:spcBef>
-                <a:spcPts val="0"/>
-              </a:spcBef>
-              <a:spcAft>
-                <a:spcPts val="0"/>
-              </a:spcAft>
-              <a:buNone/>
-            </a:pPr>
-            <a:r>
-              <a:t/>
-            </a:r>
-            <a:endParaRPr/>
-          </a:p>
-        </p:txBody>
-      </p:sp>
       <p:pic>
         <p:nvPicPr>
-          <p:cNvPr descr="(0,1)&#10;%dfb7be86-0e56-443a-8178-d776102e042e" id="89" name="Google Shape;89;p15"/>
+          <p:cNvPr descr="x_1&#10;%9bcfe17d-cdf8-4618-9abc-f9ca629ce61f" id="84" name="Google Shape;84;p15"/>
           <p:cNvPicPr preferRelativeResize="0"/>
           <p:nvPr/>
         </p:nvPicPr>
@@ -8748,8 +6837,8 @@
         </p:blipFill>
         <p:spPr>
           <a:xfrm>
-            <a:off x="1788125" y="1155213"/>
-            <a:ext cx="447675" cy="209550"/>
+            <a:off x="5938750" y="3383800"/>
+            <a:ext cx="209550" cy="123825"/>
           </a:xfrm>
           <a:prstGeom prst="rect">
             <a:avLst/>
@@ -8762,7 +6851,7 @@
       </p:pic>
       <p:pic>
         <p:nvPicPr>
-          <p:cNvPr descr="(1,1)&#10;%ead038fa-75bd-4e55-affc-4c54ef6febce" id="90" name="Google Shape;90;p15"/>
+          <p:cNvPr descr="\color {x}&#10;%1b99291d-011f-407d-8d0f-93270f811121" id="85" name="Google Shape;85;p15"/>
           <p:cNvPicPr preferRelativeResize="0"/>
           <p:nvPr/>
         </p:nvPicPr>
@@ -8776,8 +6865,8 @@
         </p:blipFill>
         <p:spPr>
           <a:xfrm>
-            <a:off x="6325000" y="1105875"/>
-            <a:ext cx="447675" cy="209550"/>
+            <a:off x="0" y="0"/>
+            <a:ext cx="9525" cy="9525"/>
           </a:xfrm>
           <a:prstGeom prst="rect">
             <a:avLst/>
@@ -8790,7 +6879,7 @@
       </p:pic>
       <p:pic>
         <p:nvPicPr>
-          <p:cNvPr descr="(1,0)&#10;%a29c8a1a-ebc4-4674-878b-9fba79a4bcf4" id="91" name="Google Shape;91;p15"/>
+          <p:cNvPr descr="x_{2}&#10;%c3da50e4-be2d-42b3-a005-af42ce0b30b2" id="86" name="Google Shape;86;p15"/>
           <p:cNvPicPr preferRelativeResize="0"/>
           <p:nvPr/>
         </p:nvPicPr>
@@ -8804,8 +6893,8 @@
         </p:blipFill>
         <p:spPr>
           <a:xfrm>
-            <a:off x="6325000" y="3837975"/>
-            <a:ext cx="447675" cy="209550"/>
+            <a:off x="6796225" y="3383800"/>
+            <a:ext cx="209550" cy="123825"/>
           </a:xfrm>
           <a:prstGeom prst="rect">
             <a:avLst/>
@@ -8818,7 +6907,7 @@
       </p:pic>
       <p:pic>
         <p:nvPicPr>
-          <p:cNvPr descr="(0,0)&#10;%90fb3f70-6db6-47df-9282-161b2aab98cd" id="92" name="Google Shape;92;p15"/>
+          <p:cNvPr descr="x_{-1}&#10;%6ed82a96-cecb-4c73-824e-854d397e8aaf" id="87" name="Google Shape;87;p15"/>
           <p:cNvPicPr preferRelativeResize="0"/>
           <p:nvPr/>
         </p:nvPicPr>
@@ -8832,8 +6921,8 @@
         </p:blipFill>
         <p:spPr>
           <a:xfrm>
-            <a:off x="1828400" y="3837975"/>
-            <a:ext cx="447675" cy="209550"/>
+            <a:off x="3050075" y="3379038"/>
+            <a:ext cx="314325" cy="133350"/>
           </a:xfrm>
           <a:prstGeom prst="rect">
             <a:avLst/>
@@ -8844,202 +6933,226 @@
           </a:ln>
         </p:spPr>
       </p:pic>
-      <p:sp>
-        <p:nvSpPr>
-          <p:cNvPr id="93" name="Google Shape;93;p15"/>
-          <p:cNvSpPr/>
-          <p:nvPr/>
-        </p:nvSpPr>
-        <p:spPr>
-          <a:xfrm>
-            <a:off x="2249424" y="1292100"/>
-            <a:ext cx="146400" cy="146400"/>
-          </a:xfrm>
-          <a:prstGeom prst="ellipse">
-            <a:avLst/>
-          </a:prstGeom>
-          <a:solidFill>
-            <a:schemeClr val="lt1"/>
-          </a:solidFill>
-          <a:ln cap="flat" cmpd="sng" w="19050">
+      <p:pic>
+        <p:nvPicPr>
+          <p:cNvPr descr="f(-1)&#10;%7abf915f-dcd7-4fbf-87a4-c8bea1304308" id="88" name="Google Shape;88;p15"/>
+          <p:cNvPicPr preferRelativeResize="0"/>
+          <p:nvPr/>
+        </p:nvPicPr>
+        <p:blipFill>
+          <a:blip r:embed="rId9">
+            <a:alphaModFix/>
+          </a:blip>
+          <a:stretch>
+            <a:fillRect/>
+          </a:stretch>
+        </p:blipFill>
+        <p:spPr>
+          <a:xfrm>
+            <a:off x="2821475" y="1942425"/>
+            <a:ext cx="533400" cy="209550"/>
+          </a:xfrm>
+          <a:prstGeom prst="rect">
+            <a:avLst/>
+          </a:prstGeom>
+          <a:noFill/>
+          <a:ln>
+            <a:noFill/>
+          </a:ln>
+        </p:spPr>
+      </p:pic>
+      <p:pic>
+        <p:nvPicPr>
+          <p:cNvPr descr="f(0)&#10;%8a45f395-5e5f-44c7-b650-d0adb9475e4e" id="89" name="Google Shape;89;p15"/>
+          <p:cNvPicPr preferRelativeResize="0"/>
+          <p:nvPr/>
+        </p:nvPicPr>
+        <p:blipFill>
+          <a:blip r:embed="rId10">
+            <a:alphaModFix/>
+          </a:blip>
+          <a:stretch>
+            <a:fillRect/>
+          </a:stretch>
+        </p:blipFill>
+        <p:spPr>
+          <a:xfrm>
+            <a:off x="4133275" y="1728125"/>
+            <a:ext cx="371475" cy="209550"/>
+          </a:xfrm>
+          <a:prstGeom prst="rect">
+            <a:avLst/>
+          </a:prstGeom>
+          <a:noFill/>
+          <a:ln>
+            <a:noFill/>
+          </a:ln>
+        </p:spPr>
+      </p:pic>
+      <p:pic>
+        <p:nvPicPr>
+          <p:cNvPr descr="f(1)&#10;%904ce78d-165d-45c4-9e7b-284b770fc2cb" id="90" name="Google Shape;90;p15"/>
+          <p:cNvPicPr preferRelativeResize="0"/>
+          <p:nvPr/>
+        </p:nvPicPr>
+        <p:blipFill>
+          <a:blip r:embed="rId11">
+            <a:alphaModFix/>
+          </a:blip>
+          <a:stretch>
+            <a:fillRect/>
+          </a:stretch>
+        </p:blipFill>
+        <p:spPr>
+          <a:xfrm>
+            <a:off x="5548225" y="2090075"/>
+            <a:ext cx="371475" cy="209550"/>
+          </a:xfrm>
+          <a:prstGeom prst="rect">
+            <a:avLst/>
+          </a:prstGeom>
+          <a:noFill/>
+          <a:ln>
+            <a:noFill/>
+          </a:ln>
+        </p:spPr>
+      </p:pic>
+      <p:pic>
+        <p:nvPicPr>
+          <p:cNvPr descr="f(2)&#10;%f2e73a4c-b777-4ac7-b3f4-0cfb62ad2d76" id="91" name="Google Shape;91;p15"/>
+          <p:cNvPicPr preferRelativeResize="0"/>
+          <p:nvPr/>
+        </p:nvPicPr>
+        <p:blipFill>
+          <a:blip r:embed="rId12">
+            <a:alphaModFix/>
+          </a:blip>
+          <a:stretch>
+            <a:fillRect/>
+          </a:stretch>
+        </p:blipFill>
+        <p:spPr>
+          <a:xfrm>
+            <a:off x="6253300" y="1834150"/>
+            <a:ext cx="371475" cy="209550"/>
+          </a:xfrm>
+          <a:prstGeom prst="rect">
+            <a:avLst/>
+          </a:prstGeom>
+          <a:noFill/>
+          <a:ln>
+            <a:noFill/>
+          </a:ln>
+        </p:spPr>
+      </p:pic>
+      <p:cxnSp>
+        <p:nvCxnSpPr>
+          <p:cNvPr id="92" name="Google Shape;92;p15"/>
+          <p:cNvCxnSpPr/>
+          <p:nvPr/>
+        </p:nvCxnSpPr>
+        <p:spPr>
+          <a:xfrm flipH="1" rot="10800000">
+            <a:off x="4264125" y="2174450"/>
+            <a:ext cx="138600" cy="242400"/>
+          </a:xfrm>
+          <a:prstGeom prst="straightConnector1">
+            <a:avLst/>
+          </a:prstGeom>
+          <a:noFill/>
+          <a:ln cap="flat" cmpd="sng" w="9525">
             <a:solidFill>
               <a:schemeClr val="dk2"/>
             </a:solidFill>
             <a:prstDash val="solid"/>
             <a:round/>
-            <a:headEnd len="sm" w="sm" type="none"/>
-            <a:tailEnd len="sm" w="sm" type="none"/>
-          </a:ln>
-        </p:spPr>
-        <p:txBody>
-          <a:bodyPr anchorCtr="0" anchor="ctr" bIns="91425" lIns="91425" spcFirstLastPara="1" rIns="91425" wrap="square" tIns="91425">
-            <a:noAutofit/>
-          </a:bodyPr>
-          <a:lstStyle/>
-          <a:p>
-            <a:pPr indent="0" lvl="0" marL="0" rtl="0" algn="l">
-              <a:spcBef>
-                <a:spcPts val="0"/>
-              </a:spcBef>
-              <a:spcAft>
-                <a:spcPts val="0"/>
-              </a:spcAft>
-              <a:buNone/>
-            </a:pPr>
-            <a:r>
-              <a:t/>
-            </a:r>
-            <a:endParaRPr/>
-          </a:p>
-        </p:txBody>
-      </p:sp>
-      <p:sp>
-        <p:nvSpPr>
-          <p:cNvPr id="94" name="Google Shape;94;p15"/>
-          <p:cNvSpPr/>
-          <p:nvPr/>
-        </p:nvSpPr>
-        <p:spPr>
-          <a:xfrm>
-            <a:off x="2249424" y="3735275"/>
-            <a:ext cx="146400" cy="146400"/>
-          </a:xfrm>
-          <a:prstGeom prst="ellipse">
-            <a:avLst/>
-          </a:prstGeom>
-          <a:solidFill>
-            <a:schemeClr val="lt1"/>
-          </a:solidFill>
-          <a:ln cap="flat" cmpd="sng" w="19050">
+            <a:headEnd len="med" w="med" type="none"/>
+            <a:tailEnd len="med" w="med" type="triangle"/>
+          </a:ln>
+        </p:spPr>
+      </p:cxnSp>
+      <p:cxnSp>
+        <p:nvCxnSpPr>
+          <p:cNvPr id="93" name="Google Shape;93;p15"/>
+          <p:cNvCxnSpPr/>
+          <p:nvPr/>
+        </p:nvCxnSpPr>
+        <p:spPr>
+          <a:xfrm rot="10800000">
+            <a:off x="5919700" y="2425388"/>
+            <a:ext cx="93600" cy="185700"/>
+          </a:xfrm>
+          <a:prstGeom prst="straightConnector1">
+            <a:avLst/>
+          </a:prstGeom>
+          <a:noFill/>
+          <a:ln cap="flat" cmpd="sng" w="9525">
             <a:solidFill>
               <a:schemeClr val="dk2"/>
             </a:solidFill>
             <a:prstDash val="solid"/>
             <a:round/>
-            <a:headEnd len="sm" w="sm" type="none"/>
-            <a:tailEnd len="sm" w="sm" type="none"/>
-          </a:ln>
-        </p:spPr>
-        <p:txBody>
-          <a:bodyPr anchorCtr="0" anchor="ctr" bIns="91425" lIns="91425" spcFirstLastPara="1" rIns="91425" wrap="square" tIns="91425">
-            <a:noAutofit/>
-          </a:bodyPr>
-          <a:lstStyle/>
-          <a:p>
-            <a:pPr indent="0" lvl="0" marL="0" rtl="0" algn="l">
-              <a:spcBef>
-                <a:spcPts val="0"/>
-              </a:spcBef>
-              <a:spcAft>
-                <a:spcPts val="0"/>
-              </a:spcAft>
-              <a:buNone/>
-            </a:pPr>
-            <a:r>
-              <a:t/>
-            </a:r>
-            <a:endParaRPr/>
-          </a:p>
-        </p:txBody>
-      </p:sp>
-      <p:sp>
-        <p:nvSpPr>
-          <p:cNvPr id="95" name="Google Shape;95;p15"/>
-          <p:cNvSpPr/>
-          <p:nvPr/>
-        </p:nvSpPr>
-        <p:spPr>
-          <a:xfrm>
-            <a:off x="6202299" y="1292100"/>
-            <a:ext cx="146400" cy="146400"/>
-          </a:xfrm>
-          <a:prstGeom prst="ellipse">
-            <a:avLst/>
-          </a:prstGeom>
-          <a:solidFill>
-            <a:schemeClr val="lt1"/>
-          </a:solidFill>
-          <a:ln cap="flat" cmpd="sng" w="19050">
-            <a:solidFill>
-              <a:schemeClr val="dk2"/>
-            </a:solidFill>
-            <a:prstDash val="solid"/>
-            <a:round/>
-            <a:headEnd len="sm" w="sm" type="none"/>
-            <a:tailEnd len="sm" w="sm" type="none"/>
-          </a:ln>
-        </p:spPr>
-        <p:txBody>
-          <a:bodyPr anchorCtr="0" anchor="ctr" bIns="91425" lIns="91425" spcFirstLastPara="1" rIns="91425" wrap="square" tIns="91425">
-            <a:noAutofit/>
-          </a:bodyPr>
-          <a:lstStyle/>
-          <a:p>
-            <a:pPr indent="0" lvl="0" marL="0" rtl="0" algn="l">
-              <a:spcBef>
-                <a:spcPts val="0"/>
-              </a:spcBef>
-              <a:spcAft>
-                <a:spcPts val="0"/>
-              </a:spcAft>
-              <a:buNone/>
-            </a:pPr>
-            <a:r>
-              <a:t/>
-            </a:r>
-            <a:endParaRPr/>
-          </a:p>
-        </p:txBody>
-      </p:sp>
-      <p:sp>
-        <p:nvSpPr>
-          <p:cNvPr id="96" name="Google Shape;96;p15"/>
-          <p:cNvSpPr/>
-          <p:nvPr/>
-        </p:nvSpPr>
-        <p:spPr>
-          <a:xfrm>
-            <a:off x="6202299" y="3735275"/>
-            <a:ext cx="146400" cy="146400"/>
-          </a:xfrm>
-          <a:prstGeom prst="ellipse">
-            <a:avLst/>
-          </a:prstGeom>
-          <a:solidFill>
-            <a:schemeClr val="lt1"/>
-          </a:solidFill>
-          <a:ln cap="flat" cmpd="sng" w="19050">
-            <a:solidFill>
-              <a:schemeClr val="dk2"/>
-            </a:solidFill>
-            <a:prstDash val="solid"/>
-            <a:round/>
-            <a:headEnd len="sm" w="sm" type="none"/>
-            <a:tailEnd len="sm" w="sm" type="none"/>
-          </a:ln>
-        </p:spPr>
-        <p:txBody>
-          <a:bodyPr anchorCtr="0" anchor="ctr" bIns="91425" lIns="91425" spcFirstLastPara="1" rIns="91425" wrap="square" tIns="91425">
-            <a:noAutofit/>
-          </a:bodyPr>
-          <a:lstStyle/>
-          <a:p>
-            <a:pPr indent="0" lvl="0" marL="0" rtl="0" algn="l">
-              <a:spcBef>
-                <a:spcPts val="0"/>
-              </a:spcBef>
-              <a:spcAft>
-                <a:spcPts val="0"/>
-              </a:spcAft>
-              <a:buNone/>
-            </a:pPr>
-            <a:r>
-              <a:t/>
-            </a:r>
-            <a:endParaRPr/>
-          </a:p>
-        </p:txBody>
-      </p:sp>
+            <a:headEnd len="med" w="med" type="none"/>
+            <a:tailEnd len="med" w="med" type="triangle"/>
+          </a:ln>
+        </p:spPr>
+      </p:cxnSp>
+      <p:pic>
+        <p:nvPicPr>
+          <p:cNvPr descr="f'(0)&#10;%b56358ce-148c-4999-a6d0-4d4281998695" id="94" name="Google Shape;94;p15"/>
+          <p:cNvPicPr preferRelativeResize="0"/>
+          <p:nvPr/>
+        </p:nvPicPr>
+        <p:blipFill>
+          <a:blip r:embed="rId13">
+            <a:alphaModFix/>
+          </a:blip>
+          <a:stretch>
+            <a:fillRect/>
+          </a:stretch>
+        </p:blipFill>
+        <p:spPr>
+          <a:xfrm>
+            <a:off x="3964575" y="2416850"/>
+            <a:ext cx="438150" cy="209550"/>
+          </a:xfrm>
+          <a:prstGeom prst="rect">
+            <a:avLst/>
+          </a:prstGeom>
+          <a:noFill/>
+          <a:ln>
+            <a:noFill/>
+          </a:ln>
+        </p:spPr>
+      </p:pic>
+      <p:pic>
+        <p:nvPicPr>
+          <p:cNvPr descr="f'(1)&#10;%a2daf121-5820-468f-9ff3-9dfd2356e576" id="95" name="Google Shape;95;p15"/>
+          <p:cNvPicPr preferRelativeResize="0"/>
+          <p:nvPr/>
+        </p:nvPicPr>
+        <p:blipFill>
+          <a:blip r:embed="rId14">
+            <a:alphaModFix/>
+          </a:blip>
+          <a:stretch>
+            <a:fillRect/>
+          </a:stretch>
+        </p:blipFill>
+        <p:spPr>
+          <a:xfrm>
+            <a:off x="5875500" y="2673350"/>
+            <a:ext cx="438150" cy="209550"/>
+          </a:xfrm>
+          <a:prstGeom prst="rect">
+            <a:avLst/>
+          </a:prstGeom>
+          <a:noFill/>
+          <a:ln>
+            <a:noFill/>
+          </a:ln>
+        </p:spPr>
+      </p:pic>
     </p:spTree>
   </p:cSld>
   <p:clrMapOvr>
@@ -9053,7 +7166,7 @@
   <p:cSld>
     <p:spTree>
       <p:nvGrpSpPr>
-        <p:cNvPr id="100" name="Shape 100"/>
+        <p:cNvPr id="99" name="Shape 99"/>
         <p:cNvGrpSpPr/>
         <p:nvPr/>
       </p:nvGrpSpPr>
@@ -9067,21 +7180,20 @@
       </p:grpSpPr>
       <p:pic>
         <p:nvPicPr>
-          <p:cNvPr id="101" name="Google Shape;101;p16"/>
+          <p:cNvPr id="100" name="Google Shape;100;p16"/>
           <p:cNvPicPr preferRelativeResize="0"/>
           <p:nvPr/>
         </p:nvPicPr>
-        <p:blipFill>
+        <p:blipFill rotWithShape="1">
           <a:blip r:embed="rId3">
             <a:alphaModFix/>
           </a:blip>
-          <a:stretch>
-            <a:fillRect/>
-          </a:stretch>
+          <a:srcRect b="0" l="0" r="0" t="0"/>
+          <a:stretch/>
         </p:blipFill>
         <p:spPr>
           <a:xfrm>
-            <a:off x="2584750" y="1834150"/>
+            <a:off x="2565675" y="1826850"/>
             <a:ext cx="5048250" cy="1524000"/>
           </a:xfrm>
           <a:prstGeom prst="rect">
@@ -9095,7 +7207,7 @@
       </p:pic>
       <p:pic>
         <p:nvPicPr>
-          <p:cNvPr descr="x_0&#10;%9dc802ea-48f4-41d2-8d81-b89d406c7c4a" id="102" name="Google Shape;102;p16"/>
+          <p:cNvPr descr="x_0&#10;%9dc802ea-48f4-41d2-8d81-b89d406c7c4a" id="101" name="Google Shape;101;p16"/>
           <p:cNvPicPr preferRelativeResize="0"/>
           <p:nvPr/>
         </p:nvPicPr>
@@ -9109,7 +7221,7 @@
         </p:blipFill>
         <p:spPr>
           <a:xfrm>
-            <a:off x="4290450" y="3383800"/>
+            <a:off x="4270450" y="3383825"/>
             <a:ext cx="209550" cy="123825"/>
           </a:xfrm>
           <a:prstGeom prst="rect">
@@ -9123,7 +7235,7 @@
       </p:pic>
       <p:pic>
         <p:nvPicPr>
-          <p:cNvPr descr="x_1&#10;%9bcfe17d-cdf8-4618-9abc-f9ca629ce61f" id="103" name="Google Shape;103;p16"/>
+          <p:cNvPr descr="x_1&#10;%9bcfe17d-cdf8-4618-9abc-f9ca629ce61f" id="102" name="Google Shape;102;p16"/>
           <p:cNvPicPr preferRelativeResize="0"/>
           <p:nvPr/>
         </p:nvPicPr>
@@ -9137,7 +7249,7 @@
         </p:blipFill>
         <p:spPr>
           <a:xfrm>
-            <a:off x="5938750" y="3383800"/>
+            <a:off x="5969925" y="3383813"/>
             <a:ext cx="209550" cy="123825"/>
           </a:xfrm>
           <a:prstGeom prst="rect">
@@ -9151,7 +7263,7 @@
       </p:pic>
       <p:pic>
         <p:nvPicPr>
-          <p:cNvPr descr="\color {x}&#10;%1b99291d-011f-407d-8d0f-93270f811121" id="104" name="Google Shape;104;p16"/>
+          <p:cNvPr descr="\color {x}&#10;%1b99291d-011f-407d-8d0f-93270f811121" id="103" name="Google Shape;103;p16"/>
           <p:cNvPicPr preferRelativeResize="0"/>
           <p:nvPr/>
         </p:nvPicPr>
@@ -9179,7 +7291,7 @@
       </p:pic>
       <p:pic>
         <p:nvPicPr>
-          <p:cNvPr descr="x_{2}&#10;%c3da50e4-be2d-42b3-a005-af42ce0b30b2" id="105" name="Google Shape;105;p16"/>
+          <p:cNvPr descr="x_{2}&#10;%c3da50e4-be2d-42b3-a005-af42ce0b30b2" id="104" name="Google Shape;104;p16"/>
           <p:cNvPicPr preferRelativeResize="0"/>
           <p:nvPr/>
         </p:nvPicPr>
@@ -9193,7 +7305,7 @@
         </p:blipFill>
         <p:spPr>
           <a:xfrm>
-            <a:off x="6796225" y="3383800"/>
+            <a:off x="6750025" y="3383800"/>
             <a:ext cx="209550" cy="123825"/>
           </a:xfrm>
           <a:prstGeom prst="rect">
@@ -9207,7 +7319,7 @@
       </p:pic>
       <p:pic>
         <p:nvPicPr>
-          <p:cNvPr descr="x_{-1}&#10;%6ed82a96-cecb-4c73-824e-854d397e8aaf" id="106" name="Google Shape;106;p16"/>
+          <p:cNvPr descr="x_{-1}&#10;%6ed82a96-cecb-4c73-824e-854d397e8aaf" id="105" name="Google Shape;105;p16"/>
           <p:cNvPicPr preferRelativeResize="0"/>
           <p:nvPr/>
         </p:nvPicPr>
@@ -9221,7 +7333,7 @@
         </p:blipFill>
         <p:spPr>
           <a:xfrm>
-            <a:off x="3050075" y="3379038"/>
+            <a:off x="3067400" y="3379050"/>
             <a:ext cx="314325" cy="133350"/>
           </a:xfrm>
           <a:prstGeom prst="rect">
@@ -9235,7 +7347,7 @@
       </p:pic>
       <p:pic>
         <p:nvPicPr>
-          <p:cNvPr descr="f(-1)&#10;%7abf915f-dcd7-4fbf-87a4-c8bea1304308" id="107" name="Google Shape;107;p16"/>
+          <p:cNvPr descr="f(-1)&#10;%7abf915f-dcd7-4fbf-87a4-c8bea1304308" id="106" name="Google Shape;106;p16"/>
           <p:cNvPicPr preferRelativeResize="0"/>
           <p:nvPr/>
         </p:nvPicPr>
@@ -9249,7 +7361,7 @@
         </p:blipFill>
         <p:spPr>
           <a:xfrm>
-            <a:off x="2821475" y="1942425"/>
+            <a:off x="2746425" y="1937675"/>
             <a:ext cx="533400" cy="209550"/>
           </a:xfrm>
           <a:prstGeom prst="rect">
@@ -9263,7 +7375,7 @@
       </p:pic>
       <p:pic>
         <p:nvPicPr>
-          <p:cNvPr descr="f(0)&#10;%8a45f395-5e5f-44c7-b650-d0adb9475e4e" id="108" name="Google Shape;108;p16"/>
+          <p:cNvPr descr="f(0)&#10;%8a45f395-5e5f-44c7-b650-d0adb9475e4e" id="107" name="Google Shape;107;p16"/>
           <p:cNvPicPr preferRelativeResize="0"/>
           <p:nvPr/>
         </p:nvPicPr>
@@ -9291,7 +7403,7 @@
       </p:pic>
       <p:pic>
         <p:nvPicPr>
-          <p:cNvPr descr="f(1)&#10;%904ce78d-165d-45c4-9e7b-284b770fc2cb" id="109" name="Google Shape;109;p16"/>
+          <p:cNvPr descr="f(1)&#10;%904ce78d-165d-45c4-9e7b-284b770fc2cb" id="108" name="Google Shape;108;p16"/>
           <p:cNvPicPr preferRelativeResize="0"/>
           <p:nvPr/>
         </p:nvPicPr>
@@ -9305,7 +7417,7 @@
         </p:blipFill>
         <p:spPr>
           <a:xfrm>
-            <a:off x="5548225" y="2090075"/>
+            <a:off x="5571363" y="2069975"/>
             <a:ext cx="371475" cy="209550"/>
           </a:xfrm>
           <a:prstGeom prst="rect">
@@ -9319,7 +7431,7 @@
       </p:pic>
       <p:pic>
         <p:nvPicPr>
-          <p:cNvPr descr="f(2)&#10;%f2e73a4c-b777-4ac7-b3f4-0cfb62ad2d76" id="110" name="Google Shape;110;p16"/>
+          <p:cNvPr descr="f(2)&#10;%f2e73a4c-b777-4ac7-b3f4-0cfb62ad2d76" id="109" name="Google Shape;109;p16"/>
           <p:cNvPicPr preferRelativeResize="0"/>
           <p:nvPr/>
         </p:nvPicPr>
@@ -9333,7 +7445,7 @@
         </p:blipFill>
         <p:spPr>
           <a:xfrm>
-            <a:off x="6253300" y="1834150"/>
+            <a:off x="6481900" y="1681750"/>
             <a:ext cx="371475" cy="209550"/>
           </a:xfrm>
           <a:prstGeom prst="rect">
@@ -9347,14 +7459,14 @@
       </p:pic>
       <p:cxnSp>
         <p:nvCxnSpPr>
-          <p:cNvPr id="111" name="Google Shape;111;p16"/>
+          <p:cNvPr id="110" name="Google Shape;110;p16"/>
           <p:cNvCxnSpPr/>
           <p:nvPr/>
         </p:nvCxnSpPr>
         <p:spPr>
           <a:xfrm flipH="1" rot="10800000">
-            <a:off x="4264125" y="2174450"/>
-            <a:ext cx="138600" cy="242400"/>
+            <a:off x="4222750" y="2278325"/>
+            <a:ext cx="900" cy="244200"/>
           </a:xfrm>
           <a:prstGeom prst="straightConnector1">
             <a:avLst/>
@@ -9373,14 +7485,14 @@
       </p:cxnSp>
       <p:cxnSp>
         <p:nvCxnSpPr>
-          <p:cNvPr id="112" name="Google Shape;112;p16"/>
+          <p:cNvPr id="111" name="Google Shape;111;p16"/>
           <p:cNvCxnSpPr/>
           <p:nvPr/>
         </p:nvCxnSpPr>
         <p:spPr>
-          <a:xfrm rot="10800000">
-            <a:off x="5919700" y="2425388"/>
-            <a:ext cx="93600" cy="185700"/>
+          <a:xfrm>
+            <a:off x="5203125" y="1797950"/>
+            <a:ext cx="14700" cy="207900"/>
           </a:xfrm>
           <a:prstGeom prst="straightConnector1">
             <a:avLst/>
@@ -9399,7 +7511,7 @@
       </p:cxnSp>
       <p:pic>
         <p:nvPicPr>
-          <p:cNvPr descr="f'(0)&#10;%b56358ce-148c-4999-a6d0-4d4281998695" id="113" name="Google Shape;113;p16"/>
+          <p:cNvPr descr="f'(0)&#10;%b56358ce-148c-4999-a6d0-4d4281998695" id="112" name="Google Shape;112;p16"/>
           <p:cNvPicPr preferRelativeResize="0"/>
           <p:nvPr/>
         </p:nvPicPr>
@@ -9413,7 +7525,7 @@
         </p:blipFill>
         <p:spPr>
           <a:xfrm>
-            <a:off x="3964575" y="2416850"/>
+            <a:off x="4004125" y="2770450"/>
             <a:ext cx="438150" cy="209550"/>
           </a:xfrm>
           <a:prstGeom prst="rect">
@@ -9427,7 +7539,7 @@
       </p:pic>
       <p:pic>
         <p:nvPicPr>
-          <p:cNvPr descr="f'(1)&#10;%a2daf121-5820-468f-9ff3-9dfd2356e576" id="114" name="Google Shape;114;p16"/>
+          <p:cNvPr descr="f'(1)&#10;%a2daf121-5820-468f-9ff3-9dfd2356e576" id="113" name="Google Shape;113;p16"/>
           <p:cNvPicPr preferRelativeResize="0"/>
           <p:nvPr/>
         </p:nvPicPr>
@@ -9441,419 +7553,6 @@
         </p:blipFill>
         <p:spPr>
           <a:xfrm>
-            <a:off x="5875500" y="2673350"/>
-            <a:ext cx="438150" cy="209550"/>
-          </a:xfrm>
-          <a:prstGeom prst="rect">
-            <a:avLst/>
-          </a:prstGeom>
-          <a:noFill/>
-          <a:ln>
-            <a:noFill/>
-          </a:ln>
-        </p:spPr>
-      </p:pic>
-    </p:spTree>
-  </p:cSld>
-  <p:clrMapOvr>
-    <a:masterClrMapping/>
-  </p:clrMapOvr>
-</p:sld>
-</file>
-
-<file path=ppt/slides/slide5.xml><?xml version="1.0" encoding="utf-8"?>
-<p:sld xmlns:a="http://schemas.openxmlformats.org/drawingml/2006/main" xmlns:r="http://schemas.openxmlformats.org/officeDocument/2006/relationships" xmlns:mc="http://schemas.openxmlformats.org/markup-compatibility/2006" xmlns:mv="urn:schemas-microsoft-com:mac:vml" xmlns:p="http://schemas.openxmlformats.org/presentationml/2006/main" xmlns:c="http://schemas.openxmlformats.org/drawingml/2006/chart" xmlns:dgm="http://schemas.openxmlformats.org/drawingml/2006/diagram" xmlns:o="urn:schemas-microsoft-com:office:office" xmlns:v="urn:schemas-microsoft-com:vml" xmlns:pvml="urn:schemas-microsoft-com:office:powerpoint" xmlns:com="http://schemas.openxmlformats.org/drawingml/2006/compatibility" xmlns:p14="http://schemas.microsoft.com/office/powerpoint/2010/main" xmlns:p15="http://schemas.microsoft.com/office/powerpoint/2012/main" xmlns:ahyp="http://schemas.microsoft.com/office/drawing/2018/hyperlinkcolor">
-  <p:cSld>
-    <p:spTree>
-      <p:nvGrpSpPr>
-        <p:cNvPr id="118" name="Shape 118"/>
-        <p:cNvGrpSpPr/>
-        <p:nvPr/>
-      </p:nvGrpSpPr>
-      <p:grpSpPr>
-        <a:xfrm>
-          <a:off x="0" y="0"/>
-          <a:ext cx="0" cy="0"/>
-          <a:chOff x="0" y="0"/>
-          <a:chExt cx="0" cy="0"/>
-        </a:xfrm>
-      </p:grpSpPr>
-      <p:pic>
-        <p:nvPicPr>
-          <p:cNvPr id="119" name="Google Shape;119;p17"/>
-          <p:cNvPicPr preferRelativeResize="0"/>
-          <p:nvPr/>
-        </p:nvPicPr>
-        <p:blipFill>
-          <a:blip r:embed="rId3">
-            <a:alphaModFix/>
-          </a:blip>
-          <a:stretch>
-            <a:fillRect/>
-          </a:stretch>
-        </p:blipFill>
-        <p:spPr>
-          <a:xfrm>
-            <a:off x="2565675" y="1826850"/>
-            <a:ext cx="5048250" cy="1524000"/>
-          </a:xfrm>
-          <a:prstGeom prst="rect">
-            <a:avLst/>
-          </a:prstGeom>
-          <a:noFill/>
-          <a:ln>
-            <a:noFill/>
-          </a:ln>
-        </p:spPr>
-      </p:pic>
-      <p:pic>
-        <p:nvPicPr>
-          <p:cNvPr descr="x_0&#10;%9dc802ea-48f4-41d2-8d81-b89d406c7c4a" id="120" name="Google Shape;120;p17"/>
-          <p:cNvPicPr preferRelativeResize="0"/>
-          <p:nvPr/>
-        </p:nvPicPr>
-        <p:blipFill>
-          <a:blip r:embed="rId4">
-            <a:alphaModFix/>
-          </a:blip>
-          <a:stretch>
-            <a:fillRect/>
-          </a:stretch>
-        </p:blipFill>
-        <p:spPr>
-          <a:xfrm>
-            <a:off x="4270450" y="3383825"/>
-            <a:ext cx="209550" cy="123825"/>
-          </a:xfrm>
-          <a:prstGeom prst="rect">
-            <a:avLst/>
-          </a:prstGeom>
-          <a:noFill/>
-          <a:ln>
-            <a:noFill/>
-          </a:ln>
-        </p:spPr>
-      </p:pic>
-      <p:pic>
-        <p:nvPicPr>
-          <p:cNvPr descr="x_1&#10;%9bcfe17d-cdf8-4618-9abc-f9ca629ce61f" id="121" name="Google Shape;121;p17"/>
-          <p:cNvPicPr preferRelativeResize="0"/>
-          <p:nvPr/>
-        </p:nvPicPr>
-        <p:blipFill>
-          <a:blip r:embed="rId5">
-            <a:alphaModFix/>
-          </a:blip>
-          <a:stretch>
-            <a:fillRect/>
-          </a:stretch>
-        </p:blipFill>
-        <p:spPr>
-          <a:xfrm>
-            <a:off x="5969925" y="3383813"/>
-            <a:ext cx="209550" cy="123825"/>
-          </a:xfrm>
-          <a:prstGeom prst="rect">
-            <a:avLst/>
-          </a:prstGeom>
-          <a:noFill/>
-          <a:ln>
-            <a:noFill/>
-          </a:ln>
-        </p:spPr>
-      </p:pic>
-      <p:pic>
-        <p:nvPicPr>
-          <p:cNvPr descr="\color {x}&#10;%1b99291d-011f-407d-8d0f-93270f811121" id="122" name="Google Shape;122;p17"/>
-          <p:cNvPicPr preferRelativeResize="0"/>
-          <p:nvPr/>
-        </p:nvPicPr>
-        <p:blipFill>
-          <a:blip r:embed="rId6">
-            <a:alphaModFix/>
-          </a:blip>
-          <a:stretch>
-            <a:fillRect/>
-          </a:stretch>
-        </p:blipFill>
-        <p:spPr>
-          <a:xfrm>
-            <a:off x="0" y="0"/>
-            <a:ext cx="9525" cy="9525"/>
-          </a:xfrm>
-          <a:prstGeom prst="rect">
-            <a:avLst/>
-          </a:prstGeom>
-          <a:noFill/>
-          <a:ln>
-            <a:noFill/>
-          </a:ln>
-        </p:spPr>
-      </p:pic>
-      <p:pic>
-        <p:nvPicPr>
-          <p:cNvPr descr="x_{2}&#10;%c3da50e4-be2d-42b3-a005-af42ce0b30b2" id="123" name="Google Shape;123;p17"/>
-          <p:cNvPicPr preferRelativeResize="0"/>
-          <p:nvPr/>
-        </p:nvPicPr>
-        <p:blipFill>
-          <a:blip r:embed="rId7">
-            <a:alphaModFix/>
-          </a:blip>
-          <a:stretch>
-            <a:fillRect/>
-          </a:stretch>
-        </p:blipFill>
-        <p:spPr>
-          <a:xfrm>
-            <a:off x="6750025" y="3383800"/>
-            <a:ext cx="209550" cy="123825"/>
-          </a:xfrm>
-          <a:prstGeom prst="rect">
-            <a:avLst/>
-          </a:prstGeom>
-          <a:noFill/>
-          <a:ln>
-            <a:noFill/>
-          </a:ln>
-        </p:spPr>
-      </p:pic>
-      <p:pic>
-        <p:nvPicPr>
-          <p:cNvPr descr="x_{-1}&#10;%6ed82a96-cecb-4c73-824e-854d397e8aaf" id="124" name="Google Shape;124;p17"/>
-          <p:cNvPicPr preferRelativeResize="0"/>
-          <p:nvPr/>
-        </p:nvPicPr>
-        <p:blipFill>
-          <a:blip r:embed="rId8">
-            <a:alphaModFix/>
-          </a:blip>
-          <a:stretch>
-            <a:fillRect/>
-          </a:stretch>
-        </p:blipFill>
-        <p:spPr>
-          <a:xfrm>
-            <a:off x="3067400" y="3379050"/>
-            <a:ext cx="314325" cy="133350"/>
-          </a:xfrm>
-          <a:prstGeom prst="rect">
-            <a:avLst/>
-          </a:prstGeom>
-          <a:noFill/>
-          <a:ln>
-            <a:noFill/>
-          </a:ln>
-        </p:spPr>
-      </p:pic>
-      <p:pic>
-        <p:nvPicPr>
-          <p:cNvPr descr="f(-1)&#10;%7abf915f-dcd7-4fbf-87a4-c8bea1304308" id="125" name="Google Shape;125;p17"/>
-          <p:cNvPicPr preferRelativeResize="0"/>
-          <p:nvPr/>
-        </p:nvPicPr>
-        <p:blipFill>
-          <a:blip r:embed="rId9">
-            <a:alphaModFix/>
-          </a:blip>
-          <a:stretch>
-            <a:fillRect/>
-          </a:stretch>
-        </p:blipFill>
-        <p:spPr>
-          <a:xfrm>
-            <a:off x="2746425" y="1937675"/>
-            <a:ext cx="533400" cy="209550"/>
-          </a:xfrm>
-          <a:prstGeom prst="rect">
-            <a:avLst/>
-          </a:prstGeom>
-          <a:noFill/>
-          <a:ln>
-            <a:noFill/>
-          </a:ln>
-        </p:spPr>
-      </p:pic>
-      <p:pic>
-        <p:nvPicPr>
-          <p:cNvPr descr="f(0)&#10;%8a45f395-5e5f-44c7-b650-d0adb9475e4e" id="126" name="Google Shape;126;p17"/>
-          <p:cNvPicPr preferRelativeResize="0"/>
-          <p:nvPr/>
-        </p:nvPicPr>
-        <p:blipFill>
-          <a:blip r:embed="rId10">
-            <a:alphaModFix/>
-          </a:blip>
-          <a:stretch>
-            <a:fillRect/>
-          </a:stretch>
-        </p:blipFill>
-        <p:spPr>
-          <a:xfrm>
-            <a:off x="4133275" y="1728125"/>
-            <a:ext cx="371475" cy="209550"/>
-          </a:xfrm>
-          <a:prstGeom prst="rect">
-            <a:avLst/>
-          </a:prstGeom>
-          <a:noFill/>
-          <a:ln>
-            <a:noFill/>
-          </a:ln>
-        </p:spPr>
-      </p:pic>
-      <p:pic>
-        <p:nvPicPr>
-          <p:cNvPr descr="f(1)&#10;%904ce78d-165d-45c4-9e7b-284b770fc2cb" id="127" name="Google Shape;127;p17"/>
-          <p:cNvPicPr preferRelativeResize="0"/>
-          <p:nvPr/>
-        </p:nvPicPr>
-        <p:blipFill>
-          <a:blip r:embed="rId11">
-            <a:alphaModFix/>
-          </a:blip>
-          <a:stretch>
-            <a:fillRect/>
-          </a:stretch>
-        </p:blipFill>
-        <p:spPr>
-          <a:xfrm>
-            <a:off x="5571363" y="2069975"/>
-            <a:ext cx="371475" cy="209550"/>
-          </a:xfrm>
-          <a:prstGeom prst="rect">
-            <a:avLst/>
-          </a:prstGeom>
-          <a:noFill/>
-          <a:ln>
-            <a:noFill/>
-          </a:ln>
-        </p:spPr>
-      </p:pic>
-      <p:pic>
-        <p:nvPicPr>
-          <p:cNvPr descr="f(2)&#10;%f2e73a4c-b777-4ac7-b3f4-0cfb62ad2d76" id="128" name="Google Shape;128;p17"/>
-          <p:cNvPicPr preferRelativeResize="0"/>
-          <p:nvPr/>
-        </p:nvPicPr>
-        <p:blipFill>
-          <a:blip r:embed="rId12">
-            <a:alphaModFix/>
-          </a:blip>
-          <a:stretch>
-            <a:fillRect/>
-          </a:stretch>
-        </p:blipFill>
-        <p:spPr>
-          <a:xfrm>
-            <a:off x="6481900" y="1681750"/>
-            <a:ext cx="371475" cy="209550"/>
-          </a:xfrm>
-          <a:prstGeom prst="rect">
-            <a:avLst/>
-          </a:prstGeom>
-          <a:noFill/>
-          <a:ln>
-            <a:noFill/>
-          </a:ln>
-        </p:spPr>
-      </p:pic>
-      <p:cxnSp>
-        <p:nvCxnSpPr>
-          <p:cNvPr id="129" name="Google Shape;129;p17"/>
-          <p:cNvCxnSpPr/>
-          <p:nvPr/>
-        </p:nvCxnSpPr>
-        <p:spPr>
-          <a:xfrm flipH="1" rot="10800000">
-            <a:off x="4222750" y="2278325"/>
-            <a:ext cx="900" cy="244200"/>
-          </a:xfrm>
-          <a:prstGeom prst="straightConnector1">
-            <a:avLst/>
-          </a:prstGeom>
-          <a:noFill/>
-          <a:ln cap="flat" cmpd="sng" w="9525">
-            <a:solidFill>
-              <a:schemeClr val="dk2"/>
-            </a:solidFill>
-            <a:prstDash val="solid"/>
-            <a:round/>
-            <a:headEnd len="med" w="med" type="none"/>
-            <a:tailEnd len="med" w="med" type="triangle"/>
-          </a:ln>
-        </p:spPr>
-      </p:cxnSp>
-      <p:cxnSp>
-        <p:nvCxnSpPr>
-          <p:cNvPr id="130" name="Google Shape;130;p17"/>
-          <p:cNvCxnSpPr/>
-          <p:nvPr/>
-        </p:nvCxnSpPr>
-        <p:spPr>
-          <a:xfrm>
-            <a:off x="5203125" y="1797950"/>
-            <a:ext cx="14700" cy="207900"/>
-          </a:xfrm>
-          <a:prstGeom prst="straightConnector1">
-            <a:avLst/>
-          </a:prstGeom>
-          <a:noFill/>
-          <a:ln cap="flat" cmpd="sng" w="9525">
-            <a:solidFill>
-              <a:schemeClr val="dk2"/>
-            </a:solidFill>
-            <a:prstDash val="solid"/>
-            <a:round/>
-            <a:headEnd len="med" w="med" type="none"/>
-            <a:tailEnd len="med" w="med" type="triangle"/>
-          </a:ln>
-        </p:spPr>
-      </p:cxnSp>
-      <p:pic>
-        <p:nvPicPr>
-          <p:cNvPr descr="f'(0)&#10;%b56358ce-148c-4999-a6d0-4d4281998695" id="131" name="Google Shape;131;p17"/>
-          <p:cNvPicPr preferRelativeResize="0"/>
-          <p:nvPr/>
-        </p:nvPicPr>
-        <p:blipFill>
-          <a:blip r:embed="rId13">
-            <a:alphaModFix/>
-          </a:blip>
-          <a:stretch>
-            <a:fillRect/>
-          </a:stretch>
-        </p:blipFill>
-        <p:spPr>
-          <a:xfrm>
-            <a:off x="4004125" y="2770450"/>
-            <a:ext cx="438150" cy="209550"/>
-          </a:xfrm>
-          <a:prstGeom prst="rect">
-            <a:avLst/>
-          </a:prstGeom>
-          <a:noFill/>
-          <a:ln>
-            <a:noFill/>
-          </a:ln>
-        </p:spPr>
-      </p:pic>
-      <p:pic>
-        <p:nvPicPr>
-          <p:cNvPr descr="f'(1)&#10;%a2daf121-5820-468f-9ff3-9dfd2356e576" id="132" name="Google Shape;132;p17"/>
-          <p:cNvPicPr preferRelativeResize="0"/>
-          <p:nvPr/>
-        </p:nvPicPr>
-        <p:blipFill>
-          <a:blip r:embed="rId14">
-            <a:alphaModFix/>
-          </a:blip>
-          <a:stretch>
-            <a:fillRect/>
-          </a:stretch>
-        </p:blipFill>
-        <p:spPr>
-          <a:xfrm>
             <a:off x="4844875" y="1518575"/>
             <a:ext cx="438150" cy="209550"/>
           </a:xfrm>
@@ -9868,7 +7567,7 @@
       </p:pic>
       <p:sp>
         <p:nvSpPr>
-          <p:cNvPr id="133" name="Google Shape;133;p17"/>
+          <p:cNvPr id="114" name="Google Shape;114;p16"/>
           <p:cNvSpPr txBox="1"/>
           <p:nvPr/>
         </p:nvSpPr>
@@ -9910,7 +7609,7 @@
       </p:sp>
       <p:sp>
         <p:nvSpPr>
-          <p:cNvPr id="134" name="Google Shape;134;p17"/>
+          <p:cNvPr id="115" name="Google Shape;115;p16"/>
           <p:cNvSpPr txBox="1"/>
           <p:nvPr/>
         </p:nvSpPr>
@@ -9958,12 +7657,12 @@
 </p:sld>
 </file>
 
-<file path=ppt/slides/slide6.xml><?xml version="1.0" encoding="utf-8"?>
+<file path=ppt/slides/slide5.xml><?xml version="1.0" encoding="utf-8"?>
 <p:sld xmlns:a="http://schemas.openxmlformats.org/drawingml/2006/main" xmlns:r="http://schemas.openxmlformats.org/officeDocument/2006/relationships" xmlns:mc="http://schemas.openxmlformats.org/markup-compatibility/2006" xmlns:mv="urn:schemas-microsoft-com:mac:vml" xmlns:p="http://schemas.openxmlformats.org/presentationml/2006/main" xmlns:c="http://schemas.openxmlformats.org/drawingml/2006/chart" xmlns:dgm="http://schemas.openxmlformats.org/drawingml/2006/diagram" xmlns:o="urn:schemas-microsoft-com:office:office" xmlns:v="urn:schemas-microsoft-com:vml" xmlns:pvml="urn:schemas-microsoft-com:office:powerpoint" xmlns:com="http://schemas.openxmlformats.org/drawingml/2006/compatibility" xmlns:p14="http://schemas.microsoft.com/office/powerpoint/2010/main" xmlns:p15="http://schemas.microsoft.com/office/powerpoint/2012/main" xmlns:ahyp="http://schemas.microsoft.com/office/drawing/2018/hyperlinkcolor">
   <p:cSld>
     <p:spTree>
       <p:nvGrpSpPr>
-        <p:cNvPr id="138" name="Shape 138"/>
+        <p:cNvPr id="119" name="Shape 119"/>
         <p:cNvGrpSpPr/>
         <p:nvPr/>
       </p:nvGrpSpPr>
@@ -9977,17 +7676,16 @@
       </p:grpSpPr>
       <p:pic>
         <p:nvPicPr>
-          <p:cNvPr id="139" name="Google Shape;139;p18"/>
+          <p:cNvPr id="120" name="Google Shape;120;p17"/>
           <p:cNvPicPr preferRelativeResize="0"/>
           <p:nvPr/>
         </p:nvPicPr>
-        <p:blipFill>
+        <p:blipFill rotWithShape="1">
           <a:blip r:embed="rId3">
             <a:alphaModFix/>
           </a:blip>
-          <a:stretch>
-            <a:fillRect/>
-          </a:stretch>
+          <a:srcRect b="39" l="0" r="0" t="49"/>
+          <a:stretch/>
         </p:blipFill>
         <p:spPr>
           <a:xfrm>
@@ -10005,7 +7703,7 @@
       </p:pic>
       <p:pic>
         <p:nvPicPr>
-          <p:cNvPr descr="x_0&#10;%9dc802ea-48f4-41d2-8d81-b89d406c7c4a" id="140" name="Google Shape;140;p18"/>
+          <p:cNvPr descr="x_0&#10;%9dc802ea-48f4-41d2-8d81-b89d406c7c4a" id="121" name="Google Shape;121;p17"/>
           <p:cNvPicPr preferRelativeResize="0"/>
           <p:nvPr/>
         </p:nvPicPr>
@@ -10033,7 +7731,7 @@
       </p:pic>
       <p:pic>
         <p:nvPicPr>
-          <p:cNvPr descr="x_1&#10;%9bcfe17d-cdf8-4618-9abc-f9ca629ce61f" id="141" name="Google Shape;141;p18"/>
+          <p:cNvPr descr="x_1&#10;%9bcfe17d-cdf8-4618-9abc-f9ca629ce61f" id="122" name="Google Shape;122;p17"/>
           <p:cNvPicPr preferRelativeResize="0"/>
           <p:nvPr/>
         </p:nvPicPr>
@@ -10061,7 +7759,7 @@
       </p:pic>
       <p:pic>
         <p:nvPicPr>
-          <p:cNvPr descr="\color {x}&#10;%1b99291d-011f-407d-8d0f-93270f811121" id="142" name="Google Shape;142;p18"/>
+          <p:cNvPr descr="\color {x}&#10;%1b99291d-011f-407d-8d0f-93270f811121" id="123" name="Google Shape;123;p17"/>
           <p:cNvPicPr preferRelativeResize="0"/>
           <p:nvPr/>
         </p:nvPicPr>
@@ -10089,7 +7787,7 @@
       </p:pic>
       <p:pic>
         <p:nvPicPr>
-          <p:cNvPr descr="x_{2}&#10;%c3da50e4-be2d-42b3-a005-af42ce0b30b2" id="143" name="Google Shape;143;p18"/>
+          <p:cNvPr descr="x_{2}&#10;%c3da50e4-be2d-42b3-a005-af42ce0b30b2" id="124" name="Google Shape;124;p17"/>
           <p:cNvPicPr preferRelativeResize="0"/>
           <p:nvPr/>
         </p:nvPicPr>
@@ -10117,7 +7815,7 @@
       </p:pic>
       <p:pic>
         <p:nvPicPr>
-          <p:cNvPr descr="x_{-1}&#10;%6ed82a96-cecb-4c73-824e-854d397e8aaf" id="144" name="Google Shape;144;p18"/>
+          <p:cNvPr descr="x_{-1}&#10;%6ed82a96-cecb-4c73-824e-854d397e8aaf" id="125" name="Google Shape;125;p17"/>
           <p:cNvPicPr preferRelativeResize="0"/>
           <p:nvPr/>
         </p:nvPicPr>
@@ -10145,7 +7843,7 @@
       </p:pic>
       <p:pic>
         <p:nvPicPr>
-          <p:cNvPr descr="f(-1)&#10;%7abf915f-dcd7-4fbf-87a4-c8bea1304308" id="145" name="Google Shape;145;p18"/>
+          <p:cNvPr descr="f(-1)&#10;%7abf915f-dcd7-4fbf-87a4-c8bea1304308" id="126" name="Google Shape;126;p17"/>
           <p:cNvPicPr preferRelativeResize="0"/>
           <p:nvPr/>
         </p:nvPicPr>
@@ -10173,7 +7871,7 @@
       </p:pic>
       <p:pic>
         <p:nvPicPr>
-          <p:cNvPr descr="f(0)&#10;%8a45f395-5e5f-44c7-b650-d0adb9475e4e" id="146" name="Google Shape;146;p18"/>
+          <p:cNvPr descr="f(0)&#10;%8a45f395-5e5f-44c7-b650-d0adb9475e4e" id="127" name="Google Shape;127;p17"/>
           <p:cNvPicPr preferRelativeResize="0"/>
           <p:nvPr/>
         </p:nvPicPr>
@@ -10201,7 +7899,7 @@
       </p:pic>
       <p:pic>
         <p:nvPicPr>
-          <p:cNvPr descr="f(1)&#10;%904ce78d-165d-45c4-9e7b-284b770fc2cb" id="147" name="Google Shape;147;p18"/>
+          <p:cNvPr descr="f(1)&#10;%904ce78d-165d-45c4-9e7b-284b770fc2cb" id="128" name="Google Shape;128;p17"/>
           <p:cNvPicPr preferRelativeResize="0"/>
           <p:nvPr/>
         </p:nvPicPr>
@@ -10215,7 +7913,7 @@
         </p:blipFill>
         <p:spPr>
           <a:xfrm>
-            <a:off x="5571363" y="2069975"/>
+            <a:off x="5649838" y="1991500"/>
             <a:ext cx="371475" cy="209550"/>
           </a:xfrm>
           <a:prstGeom prst="rect">
@@ -10229,7 +7927,7 @@
       </p:pic>
       <p:pic>
         <p:nvPicPr>
-          <p:cNvPr descr="f(2)&#10;%f2e73a4c-b777-4ac7-b3f4-0cfb62ad2d76" id="148" name="Google Shape;148;p18"/>
+          <p:cNvPr descr="f(2)&#10;%f2e73a4c-b777-4ac7-b3f4-0cfb62ad2d76" id="129" name="Google Shape;129;p17"/>
           <p:cNvPicPr preferRelativeResize="0"/>
           <p:nvPr/>
         </p:nvPicPr>
@@ -10257,7 +7955,7 @@
       </p:pic>
       <p:pic>
         <p:nvPicPr>
-          <p:cNvPr descr="f(x)&#10;%9a0c1889-233d-49c7-b0e4-b67bb8d8c86d" id="149" name="Google Shape;149;p18"/>
+          <p:cNvPr descr="f(x)&#10;%9a0c1889-233d-49c7-b0e4-b67bb8d8c86d" id="130" name="Google Shape;130;p17"/>
           <p:cNvPicPr preferRelativeResize="0"/>
           <p:nvPr/>
         </p:nvPicPr>
@@ -10285,7 +7983,7 @@
       </p:pic>
       <p:sp>
         <p:nvSpPr>
-          <p:cNvPr id="150" name="Google Shape;150;p18"/>
+          <p:cNvPr id="131" name="Google Shape;131;p17"/>
           <p:cNvSpPr txBox="1"/>
           <p:nvPr/>
         </p:nvSpPr>
@@ -10327,7 +8025,7 @@
       </p:sp>
       <p:cxnSp>
         <p:nvCxnSpPr>
-          <p:cNvPr id="151" name="Google Shape;151;p18"/>
+          <p:cNvPr id="132" name="Google Shape;132;p17"/>
           <p:cNvCxnSpPr/>
           <p:nvPr/>
         </p:nvCxnSpPr>
@@ -10353,13 +8051,13 @@
       </p:cxnSp>
       <p:cxnSp>
         <p:nvCxnSpPr>
-          <p:cNvPr id="152" name="Google Shape;152;p18"/>
+          <p:cNvPr id="133" name="Google Shape;133;p17"/>
           <p:cNvCxnSpPr/>
           <p:nvPr/>
         </p:nvCxnSpPr>
         <p:spPr>
           <a:xfrm flipH="1">
-            <a:off x="5113300" y="1975700"/>
+            <a:off x="5114925" y="1917050"/>
             <a:ext cx="65700" cy="250800"/>
           </a:xfrm>
           <a:prstGeom prst="straightConnector1">
@@ -10385,12 +8083,12 @@
 </p:sld>
 </file>
 
-<file path=ppt/slides/slide7.xml><?xml version="1.0" encoding="utf-8"?>
+<file path=ppt/slides/slide6.xml><?xml version="1.0" encoding="utf-8"?>
 <p:sld xmlns:a="http://schemas.openxmlformats.org/drawingml/2006/main" xmlns:r="http://schemas.openxmlformats.org/officeDocument/2006/relationships" xmlns:mc="http://schemas.openxmlformats.org/markup-compatibility/2006" xmlns:mv="urn:schemas-microsoft-com:mac:vml" xmlns:p="http://schemas.openxmlformats.org/presentationml/2006/main" xmlns:c="http://schemas.openxmlformats.org/drawingml/2006/chart" xmlns:dgm="http://schemas.openxmlformats.org/drawingml/2006/diagram" xmlns:o="urn:schemas-microsoft-com:office:office" xmlns:v="urn:schemas-microsoft-com:vml" xmlns:pvml="urn:schemas-microsoft-com:office:powerpoint" xmlns:com="http://schemas.openxmlformats.org/drawingml/2006/compatibility" xmlns:p14="http://schemas.microsoft.com/office/powerpoint/2010/main" xmlns:p15="http://schemas.microsoft.com/office/powerpoint/2012/main" xmlns:ahyp="http://schemas.microsoft.com/office/drawing/2018/hyperlinkcolor">
   <p:cSld>
     <p:spTree>
       <p:nvGrpSpPr>
-        <p:cNvPr id="156" name="Shape 156"/>
+        <p:cNvPr id="137" name="Shape 137"/>
         <p:cNvGrpSpPr/>
         <p:nvPr/>
       </p:nvGrpSpPr>
@@ -10404,7 +8102,7 @@
       </p:grpSpPr>
       <p:sp>
         <p:nvSpPr>
-          <p:cNvPr id="157" name="Google Shape;157;p19"/>
+          <p:cNvPr id="138" name="Google Shape;138;p18"/>
           <p:cNvSpPr/>
           <p:nvPr/>
         </p:nvSpPr>
@@ -10447,7 +8145,7 @@
       </p:sp>
       <p:cxnSp>
         <p:nvCxnSpPr>
-          <p:cNvPr id="158" name="Google Shape;158;p19"/>
+          <p:cNvPr id="139" name="Google Shape;139;p18"/>
           <p:cNvCxnSpPr/>
           <p:nvPr/>
         </p:nvCxnSpPr>
@@ -10473,7 +8171,7 @@
       </p:cxnSp>
       <p:cxnSp>
         <p:nvCxnSpPr>
-          <p:cNvPr id="159" name="Google Shape;159;p19"/>
+          <p:cNvPr id="140" name="Google Shape;140;p18"/>
           <p:cNvCxnSpPr/>
           <p:nvPr/>
         </p:nvCxnSpPr>
@@ -10499,7 +8197,7 @@
       </p:cxnSp>
       <p:cxnSp>
         <p:nvCxnSpPr>
-          <p:cNvPr id="160" name="Google Shape;160;p19"/>
+          <p:cNvPr id="141" name="Google Shape;141;p18"/>
           <p:cNvCxnSpPr/>
           <p:nvPr/>
         </p:nvCxnSpPr>
@@ -10525,7 +8223,7 @@
       </p:cxnSp>
       <p:cxnSp>
         <p:nvCxnSpPr>
-          <p:cNvPr id="161" name="Google Shape;161;p19"/>
+          <p:cNvPr id="142" name="Google Shape;142;p18"/>
           <p:cNvCxnSpPr/>
           <p:nvPr/>
         </p:nvCxnSpPr>
@@ -10551,7 +8249,7 @@
       </p:cxnSp>
       <p:cxnSp>
         <p:nvCxnSpPr>
-          <p:cNvPr id="162" name="Google Shape;162;p19"/>
+          <p:cNvPr id="143" name="Google Shape;143;p18"/>
           <p:cNvCxnSpPr/>
           <p:nvPr/>
         </p:nvCxnSpPr>
@@ -10577,7 +8275,7 @@
       </p:cxnSp>
       <p:cxnSp>
         <p:nvCxnSpPr>
-          <p:cNvPr id="163" name="Google Shape;163;p19"/>
+          <p:cNvPr id="144" name="Google Shape;144;p18"/>
           <p:cNvCxnSpPr/>
           <p:nvPr/>
         </p:nvCxnSpPr>
@@ -10603,7 +8301,7 @@
       </p:cxnSp>
       <p:cxnSp>
         <p:nvCxnSpPr>
-          <p:cNvPr id="164" name="Google Shape;164;p19"/>
+          <p:cNvPr id="145" name="Google Shape;145;p18"/>
           <p:cNvCxnSpPr/>
           <p:nvPr/>
         </p:nvCxnSpPr>
@@ -10629,7 +8327,7 @@
       </p:cxnSp>
       <p:cxnSp>
         <p:nvCxnSpPr>
-          <p:cNvPr id="165" name="Google Shape;165;p19"/>
+          <p:cNvPr id="146" name="Google Shape;146;p18"/>
           <p:cNvCxnSpPr/>
           <p:nvPr/>
         </p:nvCxnSpPr>
@@ -10655,7 +8353,7 @@
       </p:cxnSp>
       <p:grpSp>
         <p:nvGrpSpPr>
-          <p:cNvPr id="166" name="Google Shape;166;p19"/>
+          <p:cNvPr id="147" name="Google Shape;147;p18"/>
           <p:cNvGrpSpPr/>
           <p:nvPr/>
         </p:nvGrpSpPr>
@@ -10669,7 +8367,7 @@
         </p:grpSpPr>
         <p:cxnSp>
           <p:nvCxnSpPr>
-            <p:cNvPr id="167" name="Google Shape;167;p19"/>
+            <p:cNvPr id="148" name="Google Shape;148;p18"/>
             <p:cNvCxnSpPr/>
             <p:nvPr/>
           </p:nvCxnSpPr>
@@ -10695,7 +8393,7 @@
         </p:cxnSp>
         <p:cxnSp>
           <p:nvCxnSpPr>
-            <p:cNvPr id="168" name="Google Shape;168;p19"/>
+            <p:cNvPr id="149" name="Google Shape;149;p18"/>
             <p:cNvCxnSpPr/>
             <p:nvPr/>
           </p:nvCxnSpPr>
@@ -10722,7 +8420,7 @@
       </p:grpSp>
       <p:sp>
         <p:nvSpPr>
-          <p:cNvPr id="169" name="Google Shape;169;p19"/>
+          <p:cNvPr id="150" name="Google Shape;150;p18"/>
           <p:cNvSpPr/>
           <p:nvPr/>
         </p:nvSpPr>
@@ -10771,7 +8469,7 @@
       </p:sp>
       <p:pic>
         <p:nvPicPr>
-          <p:cNvPr descr="f(0,0)&#10;%e3f8bfbd-4607-4b0d-bbc6-5d36270e2501" id="170" name="Google Shape;170;p19"/>
+          <p:cNvPr descr="f(0,0)&#10;%e3f8bfbd-4607-4b0d-bbc6-5d36270e2501" id="151" name="Google Shape;151;p18"/>
           <p:cNvPicPr preferRelativeResize="0"/>
           <p:nvPr/>
         </p:nvPicPr>
@@ -10799,7 +8497,7 @@
       </p:pic>
       <p:pic>
         <p:nvPicPr>
-          <p:cNvPr descr="f(0,1)&#10;%ef2e0a0d-efa6-41b8-aaa5-80622dcc92c3" id="171" name="Google Shape;171;p19"/>
+          <p:cNvPr descr="f(0,1)&#10;%ef2e0a0d-efa6-41b8-aaa5-80622dcc92c3" id="152" name="Google Shape;152;p18"/>
           <p:cNvPicPr preferRelativeResize="0"/>
           <p:nvPr/>
         </p:nvPicPr>
@@ -10827,7 +8525,7 @@
       </p:pic>
       <p:pic>
         <p:nvPicPr>
-          <p:cNvPr descr="f(1,0)&#10;%d53631bd-a93d-4d8c-ba94-cc61f0dbf3f0" id="172" name="Google Shape;172;p19"/>
+          <p:cNvPr descr="f(1,0)&#10;%d53631bd-a93d-4d8c-ba94-cc61f0dbf3f0" id="153" name="Google Shape;153;p18"/>
           <p:cNvPicPr preferRelativeResize="0"/>
           <p:nvPr/>
         </p:nvPicPr>
@@ -10855,7 +8553,7 @@
       </p:pic>
       <p:pic>
         <p:nvPicPr>
-          <p:cNvPr descr="f(1,1)&#10;%01205696-a95a-462f-9dab-301369542cd4" id="173" name="Google Shape;173;p19"/>
+          <p:cNvPr descr="f(1,1)&#10;%01205696-a95a-462f-9dab-301369542cd4" id="154" name="Google Shape;154;p18"/>
           <p:cNvPicPr preferRelativeResize="0"/>
           <p:nvPr/>
         </p:nvPicPr>
@@ -10883,7 +8581,7 @@
       </p:pic>
       <p:cxnSp>
         <p:nvCxnSpPr>
-          <p:cNvPr id="174" name="Google Shape;174;p19"/>
+          <p:cNvPr id="155" name="Google Shape;155;p18"/>
           <p:cNvCxnSpPr/>
           <p:nvPr/>
         </p:nvCxnSpPr>
@@ -10909,7 +8607,7 @@
       </p:cxnSp>
       <p:cxnSp>
         <p:nvCxnSpPr>
-          <p:cNvPr id="175" name="Google Shape;175;p19"/>
+          <p:cNvPr id="156" name="Google Shape;156;p18"/>
           <p:cNvCxnSpPr/>
           <p:nvPr/>
         </p:nvCxnSpPr>
@@ -10935,7 +8633,7 @@
       </p:cxnSp>
       <p:cxnSp>
         <p:nvCxnSpPr>
-          <p:cNvPr id="176" name="Google Shape;176;p19"/>
+          <p:cNvPr id="157" name="Google Shape;157;p18"/>
           <p:cNvCxnSpPr/>
           <p:nvPr/>
         </p:nvCxnSpPr>
@@ -10961,7 +8659,7 @@
       </p:cxnSp>
       <p:cxnSp>
         <p:nvCxnSpPr>
-          <p:cNvPr id="177" name="Google Shape;177;p19"/>
+          <p:cNvPr id="158" name="Google Shape;158;p18"/>
           <p:cNvCxnSpPr/>
           <p:nvPr/>
         </p:nvCxnSpPr>
@@ -10987,7 +8685,7 @@
       </p:cxnSp>
       <p:sp>
         <p:nvSpPr>
-          <p:cNvPr id="178" name="Google Shape;178;p19"/>
+          <p:cNvPr id="159" name="Google Shape;159;p18"/>
           <p:cNvSpPr/>
           <p:nvPr/>
         </p:nvSpPr>
@@ -11036,7 +8734,7 @@
       </p:sp>
       <p:sp>
         <p:nvSpPr>
-          <p:cNvPr id="179" name="Google Shape;179;p19"/>
+          <p:cNvPr id="160" name="Google Shape;160;p18"/>
           <p:cNvSpPr/>
           <p:nvPr/>
         </p:nvSpPr>
@@ -11085,7 +8783,7 @@
       </p:sp>
       <p:sp>
         <p:nvSpPr>
-          <p:cNvPr id="180" name="Google Shape;180;p19"/>
+          <p:cNvPr id="161" name="Google Shape;161;p18"/>
           <p:cNvSpPr/>
           <p:nvPr/>
         </p:nvSpPr>
@@ -11134,7 +8832,7 @@
       </p:sp>
       <p:sp>
         <p:nvSpPr>
-          <p:cNvPr id="181" name="Google Shape;181;p19"/>
+          <p:cNvPr id="162" name="Google Shape;162;p18"/>
           <p:cNvSpPr/>
           <p:nvPr/>
         </p:nvSpPr>
@@ -11177,7 +8875,7 @@
       </p:sp>
       <p:cxnSp>
         <p:nvCxnSpPr>
-          <p:cNvPr id="182" name="Google Shape;182;p19"/>
+          <p:cNvPr id="163" name="Google Shape;163;p18"/>
           <p:cNvCxnSpPr/>
           <p:nvPr/>
         </p:nvCxnSpPr>
@@ -11203,7 +8901,7 @@
       </p:cxnSp>
       <p:cxnSp>
         <p:nvCxnSpPr>
-          <p:cNvPr id="183" name="Google Shape;183;p19"/>
+          <p:cNvPr id="164" name="Google Shape;164;p18"/>
           <p:cNvCxnSpPr/>
           <p:nvPr/>
         </p:nvCxnSpPr>
@@ -11229,7 +8927,7 @@
       </p:cxnSp>
       <p:cxnSp>
         <p:nvCxnSpPr>
-          <p:cNvPr id="184" name="Google Shape;184;p19"/>
+          <p:cNvPr id="165" name="Google Shape;165;p18"/>
           <p:cNvCxnSpPr/>
           <p:nvPr/>
         </p:nvCxnSpPr>
@@ -11255,7 +8953,7 @@
       </p:cxnSp>
       <p:cxnSp>
         <p:nvCxnSpPr>
-          <p:cNvPr id="185" name="Google Shape;185;p19"/>
+          <p:cNvPr id="166" name="Google Shape;166;p18"/>
           <p:cNvCxnSpPr/>
           <p:nvPr/>
         </p:nvCxnSpPr>
@@ -11281,7 +8979,7 @@
       </p:cxnSp>
       <p:cxnSp>
         <p:nvCxnSpPr>
-          <p:cNvPr id="186" name="Google Shape;186;p19"/>
+          <p:cNvPr id="167" name="Google Shape;167;p18"/>
           <p:cNvCxnSpPr/>
           <p:nvPr/>
         </p:nvCxnSpPr>
@@ -11307,7 +9005,7 @@
       </p:cxnSp>
       <p:cxnSp>
         <p:nvCxnSpPr>
-          <p:cNvPr id="187" name="Google Shape;187;p19"/>
+          <p:cNvPr id="168" name="Google Shape;168;p18"/>
           <p:cNvCxnSpPr/>
           <p:nvPr/>
         </p:nvCxnSpPr>
@@ -11333,7 +9031,7 @@
       </p:cxnSp>
       <p:grpSp>
         <p:nvGrpSpPr>
-          <p:cNvPr id="188" name="Google Shape;188;p19"/>
+          <p:cNvPr id="169" name="Google Shape;169;p18"/>
           <p:cNvGrpSpPr/>
           <p:nvPr/>
         </p:nvGrpSpPr>
@@ -11347,7 +9045,7 @@
         </p:grpSpPr>
         <p:cxnSp>
           <p:nvCxnSpPr>
-            <p:cNvPr id="189" name="Google Shape;189;p19"/>
+            <p:cNvPr id="170" name="Google Shape;170;p18"/>
             <p:cNvCxnSpPr/>
             <p:nvPr/>
           </p:nvCxnSpPr>
@@ -11373,7 +9071,7 @@
         </p:cxnSp>
         <p:cxnSp>
           <p:nvCxnSpPr>
-            <p:cNvPr id="190" name="Google Shape;190;p19"/>
+            <p:cNvPr id="171" name="Google Shape;171;p18"/>
             <p:cNvCxnSpPr/>
             <p:nvPr/>
           </p:nvCxnSpPr>
@@ -11400,7 +9098,7 @@
       </p:grpSp>
       <p:sp>
         <p:nvSpPr>
-          <p:cNvPr id="191" name="Google Shape;191;p19"/>
+          <p:cNvPr id="172" name="Google Shape;172;p18"/>
           <p:cNvSpPr/>
           <p:nvPr/>
         </p:nvSpPr>
@@ -11449,7 +9147,7 @@
       </p:sp>
       <p:cxnSp>
         <p:nvCxnSpPr>
-          <p:cNvPr id="192" name="Google Shape;192;p19"/>
+          <p:cNvPr id="173" name="Google Shape;173;p18"/>
           <p:cNvCxnSpPr/>
           <p:nvPr/>
         </p:nvCxnSpPr>
@@ -11475,7 +9173,7 @@
       </p:cxnSp>
       <p:cxnSp>
         <p:nvCxnSpPr>
-          <p:cNvPr id="193" name="Google Shape;193;p19"/>
+          <p:cNvPr id="174" name="Google Shape;174;p18"/>
           <p:cNvCxnSpPr/>
           <p:nvPr/>
         </p:nvCxnSpPr>
@@ -11501,7 +9199,7 @@
       </p:cxnSp>
       <p:cxnSp>
         <p:nvCxnSpPr>
-          <p:cNvPr id="194" name="Google Shape;194;p19"/>
+          <p:cNvPr id="175" name="Google Shape;175;p18"/>
           <p:cNvCxnSpPr/>
           <p:nvPr/>
         </p:nvCxnSpPr>
@@ -11527,7 +9225,7 @@
       </p:cxnSp>
       <p:cxnSp>
         <p:nvCxnSpPr>
-          <p:cNvPr id="195" name="Google Shape;195;p19"/>
+          <p:cNvPr id="176" name="Google Shape;176;p18"/>
           <p:cNvCxnSpPr/>
           <p:nvPr/>
         </p:nvCxnSpPr>
@@ -11553,7 +9251,7 @@
       </p:cxnSp>
       <p:sp>
         <p:nvSpPr>
-          <p:cNvPr id="196" name="Google Shape;196;p19"/>
+          <p:cNvPr id="177" name="Google Shape;177;p18"/>
           <p:cNvSpPr/>
           <p:nvPr/>
         </p:nvSpPr>
@@ -11602,7 +9300,7 @@
       </p:sp>
       <p:sp>
         <p:nvSpPr>
-          <p:cNvPr id="197" name="Google Shape;197;p19"/>
+          <p:cNvPr id="178" name="Google Shape;178;p18"/>
           <p:cNvSpPr/>
           <p:nvPr/>
         </p:nvSpPr>
@@ -11651,7 +9349,7 @@
       </p:sp>
       <p:sp>
         <p:nvSpPr>
-          <p:cNvPr id="198" name="Google Shape;198;p19"/>
+          <p:cNvPr id="179" name="Google Shape;179;p18"/>
           <p:cNvSpPr/>
           <p:nvPr/>
         </p:nvSpPr>
@@ -11700,7 +9398,7 @@
       </p:sp>
       <p:pic>
         <p:nvPicPr>
-          <p:cNvPr descr="\color{green}\text u_{0}&#10;%906e6afc-0e44-4f01-af47-d271f6a05171" id="199" name="Google Shape;199;p19"/>
+          <p:cNvPr descr="\color{green}\text u_{0}&#10;%906e6afc-0e44-4f01-af47-d271f6a05171" id="180" name="Google Shape;180;p18"/>
           <p:cNvPicPr preferRelativeResize="0"/>
           <p:nvPr/>
         </p:nvPicPr>
@@ -11728,7 +9426,7 @@
       </p:pic>
       <p:pic>
         <p:nvPicPr>
-          <p:cNvPr descr="\color{green}\text u_{1}&#10;%e1067567-553d-43e1-b56d-dbfd64c239a5" id="200" name="Google Shape;200;p19"/>
+          <p:cNvPr descr="\color{green}\text u_{1}&#10;%e1067567-553d-43e1-b56d-dbfd64c239a5" id="181" name="Google Shape;181;p18"/>
           <p:cNvPicPr preferRelativeResize="0"/>
           <p:nvPr/>
         </p:nvPicPr>
@@ -11756,7 +9454,7 @@
       </p:pic>
       <p:pic>
         <p:nvPicPr>
-          <p:cNvPr descr="\color{blue}\text v_{1}&#10;%bc4e7771-3600-4b20-b334-48a8f6a4d985" id="201" name="Google Shape;201;p19"/>
+          <p:cNvPr descr="\color{blue}\text v_{1}&#10;%bc4e7771-3600-4b20-b334-48a8f6a4d985" id="182" name="Google Shape;182;p18"/>
           <p:cNvPicPr preferRelativeResize="0"/>
           <p:nvPr/>
         </p:nvPicPr>
@@ -11784,7 +9482,7 @@
       </p:pic>
       <p:pic>
         <p:nvPicPr>
-          <p:cNvPr descr="\color{blue}\text v_{0}&#10;%f4567b78-0f8d-47d2-a8cb-9f913578825d" id="202" name="Google Shape;202;p19"/>
+          <p:cNvPr descr="\color{blue}\text v_{0}&#10;%f4567b78-0f8d-47d2-a8cb-9f913578825d" id="183" name="Google Shape;183;p18"/>
           <p:cNvPicPr preferRelativeResize="0"/>
           <p:nvPr/>
         </p:nvPicPr>
@@ -11812,7 +9510,7 @@
       </p:pic>
       <p:pic>
         <p:nvPicPr>
-          <p:cNvPr descr="\text w_{0,1}&#10;%0b2d76a5-01fa-4f96-8b90-6aa937403b4a" id="203" name="Google Shape;203;p19"/>
+          <p:cNvPr descr="\text w_{0,1}&#10;%0b2d76a5-01fa-4f96-8b90-6aa937403b4a" id="184" name="Google Shape;184;p18"/>
           <p:cNvPicPr preferRelativeResize="0"/>
           <p:nvPr/>
         </p:nvPicPr>
@@ -11840,7 +9538,7 @@
       </p:pic>
       <p:pic>
         <p:nvPicPr>
-          <p:cNvPr descr="\text w_{1,1}&#10;%6de02c1e-6f0c-4b42-ade2-78d845f62cf6" id="204" name="Google Shape;204;p19"/>
+          <p:cNvPr descr="\text w_{1,1}&#10;%6de02c1e-6f0c-4b42-ade2-78d845f62cf6" id="185" name="Google Shape;185;p18"/>
           <p:cNvPicPr preferRelativeResize="0"/>
           <p:nvPr/>
         </p:nvPicPr>
@@ -11868,7 +9566,7 @@
       </p:pic>
       <p:pic>
         <p:nvPicPr>
-          <p:cNvPr descr="\text w_{1,0}&#10;%3e9d86f8-2000-40c4-b9b1-ce695a187957" id="205" name="Google Shape;205;p19"/>
+          <p:cNvPr descr="\text w_{1,0}&#10;%3e9d86f8-2000-40c4-b9b1-ce695a187957" id="186" name="Google Shape;186;p18"/>
           <p:cNvPicPr preferRelativeResize="0"/>
           <p:nvPr/>
         </p:nvPicPr>
@@ -11896,7 +9594,7 @@
       </p:pic>
       <p:pic>
         <p:nvPicPr>
-          <p:cNvPr descr="\text w_{0,0}&#10;%ee047880-0d3d-4eb3-a0b9-69869b815223" id="206" name="Google Shape;206;p19"/>
+          <p:cNvPr descr="\text w_{0,0}&#10;%ee047880-0d3d-4eb3-a0b9-69869b815223" id="187" name="Google Shape;187;p18"/>
           <p:cNvPicPr preferRelativeResize="0"/>
           <p:nvPr/>
         </p:nvPicPr>
@@ -11924,7 +9622,7 @@
       </p:pic>
       <p:pic>
         <p:nvPicPr>
-          <p:cNvPr descr="\color{blue}\mu_1&#10;%8c806ee2-c180-4b2e-a4a6-e558f3f935a5" id="207" name="Google Shape;207;p19"/>
+          <p:cNvPr descr="\color{blue}\mu_1&#10;%8c806ee2-c180-4b2e-a4a6-e558f3f935a5" id="188" name="Google Shape;188;p18"/>
           <p:cNvPicPr preferRelativeResize="0"/>
           <p:nvPr/>
         </p:nvPicPr>
@@ -11952,7 +9650,7 @@
       </p:pic>
       <p:pic>
         <p:nvPicPr>
-          <p:cNvPr descr="\color{green}\mu_0&#10;%6ab3a84c-4ce6-483e-a38f-171d1f93b37a" id="208" name="Google Shape;208;p19"/>
+          <p:cNvPr descr="\color{green}\mu_0&#10;%6ab3a84c-4ce6-483e-a38f-171d1f93b37a" id="189" name="Google Shape;189;p18"/>
           <p:cNvPicPr preferRelativeResize="0"/>
           <p:nvPr/>
         </p:nvPicPr>
@@ -11980,7 +9678,7 @@
       </p:pic>
       <p:sp>
         <p:nvSpPr>
-          <p:cNvPr id="209" name="Google Shape;209;p19"/>
+          <p:cNvPr id="190" name="Google Shape;190;p18"/>
           <p:cNvSpPr txBox="1"/>
           <p:nvPr/>
         </p:nvSpPr>
@@ -12032,7 +9730,7 @@
       </p:sp>
       <p:sp>
         <p:nvSpPr>
-          <p:cNvPr id="210" name="Google Shape;210;p19"/>
+          <p:cNvPr id="191" name="Google Shape;191;p18"/>
           <p:cNvSpPr txBox="1"/>
           <p:nvPr/>
         </p:nvSpPr>
@@ -12084,7 +9782,7 @@
       </p:sp>
       <p:pic>
         <p:nvPicPr>
-          <p:cNvPr descr="(\mu_0,\mu_1)&#10;%30b1f5d8-1a13-414f-8ea2-9df65b9e8302" id="211" name="Google Shape;211;p19"/>
+          <p:cNvPr descr="(\mu_0,\mu_1)&#10;%30b1f5d8-1a13-414f-8ea2-9df65b9e8302" id="192" name="Google Shape;192;p18"/>
           <p:cNvPicPr preferRelativeResize="0"/>
           <p:nvPr/>
         </p:nvPicPr>
@@ -12118,12 +9816,12 @@
 </p:sld>
 </file>
 
-<file path=ppt/slides/slide8.xml><?xml version="1.0" encoding="utf-8"?>
+<file path=ppt/slides/slide7.xml><?xml version="1.0" encoding="utf-8"?>
 <p:sld xmlns:a="http://schemas.openxmlformats.org/drawingml/2006/main" xmlns:r="http://schemas.openxmlformats.org/officeDocument/2006/relationships" xmlns:mc="http://schemas.openxmlformats.org/markup-compatibility/2006" xmlns:mv="urn:schemas-microsoft-com:mac:vml" xmlns:p="http://schemas.openxmlformats.org/presentationml/2006/main" xmlns:c="http://schemas.openxmlformats.org/drawingml/2006/chart" xmlns:dgm="http://schemas.openxmlformats.org/drawingml/2006/diagram" xmlns:o="urn:schemas-microsoft-com:office:office" xmlns:v="urn:schemas-microsoft-com:vml" xmlns:pvml="urn:schemas-microsoft-com:office:powerpoint" xmlns:com="http://schemas.openxmlformats.org/drawingml/2006/compatibility" xmlns:p14="http://schemas.microsoft.com/office/powerpoint/2010/main" xmlns:p15="http://schemas.microsoft.com/office/powerpoint/2012/main" xmlns:ahyp="http://schemas.microsoft.com/office/drawing/2018/hyperlinkcolor">
   <p:cSld>
     <p:spTree>
       <p:nvGrpSpPr>
-        <p:cNvPr id="215" name="Shape 215"/>
+        <p:cNvPr id="196" name="Shape 196"/>
         <p:cNvGrpSpPr/>
         <p:nvPr/>
       </p:nvGrpSpPr>
@@ -12137,7 +9835,7 @@
       </p:grpSpPr>
       <p:sp>
         <p:nvSpPr>
-          <p:cNvPr id="216" name="Google Shape;216;p20"/>
+          <p:cNvPr id="197" name="Google Shape;197;p19"/>
           <p:cNvSpPr/>
           <p:nvPr/>
         </p:nvSpPr>
@@ -12180,7 +9878,7 @@
       </p:sp>
       <p:sp>
         <p:nvSpPr>
-          <p:cNvPr id="217" name="Google Shape;217;p20"/>
+          <p:cNvPr id="198" name="Google Shape;198;p19"/>
           <p:cNvSpPr/>
           <p:nvPr/>
         </p:nvSpPr>
@@ -12223,7 +9921,7 @@
       </p:sp>
       <p:cxnSp>
         <p:nvCxnSpPr>
-          <p:cNvPr id="218" name="Google Shape;218;p20"/>
+          <p:cNvPr id="199" name="Google Shape;199;p19"/>
           <p:cNvCxnSpPr/>
           <p:nvPr/>
         </p:nvCxnSpPr>
@@ -12249,7 +9947,7 @@
       </p:cxnSp>
       <p:cxnSp>
         <p:nvCxnSpPr>
-          <p:cNvPr id="219" name="Google Shape;219;p20"/>
+          <p:cNvPr id="200" name="Google Shape;200;p19"/>
           <p:cNvCxnSpPr/>
           <p:nvPr/>
         </p:nvCxnSpPr>
@@ -12275,7 +9973,7 @@
       </p:cxnSp>
       <p:cxnSp>
         <p:nvCxnSpPr>
-          <p:cNvPr id="220" name="Google Shape;220;p20"/>
+          <p:cNvPr id="201" name="Google Shape;201;p19"/>
           <p:cNvCxnSpPr/>
           <p:nvPr/>
         </p:nvCxnSpPr>
@@ -12301,7 +9999,7 @@
       </p:cxnSp>
       <p:cxnSp>
         <p:nvCxnSpPr>
-          <p:cNvPr id="221" name="Google Shape;221;p20"/>
+          <p:cNvPr id="202" name="Google Shape;202;p19"/>
           <p:cNvCxnSpPr/>
           <p:nvPr/>
         </p:nvCxnSpPr>
@@ -12327,7 +10025,7 @@
       </p:cxnSp>
       <p:cxnSp>
         <p:nvCxnSpPr>
-          <p:cNvPr id="222" name="Google Shape;222;p20"/>
+          <p:cNvPr id="203" name="Google Shape;203;p19"/>
           <p:cNvCxnSpPr/>
           <p:nvPr/>
         </p:nvCxnSpPr>
@@ -12353,7 +10051,7 @@
       </p:cxnSp>
       <p:cxnSp>
         <p:nvCxnSpPr>
-          <p:cNvPr id="223" name="Google Shape;223;p20"/>
+          <p:cNvPr id="204" name="Google Shape;204;p19"/>
           <p:cNvCxnSpPr/>
           <p:nvPr/>
         </p:nvCxnSpPr>
@@ -12379,7 +10077,7 @@
       </p:cxnSp>
       <p:cxnSp>
         <p:nvCxnSpPr>
-          <p:cNvPr id="224" name="Google Shape;224;p20"/>
+          <p:cNvPr id="205" name="Google Shape;205;p19"/>
           <p:cNvCxnSpPr/>
           <p:nvPr/>
         </p:nvCxnSpPr>
@@ -12405,7 +10103,7 @@
       </p:cxnSp>
       <p:cxnSp>
         <p:nvCxnSpPr>
-          <p:cNvPr id="225" name="Google Shape;225;p20"/>
+          <p:cNvPr id="206" name="Google Shape;206;p19"/>
           <p:cNvCxnSpPr/>
           <p:nvPr/>
         </p:nvCxnSpPr>
@@ -12431,7 +10129,7 @@
       </p:cxnSp>
       <p:cxnSp>
         <p:nvCxnSpPr>
-          <p:cNvPr id="226" name="Google Shape;226;p20"/>
+          <p:cNvPr id="207" name="Google Shape;207;p19"/>
           <p:cNvCxnSpPr/>
           <p:nvPr/>
         </p:nvCxnSpPr>
@@ -12457,7 +10155,7 @@
       </p:cxnSp>
       <p:cxnSp>
         <p:nvCxnSpPr>
-          <p:cNvPr id="227" name="Google Shape;227;p20"/>
+          <p:cNvPr id="208" name="Google Shape;208;p19"/>
           <p:cNvCxnSpPr/>
           <p:nvPr/>
         </p:nvCxnSpPr>
@@ -12483,7 +10181,7 @@
       </p:cxnSp>
       <p:cxnSp>
         <p:nvCxnSpPr>
-          <p:cNvPr id="228" name="Google Shape;228;p20"/>
+          <p:cNvPr id="209" name="Google Shape;209;p19"/>
           <p:cNvCxnSpPr/>
           <p:nvPr/>
         </p:nvCxnSpPr>
@@ -12509,7 +10207,7 @@
       </p:cxnSp>
       <p:cxnSp>
         <p:nvCxnSpPr>
-          <p:cNvPr id="229" name="Google Shape;229;p20"/>
+          <p:cNvPr id="210" name="Google Shape;210;p19"/>
           <p:cNvCxnSpPr/>
           <p:nvPr/>
         </p:nvCxnSpPr>
@@ -12535,7 +10233,7 @@
       </p:cxnSp>
       <p:grpSp>
         <p:nvGrpSpPr>
-          <p:cNvPr id="230" name="Google Shape;230;p20"/>
+          <p:cNvPr id="211" name="Google Shape;211;p19"/>
           <p:cNvGrpSpPr/>
           <p:nvPr/>
         </p:nvGrpSpPr>
@@ -12549,7 +10247,7 @@
         </p:grpSpPr>
         <p:cxnSp>
           <p:nvCxnSpPr>
-            <p:cNvPr id="231" name="Google Shape;231;p20"/>
+            <p:cNvPr id="212" name="Google Shape;212;p19"/>
             <p:cNvCxnSpPr/>
             <p:nvPr/>
           </p:nvCxnSpPr>
@@ -12575,7 +10273,7 @@
         </p:cxnSp>
         <p:cxnSp>
           <p:nvCxnSpPr>
-            <p:cNvPr id="232" name="Google Shape;232;p20"/>
+            <p:cNvPr id="213" name="Google Shape;213;p19"/>
             <p:cNvCxnSpPr/>
             <p:nvPr/>
           </p:nvCxnSpPr>
@@ -12602,7 +10300,7 @@
       </p:grpSp>
       <p:sp>
         <p:nvSpPr>
-          <p:cNvPr id="233" name="Google Shape;233;p20"/>
+          <p:cNvPr id="214" name="Google Shape;214;p19"/>
           <p:cNvSpPr/>
           <p:nvPr/>
         </p:nvSpPr>
@@ -12651,7 +10349,7 @@
       </p:sp>
       <p:sp>
         <p:nvSpPr>
-          <p:cNvPr id="234" name="Google Shape;234;p20"/>
+          <p:cNvPr id="215" name="Google Shape;215;p19"/>
           <p:cNvSpPr/>
           <p:nvPr/>
         </p:nvSpPr>
@@ -12700,7 +10398,7 @@
       </p:sp>
       <p:sp>
         <p:nvSpPr>
-          <p:cNvPr id="235" name="Google Shape;235;p20"/>
+          <p:cNvPr id="216" name="Google Shape;216;p19"/>
           <p:cNvSpPr/>
           <p:nvPr/>
         </p:nvSpPr>
@@ -12749,7 +10447,7 @@
       </p:sp>
       <p:sp>
         <p:nvSpPr>
-          <p:cNvPr id="236" name="Google Shape;236;p20"/>
+          <p:cNvPr id="217" name="Google Shape;217;p19"/>
           <p:cNvSpPr/>
           <p:nvPr/>
         </p:nvSpPr>
@@ -12798,7 +10496,7 @@
       </p:sp>
       <p:sp>
         <p:nvSpPr>
-          <p:cNvPr id="237" name="Google Shape;237;p20"/>
+          <p:cNvPr id="218" name="Google Shape;218;p19"/>
           <p:cNvSpPr/>
           <p:nvPr/>
         </p:nvSpPr>
@@ -12847,7 +10545,7 @@
       </p:sp>
       <p:sp>
         <p:nvSpPr>
-          <p:cNvPr id="238" name="Google Shape;238;p20"/>
+          <p:cNvPr id="219" name="Google Shape;219;p19"/>
           <p:cNvSpPr/>
           <p:nvPr/>
         </p:nvSpPr>
@@ -12896,7 +10594,7 @@
       </p:sp>
       <p:sp>
         <p:nvSpPr>
-          <p:cNvPr id="239" name="Google Shape;239;p20"/>
+          <p:cNvPr id="220" name="Google Shape;220;p19"/>
           <p:cNvSpPr/>
           <p:nvPr/>
         </p:nvSpPr>
@@ -12945,7 +10643,7 @@
       </p:sp>
       <p:sp>
         <p:nvSpPr>
-          <p:cNvPr id="240" name="Google Shape;240;p20"/>
+          <p:cNvPr id="221" name="Google Shape;221;p19"/>
           <p:cNvSpPr/>
           <p:nvPr/>
         </p:nvSpPr>
@@ -12994,7 +10692,7 @@
       </p:sp>
       <p:sp>
         <p:nvSpPr>
-          <p:cNvPr id="241" name="Google Shape;241;p20"/>
+          <p:cNvPr id="222" name="Google Shape;222;p19"/>
           <p:cNvSpPr/>
           <p:nvPr/>
         </p:nvSpPr>
@@ -13043,7 +10741,7 @@
       </p:sp>
       <p:pic>
         <p:nvPicPr>
-          <p:cNvPr descr="f(0,0)&#10;%e3f8bfbd-4607-4b0d-bbc6-5d36270e2501" id="242" name="Google Shape;242;p20"/>
+          <p:cNvPr descr="f(0,0)&#10;%e3f8bfbd-4607-4b0d-bbc6-5d36270e2501" id="223" name="Google Shape;223;p19"/>
           <p:cNvPicPr preferRelativeResize="0"/>
           <p:nvPr/>
         </p:nvPicPr>
@@ -13071,7 +10769,7 @@
       </p:pic>
       <p:pic>
         <p:nvPicPr>
-          <p:cNvPr descr="f(0,1)&#10;%ef2e0a0d-efa6-41b8-aaa5-80622dcc92c3" id="243" name="Google Shape;243;p20"/>
+          <p:cNvPr descr="f(0,1)&#10;%ef2e0a0d-efa6-41b8-aaa5-80622dcc92c3" id="224" name="Google Shape;224;p19"/>
           <p:cNvPicPr preferRelativeResize="0"/>
           <p:nvPr/>
         </p:nvPicPr>
@@ -13099,7 +10797,7 @@
       </p:pic>
       <p:pic>
         <p:nvPicPr>
-          <p:cNvPr descr="f(0,2)&#10;%922f2304-f332-4678-8a02-c0f48555a535" id="244" name="Google Shape;244;p20"/>
+          <p:cNvPr descr="f(0,2)&#10;%922f2304-f332-4678-8a02-c0f48555a535" id="225" name="Google Shape;225;p19"/>
           <p:cNvPicPr preferRelativeResize="0"/>
           <p:nvPr/>
         </p:nvPicPr>
@@ -13127,7 +10825,7 @@
       </p:pic>
       <p:pic>
         <p:nvPicPr>
-          <p:cNvPr descr="f(0,-1)&#10;%8d25f91a-b449-4ce9-8493-79e17e4fd218" id="245" name="Google Shape;245;p20"/>
+          <p:cNvPr descr="f(0,-1)&#10;%8d25f91a-b449-4ce9-8493-79e17e4fd218" id="226" name="Google Shape;226;p19"/>
           <p:cNvPicPr preferRelativeResize="0"/>
           <p:nvPr/>
         </p:nvPicPr>
@@ -13155,7 +10853,7 @@
       </p:pic>
       <p:pic>
         <p:nvPicPr>
-          <p:cNvPr descr="f(1,-1)&#10;%a03e190b-ba0b-49f6-8dd1-4adaa2c686ee" id="246" name="Google Shape;246;p20"/>
+          <p:cNvPr descr="f(1,-1)&#10;%a03e190b-ba0b-49f6-8dd1-4adaa2c686ee" id="227" name="Google Shape;227;p19"/>
           <p:cNvPicPr preferRelativeResize="0"/>
           <p:nvPr/>
         </p:nvPicPr>
@@ -13183,7 +10881,7 @@
       </p:pic>
       <p:pic>
         <p:nvPicPr>
-          <p:cNvPr descr="f(2,-1)&#10;%85b12039-d893-495a-b0e2-9790a9c79fe0" id="247" name="Google Shape;247;p20"/>
+          <p:cNvPr descr="f(2,-1)&#10;%85b12039-d893-495a-b0e2-9790a9c79fe0" id="228" name="Google Shape;228;p19"/>
           <p:cNvPicPr preferRelativeResize="0"/>
           <p:nvPr/>
         </p:nvPicPr>
@@ -13211,7 +10909,7 @@
       </p:pic>
       <p:pic>
         <p:nvPicPr>
-          <p:cNvPr descr="f(-1,-1)&#10;%e3197f47-0397-4b77-b2c0-39e45847dd80" id="248" name="Google Shape;248;p20"/>
+          <p:cNvPr descr="f(-1,-1)&#10;%e3197f47-0397-4b77-b2c0-39e45847dd80" id="229" name="Google Shape;229;p19"/>
           <p:cNvPicPr preferRelativeResize="0"/>
           <p:nvPr/>
         </p:nvPicPr>
@@ -13239,7 +10937,7 @@
       </p:pic>
       <p:pic>
         <p:nvPicPr>
-          <p:cNvPr descr="f(-1,0)&#10;%d853d3e7-d5ae-426a-9934-ecded67efb3d" id="249" name="Google Shape;249;p20"/>
+          <p:cNvPr descr="f(-1,0)&#10;%d853d3e7-d5ae-426a-9934-ecded67efb3d" id="230" name="Google Shape;230;p19"/>
           <p:cNvPicPr preferRelativeResize="0"/>
           <p:nvPr/>
         </p:nvPicPr>
@@ -13267,7 +10965,7 @@
       </p:pic>
       <p:pic>
         <p:nvPicPr>
-          <p:cNvPr descr="f(1,0)&#10;%d53631bd-a93d-4d8c-ba94-cc61f0dbf3f0" id="250" name="Google Shape;250;p20"/>
+          <p:cNvPr descr="f(1,0)&#10;%d53631bd-a93d-4d8c-ba94-cc61f0dbf3f0" id="231" name="Google Shape;231;p19"/>
           <p:cNvPicPr preferRelativeResize="0"/>
           <p:nvPr/>
         </p:nvPicPr>
@@ -13295,7 +10993,7 @@
       </p:pic>
       <p:pic>
         <p:nvPicPr>
-          <p:cNvPr descr="f(2,0)&#10;%7e2b4624-fa14-472a-933f-a533d31a9fce" id="251" name="Google Shape;251;p20"/>
+          <p:cNvPr descr="f(2,0)&#10;%7e2b4624-fa14-472a-933f-a533d31a9fce" id="232" name="Google Shape;232;p19"/>
           <p:cNvPicPr preferRelativeResize="0"/>
           <p:nvPr/>
         </p:nvPicPr>
@@ -13323,7 +11021,7 @@
       </p:pic>
       <p:pic>
         <p:nvPicPr>
-          <p:cNvPr descr="f(2,1)&#10;%6f9f6f51-f5ea-457e-948c-6777c1b8ed22" id="252" name="Google Shape;252;p20"/>
+          <p:cNvPr descr="f(2,1)&#10;%6f9f6f51-f5ea-457e-948c-6777c1b8ed22" id="233" name="Google Shape;233;p19"/>
           <p:cNvPicPr preferRelativeResize="0"/>
           <p:nvPr/>
         </p:nvPicPr>
@@ -13351,7 +11049,7 @@
       </p:pic>
       <p:pic>
         <p:nvPicPr>
-          <p:cNvPr descr="f(2,2)&#10;%b90778c3-140e-498d-a419-405e9f4100b3" id="253" name="Google Shape;253;p20"/>
+          <p:cNvPr descr="f(2,2)&#10;%b90778c3-140e-498d-a419-405e9f4100b3" id="234" name="Google Shape;234;p19"/>
           <p:cNvPicPr preferRelativeResize="0"/>
           <p:nvPr/>
         </p:nvPicPr>
@@ -13379,7 +11077,7 @@
       </p:pic>
       <p:pic>
         <p:nvPicPr>
-          <p:cNvPr descr="f(1,2)&#10;%997fed4f-34ef-4577-a2c3-d7fe8d8ed5f3" id="254" name="Google Shape;254;p20"/>
+          <p:cNvPr descr="f(1,2)&#10;%997fed4f-34ef-4577-a2c3-d7fe8d8ed5f3" id="235" name="Google Shape;235;p19"/>
           <p:cNvPicPr preferRelativeResize="0"/>
           <p:nvPr/>
         </p:nvPicPr>
@@ -13407,7 +11105,7 @@
       </p:pic>
       <p:pic>
         <p:nvPicPr>
-          <p:cNvPr descr="f(-1,2)&#10;%2e3bf631-e5b6-4a09-bf91-fa43417a1454" id="255" name="Google Shape;255;p20"/>
+          <p:cNvPr descr="f(-1,2)&#10;%2e3bf631-e5b6-4a09-bf91-fa43417a1454" id="236" name="Google Shape;236;p19"/>
           <p:cNvPicPr preferRelativeResize="0"/>
           <p:nvPr/>
         </p:nvPicPr>
@@ -13435,7 +11133,7 @@
       </p:pic>
       <p:pic>
         <p:nvPicPr>
-          <p:cNvPr descr="f(-1,1)&#10;%e5d5ba18-4fe4-4fe8-97fe-3f7a2402bc6d" id="256" name="Google Shape;256;p20"/>
+          <p:cNvPr descr="f(-1,1)&#10;%e5d5ba18-4fe4-4fe8-97fe-3f7a2402bc6d" id="237" name="Google Shape;237;p19"/>
           <p:cNvPicPr preferRelativeResize="0"/>
           <p:nvPr/>
         </p:nvPicPr>
@@ -13463,7 +11161,7 @@
       </p:pic>
       <p:pic>
         <p:nvPicPr>
-          <p:cNvPr descr="f(1,1)&#10;%01205696-a95a-462f-9dab-301369542cd4" id="257" name="Google Shape;257;p20"/>
+          <p:cNvPr descr="f(1,1)&#10;%01205696-a95a-462f-9dab-301369542cd4" id="238" name="Google Shape;238;p19"/>
           <p:cNvPicPr preferRelativeResize="0"/>
           <p:nvPr/>
         </p:nvPicPr>
@@ -13491,7 +11189,7 @@
       </p:pic>
       <p:cxnSp>
         <p:nvCxnSpPr>
-          <p:cNvPr id="258" name="Google Shape;258;p20"/>
+          <p:cNvPr id="239" name="Google Shape;239;p19"/>
           <p:cNvCxnSpPr/>
           <p:nvPr/>
         </p:nvCxnSpPr>
@@ -13517,7 +11215,7 @@
       </p:cxnSp>
       <p:cxnSp>
         <p:nvCxnSpPr>
-          <p:cNvPr id="259" name="Google Shape;259;p20"/>
+          <p:cNvPr id="240" name="Google Shape;240;p19"/>
           <p:cNvCxnSpPr/>
           <p:nvPr/>
         </p:nvCxnSpPr>
@@ -13543,7 +11241,7 @@
       </p:cxnSp>
       <p:cxnSp>
         <p:nvCxnSpPr>
-          <p:cNvPr id="260" name="Google Shape;260;p20"/>
+          <p:cNvPr id="241" name="Google Shape;241;p19"/>
           <p:cNvCxnSpPr/>
           <p:nvPr/>
         </p:nvCxnSpPr>
@@ -13569,7 +11267,7 @@
       </p:cxnSp>
       <p:cxnSp>
         <p:nvCxnSpPr>
-          <p:cNvPr id="261" name="Google Shape;261;p20"/>
+          <p:cNvPr id="242" name="Google Shape;242;p19"/>
           <p:cNvCxnSpPr/>
           <p:nvPr/>
         </p:nvCxnSpPr>
@@ -13595,7 +11293,7 @@
       </p:cxnSp>
       <p:cxnSp>
         <p:nvCxnSpPr>
-          <p:cNvPr id="262" name="Google Shape;262;p20"/>
+          <p:cNvPr id="243" name="Google Shape;243;p19"/>
           <p:cNvCxnSpPr/>
           <p:nvPr/>
         </p:nvCxnSpPr>
@@ -13621,7 +11319,7 @@
       </p:cxnSp>
       <p:cxnSp>
         <p:nvCxnSpPr>
-          <p:cNvPr id="263" name="Google Shape;263;p20"/>
+          <p:cNvPr id="244" name="Google Shape;244;p19"/>
           <p:cNvCxnSpPr/>
           <p:nvPr/>
         </p:nvCxnSpPr>
@@ -13647,7 +11345,7 @@
       </p:cxnSp>
       <p:cxnSp>
         <p:nvCxnSpPr>
-          <p:cNvPr id="264" name="Google Shape;264;p20"/>
+          <p:cNvPr id="245" name="Google Shape;245;p19"/>
           <p:cNvCxnSpPr/>
           <p:nvPr/>
         </p:nvCxnSpPr>
@@ -13673,7 +11371,7 @@
       </p:cxnSp>
       <p:cxnSp>
         <p:nvCxnSpPr>
-          <p:cNvPr id="265" name="Google Shape;265;p20"/>
+          <p:cNvPr id="246" name="Google Shape;246;p19"/>
           <p:cNvCxnSpPr/>
           <p:nvPr/>
         </p:nvCxnSpPr>
@@ -13699,7 +11397,7 @@
       </p:cxnSp>
       <p:sp>
         <p:nvSpPr>
-          <p:cNvPr id="266" name="Google Shape;266;p20"/>
+          <p:cNvPr id="247" name="Google Shape;247;p19"/>
           <p:cNvSpPr/>
           <p:nvPr/>
         </p:nvSpPr>
@@ -13748,7 +11446,7 @@
       </p:sp>
       <p:sp>
         <p:nvSpPr>
-          <p:cNvPr id="267" name="Google Shape;267;p20"/>
+          <p:cNvPr id="248" name="Google Shape;248;p19"/>
           <p:cNvSpPr/>
           <p:nvPr/>
         </p:nvSpPr>
@@ -13797,7 +11495,7 @@
       </p:sp>
       <p:sp>
         <p:nvSpPr>
-          <p:cNvPr id="268" name="Google Shape;268;p20"/>
+          <p:cNvPr id="249" name="Google Shape;249;p19"/>
           <p:cNvSpPr/>
           <p:nvPr/>
         </p:nvSpPr>
@@ -13846,7 +11544,7 @@
       </p:sp>
       <p:sp>
         <p:nvSpPr>
-          <p:cNvPr id="269" name="Google Shape;269;p20"/>
+          <p:cNvPr id="250" name="Google Shape;250;p19"/>
           <p:cNvSpPr/>
           <p:nvPr/>
         </p:nvSpPr>
@@ -13895,7 +11593,7 @@
       </p:sp>
       <p:sp>
         <p:nvSpPr>
-          <p:cNvPr id="270" name="Google Shape;270;p20"/>
+          <p:cNvPr id="251" name="Google Shape;251;p19"/>
           <p:cNvSpPr/>
           <p:nvPr/>
         </p:nvSpPr>
@@ -13944,7 +11642,7 @@
       </p:sp>
       <p:sp>
         <p:nvSpPr>
-          <p:cNvPr id="271" name="Google Shape;271;p20"/>
+          <p:cNvPr id="252" name="Google Shape;252;p19"/>
           <p:cNvSpPr/>
           <p:nvPr/>
         </p:nvSpPr>
@@ -13993,7 +11691,7 @@
       </p:sp>
       <p:sp>
         <p:nvSpPr>
-          <p:cNvPr id="272" name="Google Shape;272;p20"/>
+          <p:cNvPr id="253" name="Google Shape;253;p19"/>
           <p:cNvSpPr/>
           <p:nvPr/>
         </p:nvSpPr>
@@ -14042,7 +11740,7 @@
       </p:sp>
       <p:sp>
         <p:nvSpPr>
-          <p:cNvPr id="273" name="Google Shape;273;p20"/>
+          <p:cNvPr id="254" name="Google Shape;254;p19"/>
           <p:cNvSpPr txBox="1"/>
           <p:nvPr/>
         </p:nvSpPr>
@@ -14094,7 +11792,7 @@
       </p:sp>
       <p:sp>
         <p:nvSpPr>
-          <p:cNvPr id="274" name="Google Shape;274;p20"/>
+          <p:cNvPr id="255" name="Google Shape;255;p19"/>
           <p:cNvSpPr txBox="1"/>
           <p:nvPr/>
         </p:nvSpPr>
@@ -14146,7 +11844,7 @@
       </p:sp>
       <p:pic>
         <p:nvPicPr>
-          <p:cNvPr descr="(\mu_0,\mu_1)&#10;%30b1f5d8-1a13-414f-8ea2-9df65b9e8302" id="275" name="Google Shape;275;p20"/>
+          <p:cNvPr descr="(\mu_0,\mu_1)&#10;%30b1f5d8-1a13-414f-8ea2-9df65b9e8302" id="256" name="Google Shape;256;p19"/>
           <p:cNvPicPr preferRelativeResize="0"/>
           <p:nvPr/>
         </p:nvPicPr>
@@ -14180,12 +11878,12 @@
 </p:sld>
 </file>
 
-<file path=ppt/slides/slide9.xml><?xml version="1.0" encoding="utf-8"?>
+<file path=ppt/slides/slide8.xml><?xml version="1.0" encoding="utf-8"?>
 <p:sld xmlns:a="http://schemas.openxmlformats.org/drawingml/2006/main" xmlns:r="http://schemas.openxmlformats.org/officeDocument/2006/relationships" xmlns:mc="http://schemas.openxmlformats.org/markup-compatibility/2006" xmlns:mv="urn:schemas-microsoft-com:mac:vml" xmlns:p="http://schemas.openxmlformats.org/presentationml/2006/main" xmlns:c="http://schemas.openxmlformats.org/drawingml/2006/chart" xmlns:dgm="http://schemas.openxmlformats.org/drawingml/2006/diagram" xmlns:o="urn:schemas-microsoft-com:office:office" xmlns:v="urn:schemas-microsoft-com:vml" xmlns:pvml="urn:schemas-microsoft-com:office:powerpoint" xmlns:com="http://schemas.openxmlformats.org/drawingml/2006/compatibility" xmlns:p14="http://schemas.microsoft.com/office/powerpoint/2010/main" xmlns:p15="http://schemas.microsoft.com/office/powerpoint/2012/main" xmlns:ahyp="http://schemas.microsoft.com/office/drawing/2018/hyperlinkcolor">
   <p:cSld>
     <p:spTree>
       <p:nvGrpSpPr>
-        <p:cNvPr id="279" name="Shape 279"/>
+        <p:cNvPr id="260" name="Shape 260"/>
         <p:cNvGrpSpPr/>
         <p:nvPr/>
       </p:nvGrpSpPr>
@@ -14199,7 +11897,7 @@
       </p:grpSpPr>
       <p:sp>
         <p:nvSpPr>
-          <p:cNvPr id="280" name="Google Shape;280;p21"/>
+          <p:cNvPr id="261" name="Google Shape;261;p20"/>
           <p:cNvSpPr/>
           <p:nvPr/>
         </p:nvSpPr>
@@ -14242,7 +11940,7 @@
       </p:sp>
       <p:sp>
         <p:nvSpPr>
-          <p:cNvPr id="281" name="Google Shape;281;p21"/>
+          <p:cNvPr id="262" name="Google Shape;262;p20"/>
           <p:cNvSpPr/>
           <p:nvPr/>
         </p:nvSpPr>
@@ -14285,7 +11983,7 @@
       </p:sp>
       <p:sp>
         <p:nvSpPr>
-          <p:cNvPr id="282" name="Google Shape;282;p21"/>
+          <p:cNvPr id="263" name="Google Shape;263;p20"/>
           <p:cNvSpPr/>
           <p:nvPr/>
         </p:nvSpPr>
@@ -14328,7 +12026,7 @@
       </p:sp>
       <p:sp>
         <p:nvSpPr>
-          <p:cNvPr id="283" name="Google Shape;283;p21"/>
+          <p:cNvPr id="264" name="Google Shape;264;p20"/>
           <p:cNvSpPr/>
           <p:nvPr/>
         </p:nvSpPr>
@@ -14371,7 +12069,7 @@
       </p:sp>
       <p:sp>
         <p:nvSpPr>
-          <p:cNvPr id="284" name="Google Shape;284;p21"/>
+          <p:cNvPr id="265" name="Google Shape;265;p20"/>
           <p:cNvSpPr/>
           <p:nvPr/>
         </p:nvSpPr>
@@ -14414,7 +12112,7 @@
       </p:sp>
       <p:sp>
         <p:nvSpPr>
-          <p:cNvPr id="285" name="Google Shape;285;p21"/>
+          <p:cNvPr id="266" name="Google Shape;266;p20"/>
           <p:cNvSpPr/>
           <p:nvPr/>
         </p:nvSpPr>
@@ -14457,7 +12155,7 @@
       </p:sp>
       <p:sp>
         <p:nvSpPr>
-          <p:cNvPr id="286" name="Google Shape;286;p21"/>
+          <p:cNvPr id="267" name="Google Shape;267;p20"/>
           <p:cNvSpPr/>
           <p:nvPr/>
         </p:nvSpPr>
@@ -14500,7 +12198,7 @@
       </p:sp>
       <p:sp>
         <p:nvSpPr>
-          <p:cNvPr id="287" name="Google Shape;287;p21"/>
+          <p:cNvPr id="268" name="Google Shape;268;p20"/>
           <p:cNvSpPr/>
           <p:nvPr/>
         </p:nvSpPr>
@@ -14543,7 +12241,7 @@
       </p:sp>
       <p:sp>
         <p:nvSpPr>
-          <p:cNvPr id="288" name="Google Shape;288;p21"/>
+          <p:cNvPr id="269" name="Google Shape;269;p20"/>
           <p:cNvSpPr/>
           <p:nvPr/>
         </p:nvSpPr>
@@ -14586,7 +12284,7 @@
       </p:sp>
       <p:sp>
         <p:nvSpPr>
-          <p:cNvPr id="289" name="Google Shape;289;p21"/>
+          <p:cNvPr id="270" name="Google Shape;270;p20"/>
           <p:cNvSpPr/>
           <p:nvPr/>
         </p:nvSpPr>
@@ -14629,7 +12327,7 @@
       </p:sp>
       <p:cxnSp>
         <p:nvCxnSpPr>
-          <p:cNvPr id="290" name="Google Shape;290;p21"/>
+          <p:cNvPr id="271" name="Google Shape;271;p20"/>
           <p:cNvCxnSpPr/>
           <p:nvPr/>
         </p:nvCxnSpPr>
@@ -14655,7 +12353,7 @@
       </p:cxnSp>
       <p:cxnSp>
         <p:nvCxnSpPr>
-          <p:cNvPr id="291" name="Google Shape;291;p21"/>
+          <p:cNvPr id="272" name="Google Shape;272;p20"/>
           <p:cNvCxnSpPr/>
           <p:nvPr/>
         </p:nvCxnSpPr>
@@ -14681,7 +12379,7 @@
       </p:cxnSp>
       <p:cxnSp>
         <p:nvCxnSpPr>
-          <p:cNvPr id="292" name="Google Shape;292;p21"/>
+          <p:cNvPr id="273" name="Google Shape;273;p20"/>
           <p:cNvCxnSpPr/>
           <p:nvPr/>
         </p:nvCxnSpPr>
@@ -14707,7 +12405,7 @@
       </p:cxnSp>
       <p:cxnSp>
         <p:nvCxnSpPr>
-          <p:cNvPr id="293" name="Google Shape;293;p21"/>
+          <p:cNvPr id="274" name="Google Shape;274;p20"/>
           <p:cNvCxnSpPr/>
           <p:nvPr/>
         </p:nvCxnSpPr>
@@ -14733,7 +12431,7 @@
       </p:cxnSp>
       <p:cxnSp>
         <p:nvCxnSpPr>
-          <p:cNvPr id="294" name="Google Shape;294;p21"/>
+          <p:cNvPr id="275" name="Google Shape;275;p20"/>
           <p:cNvCxnSpPr/>
           <p:nvPr/>
         </p:nvCxnSpPr>
@@ -14759,7 +12457,7 @@
       </p:cxnSp>
       <p:cxnSp>
         <p:nvCxnSpPr>
-          <p:cNvPr id="295" name="Google Shape;295;p21"/>
+          <p:cNvPr id="276" name="Google Shape;276;p20"/>
           <p:cNvCxnSpPr/>
           <p:nvPr/>
         </p:nvCxnSpPr>
@@ -14785,7 +12483,7 @@
       </p:cxnSp>
       <p:cxnSp>
         <p:nvCxnSpPr>
-          <p:cNvPr id="296" name="Google Shape;296;p21"/>
+          <p:cNvPr id="277" name="Google Shape;277;p20"/>
           <p:cNvCxnSpPr/>
           <p:nvPr/>
         </p:nvCxnSpPr>
@@ -14811,7 +12509,7 @@
       </p:cxnSp>
       <p:cxnSp>
         <p:nvCxnSpPr>
-          <p:cNvPr id="297" name="Google Shape;297;p21"/>
+          <p:cNvPr id="278" name="Google Shape;278;p20"/>
           <p:cNvCxnSpPr/>
           <p:nvPr/>
         </p:nvCxnSpPr>
@@ -14837,7 +12535,7 @@
       </p:cxnSp>
       <p:pic>
         <p:nvPicPr>
-          <p:cNvPr descr="\color{green}\text u_{-1}&#10;%adf6f5c2-50e3-45d1-bd1b-e88baec4757f" id="298" name="Google Shape;298;p21"/>
+          <p:cNvPr descr="\color{green}\text u_{-1}&#10;%adf6f5c2-50e3-45d1-bd1b-e88baec4757f" id="279" name="Google Shape;279;p20"/>
           <p:cNvPicPr preferRelativeResize="0"/>
           <p:nvPr/>
         </p:nvPicPr>
@@ -14865,7 +12563,7 @@
       </p:pic>
       <p:pic>
         <p:nvPicPr>
-          <p:cNvPr descr="\color{green}\text u_{0}&#10;%906e6afc-0e44-4f01-af47-d271f6a05171" id="299" name="Google Shape;299;p21"/>
+          <p:cNvPr descr="\color{green}\text u_{0}&#10;%906e6afc-0e44-4f01-af47-d271f6a05171" id="280" name="Google Shape;280;p20"/>
           <p:cNvPicPr preferRelativeResize="0"/>
           <p:nvPr/>
         </p:nvPicPr>
@@ -14893,7 +12591,7 @@
       </p:pic>
       <p:pic>
         <p:nvPicPr>
-          <p:cNvPr descr="\color{green}\text u_{1}&#10;%e1067567-553d-43e1-b56d-dbfd64c239a5" id="300" name="Google Shape;300;p21"/>
+          <p:cNvPr descr="\color{green}\text u_{1}&#10;%e1067567-553d-43e1-b56d-dbfd64c239a5" id="281" name="Google Shape;281;p20"/>
           <p:cNvPicPr preferRelativeResize="0"/>
           <p:nvPr/>
         </p:nvPicPr>
@@ -14921,7 +12619,7 @@
       </p:pic>
       <p:pic>
         <p:nvPicPr>
-          <p:cNvPr descr="\color{green}\text u_{2}&#10;%384f529e-07b5-44f5-8cb1-905d7b69e08a" id="301" name="Google Shape;301;p21"/>
+          <p:cNvPr descr="\color{green}\text u_{2}&#10;%384f529e-07b5-44f5-8cb1-905d7b69e08a" id="282" name="Google Shape;282;p20"/>
           <p:cNvPicPr preferRelativeResize="0"/>
           <p:nvPr/>
         </p:nvPicPr>
@@ -14949,7 +12647,7 @@
       </p:pic>
       <p:pic>
         <p:nvPicPr>
-          <p:cNvPr descr="\color{blue}\text v_{2}&#10;%5a7f7398-e9e7-424d-88d8-bf6384e63540" id="302" name="Google Shape;302;p21"/>
+          <p:cNvPr descr="\color{blue}\text v_{2}&#10;%5a7f7398-e9e7-424d-88d8-bf6384e63540" id="283" name="Google Shape;283;p20"/>
           <p:cNvPicPr preferRelativeResize="0"/>
           <p:nvPr/>
         </p:nvPicPr>
@@ -14977,7 +12675,7 @@
       </p:pic>
       <p:pic>
         <p:nvPicPr>
-          <p:cNvPr descr="\color{blue}\text v_{1}&#10;%bc4e7771-3600-4b20-b334-48a8f6a4d985" id="303" name="Google Shape;303;p21"/>
+          <p:cNvPr descr="\color{blue}\text v_{1}&#10;%bc4e7771-3600-4b20-b334-48a8f6a4d985" id="284" name="Google Shape;284;p20"/>
           <p:cNvPicPr preferRelativeResize="0"/>
           <p:nvPr/>
         </p:nvPicPr>
@@ -15005,7 +12703,7 @@
       </p:pic>
       <p:pic>
         <p:nvPicPr>
-          <p:cNvPr descr="\color{blue}\text v_{0}&#10;%f4567b78-0f8d-47d2-a8cb-9f913578825d" id="304" name="Google Shape;304;p21"/>
+          <p:cNvPr descr="\color{blue}\text v_{0}&#10;%f4567b78-0f8d-47d2-a8cb-9f913578825d" id="285" name="Google Shape;285;p20"/>
           <p:cNvPicPr preferRelativeResize="0"/>
           <p:nvPr/>
         </p:nvPicPr>
@@ -15033,7 +12731,7 @@
       </p:pic>
       <p:pic>
         <p:nvPicPr>
-          <p:cNvPr descr="\color{blue}\text v_{-1}&#10;%c39cd0ce-3d9b-4b9f-9276-3add3429be1e" id="305" name="Google Shape;305;p21"/>
+          <p:cNvPr descr="\color{blue}\text v_{-1}&#10;%c39cd0ce-3d9b-4b9f-9276-3add3429be1e" id="286" name="Google Shape;286;p20"/>
           <p:cNvPicPr preferRelativeResize="0"/>
           <p:nvPr/>
         </p:nvPicPr>
@@ -15061,7 +12759,7 @@
       </p:pic>
       <p:pic>
         <p:nvPicPr>
-          <p:cNvPr descr="\text w_{0,1}&#10;%0b2d76a5-01fa-4f96-8b90-6aa937403b4a" id="306" name="Google Shape;306;p21"/>
+          <p:cNvPr descr="\text w_{0,1}&#10;%0b2d76a5-01fa-4f96-8b90-6aa937403b4a" id="287" name="Google Shape;287;p20"/>
           <p:cNvPicPr preferRelativeResize="0"/>
           <p:nvPr/>
         </p:nvPicPr>
@@ -15089,7 +12787,7 @@
       </p:pic>
       <p:pic>
         <p:nvPicPr>
-          <p:cNvPr descr="\text w_{1,1}&#10;%6de02c1e-6f0c-4b42-ade2-78d845f62cf6" id="307" name="Google Shape;307;p21"/>
+          <p:cNvPr descr="\text w_{1,1}&#10;%6de02c1e-6f0c-4b42-ade2-78d845f62cf6" id="288" name="Google Shape;288;p20"/>
           <p:cNvPicPr preferRelativeResize="0"/>
           <p:nvPr/>
         </p:nvPicPr>
@@ -15117,7 +12815,7 @@
       </p:pic>
       <p:pic>
         <p:nvPicPr>
-          <p:cNvPr descr="\text w_{-1,1}&#10;%2888ab32-7587-4893-b943-44397bad5c66" id="308" name="Google Shape;308;p21"/>
+          <p:cNvPr descr="\text w_{-1,1}&#10;%2888ab32-7587-4893-b943-44397bad5c66" id="289" name="Google Shape;289;p20"/>
           <p:cNvPicPr preferRelativeResize="0"/>
           <p:nvPr/>
         </p:nvPicPr>
@@ -15145,7 +12843,7 @@
       </p:pic>
       <p:pic>
         <p:nvPicPr>
-          <p:cNvPr descr="\text w_{-1,0}&#10;%98e187f9-e0c0-44b1-aa45-485de0f03df5" id="309" name="Google Shape;309;p21"/>
+          <p:cNvPr descr="\text w_{-1,0}&#10;%98e187f9-e0c0-44b1-aa45-485de0f03df5" id="290" name="Google Shape;290;p20"/>
           <p:cNvPicPr preferRelativeResize="0"/>
           <p:nvPr/>
         </p:nvPicPr>
@@ -15173,7 +12871,7 @@
       </p:pic>
       <p:pic>
         <p:nvPicPr>
-          <p:cNvPr descr="\text w_{-1,-1}&#10;%0b5ea587-698e-4c99-bbf8-f8f443caab72" id="310" name="Google Shape;310;p21"/>
+          <p:cNvPr descr="\text w_{-1,-1}&#10;%0b5ea587-698e-4c99-bbf8-f8f443caab72" id="291" name="Google Shape;291;p20"/>
           <p:cNvPicPr preferRelativeResize="0"/>
           <p:nvPr/>
         </p:nvPicPr>
@@ -15201,7 +12899,7 @@
       </p:pic>
       <p:pic>
         <p:nvPicPr>
-          <p:cNvPr descr="\text w_{2,-1}&#10;%3ba73600-bf80-4976-9270-f4c0af9904e7" id="311" name="Google Shape;311;p21"/>
+          <p:cNvPr descr="\text w_{2,-1}&#10;%3ba73600-bf80-4976-9270-f4c0af9904e7" id="292" name="Google Shape;292;p20"/>
           <p:cNvPicPr preferRelativeResize="0"/>
           <p:nvPr/>
         </p:nvPicPr>
@@ -15229,7 +12927,7 @@
       </p:pic>
       <p:pic>
         <p:nvPicPr>
-          <p:cNvPr descr="\text w_{1,-1}&#10;%7a97ed46-8acf-4580-b31f-81e00d84b946" id="312" name="Google Shape;312;p21"/>
+          <p:cNvPr descr="\text w_{1,-1}&#10;%7a97ed46-8acf-4580-b31f-81e00d84b946" id="293" name="Google Shape;293;p20"/>
           <p:cNvPicPr preferRelativeResize="0"/>
           <p:nvPr/>
         </p:nvPicPr>
@@ -15257,7 +12955,7 @@
       </p:pic>
       <p:pic>
         <p:nvPicPr>
-          <p:cNvPr descr="\text w_{1,0}&#10;%3e9d86f8-2000-40c4-b9b1-ce695a187957" id="313" name="Google Shape;313;p21"/>
+          <p:cNvPr descr="\text w_{1,0}&#10;%3e9d86f8-2000-40c4-b9b1-ce695a187957" id="294" name="Google Shape;294;p20"/>
           <p:cNvPicPr preferRelativeResize="0"/>
           <p:nvPr/>
         </p:nvPicPr>
@@ -15285,7 +12983,7 @@
       </p:pic>
       <p:pic>
         <p:nvPicPr>
-          <p:cNvPr descr="\text w_{1,2}&#10;%4c341024-2233-41e8-ba27-87936e70f2d7" id="314" name="Google Shape;314;p21"/>
+          <p:cNvPr descr="\text w_{1,2}&#10;%4c341024-2233-41e8-ba27-87936e70f2d7" id="295" name="Google Shape;295;p20"/>
           <p:cNvPicPr preferRelativeResize="0"/>
           <p:nvPr/>
         </p:nvPicPr>
@@ -15313,7 +13011,7 @@
       </p:pic>
       <p:pic>
         <p:nvPicPr>
-          <p:cNvPr descr="\text w_{0,2}&#10;%ce4d9607-e8b2-4bf9-8feb-57c1b9109cb1" id="315" name="Google Shape;315;p21"/>
+          <p:cNvPr descr="\text w_{0,2}&#10;%ce4d9607-e8b2-4bf9-8feb-57c1b9109cb1" id="296" name="Google Shape;296;p20"/>
           <p:cNvPicPr preferRelativeResize="0"/>
           <p:nvPr/>
         </p:nvPicPr>
@@ -15341,7 +13039,7 @@
       </p:pic>
       <p:pic>
         <p:nvPicPr>
-          <p:cNvPr descr="\text w_{-1,2}&#10;%cbbbe6ac-43da-4ef3-be44-c51a7c4e39c1" id="316" name="Google Shape;316;p21"/>
+          <p:cNvPr descr="\text w_{-1,2}&#10;%cbbbe6ac-43da-4ef3-be44-c51a7c4e39c1" id="297" name="Google Shape;297;p20"/>
           <p:cNvPicPr preferRelativeResize="0"/>
           <p:nvPr/>
         </p:nvPicPr>
@@ -15369,7 +13067,7 @@
       </p:pic>
       <p:pic>
         <p:nvPicPr>
-          <p:cNvPr descr="\text w_{2,2}&#10;%8f3da358-f7cd-43ef-8806-06a096aaccb8" id="317" name="Google Shape;317;p21"/>
+          <p:cNvPr descr="\text w_{2,2}&#10;%8f3da358-f7cd-43ef-8806-06a096aaccb8" id="298" name="Google Shape;298;p20"/>
           <p:cNvPicPr preferRelativeResize="0"/>
           <p:nvPr/>
         </p:nvPicPr>
@@ -15397,7 +13095,7 @@
       </p:pic>
       <p:pic>
         <p:nvPicPr>
-          <p:cNvPr descr="\text w_{2,1}&#10;%50217977-ccce-4262-baf6-9d60f7ce11e6" id="318" name="Google Shape;318;p21"/>
+          <p:cNvPr descr="\text w_{2,1}&#10;%50217977-ccce-4262-baf6-9d60f7ce11e6" id="299" name="Google Shape;299;p20"/>
           <p:cNvPicPr preferRelativeResize="0"/>
           <p:nvPr/>
         </p:nvPicPr>
@@ -15425,7 +13123,7 @@
       </p:pic>
       <p:pic>
         <p:nvPicPr>
-          <p:cNvPr descr="\text w_{0,0}&#10;%ee047880-0d3d-4eb3-a0b9-69869b815223" id="319" name="Google Shape;319;p21"/>
+          <p:cNvPr descr="\text w_{0,0}&#10;%ee047880-0d3d-4eb3-a0b9-69869b815223" id="300" name="Google Shape;300;p20"/>
           <p:cNvPicPr preferRelativeResize="0"/>
           <p:nvPr/>
         </p:nvPicPr>
@@ -15453,7 +13151,7 @@
       </p:pic>
       <p:cxnSp>
         <p:nvCxnSpPr>
-          <p:cNvPr id="320" name="Google Shape;320;p21"/>
+          <p:cNvPr id="301" name="Google Shape;301;p20"/>
           <p:cNvCxnSpPr/>
           <p:nvPr/>
         </p:nvCxnSpPr>
@@ -15479,7 +13177,7 @@
       </p:cxnSp>
       <p:cxnSp>
         <p:nvCxnSpPr>
-          <p:cNvPr id="321" name="Google Shape;321;p21"/>
+          <p:cNvPr id="302" name="Google Shape;302;p20"/>
           <p:cNvCxnSpPr/>
           <p:nvPr/>
         </p:nvCxnSpPr>
@@ -15505,7 +13203,7 @@
       </p:cxnSp>
       <p:grpSp>
         <p:nvGrpSpPr>
-          <p:cNvPr id="322" name="Google Shape;322;p21"/>
+          <p:cNvPr id="303" name="Google Shape;303;p20"/>
           <p:cNvGrpSpPr/>
           <p:nvPr/>
         </p:nvGrpSpPr>
@@ -15519,7 +13217,7 @@
         </p:grpSpPr>
         <p:cxnSp>
           <p:nvCxnSpPr>
-            <p:cNvPr id="323" name="Google Shape;323;p21"/>
+            <p:cNvPr id="304" name="Google Shape;304;p20"/>
             <p:cNvCxnSpPr/>
             <p:nvPr/>
           </p:nvCxnSpPr>
@@ -15545,7 +13243,7 @@
         </p:cxnSp>
         <p:cxnSp>
           <p:nvCxnSpPr>
-            <p:cNvPr id="324" name="Google Shape;324;p21"/>
+            <p:cNvPr id="305" name="Google Shape;305;p20"/>
             <p:cNvCxnSpPr/>
             <p:nvPr/>
           </p:nvCxnSpPr>
@@ -15572,7 +13270,7 @@
       </p:grpSp>
       <p:pic>
         <p:nvPicPr>
-          <p:cNvPr descr="\text w_{0,-1}&#10;%b044d039-8625-47cb-9c64-a6677b4d4f11" id="325" name="Google Shape;325;p21"/>
+          <p:cNvPr descr="\text w_{0,-1}&#10;%b044d039-8625-47cb-9c64-a6677b4d4f11" id="306" name="Google Shape;306;p20"/>
           <p:cNvPicPr preferRelativeResize="0"/>
           <p:nvPr/>
         </p:nvPicPr>
@@ -15600,7 +13298,7 @@
       </p:pic>
       <p:sp>
         <p:nvSpPr>
-          <p:cNvPr id="326" name="Google Shape;326;p21"/>
+          <p:cNvPr id="307" name="Google Shape;307;p20"/>
           <p:cNvSpPr/>
           <p:nvPr/>
         </p:nvSpPr>
@@ -15649,7 +13347,7 @@
       </p:sp>
       <p:sp>
         <p:nvSpPr>
-          <p:cNvPr id="327" name="Google Shape;327;p21"/>
+          <p:cNvPr id="308" name="Google Shape;308;p20"/>
           <p:cNvSpPr/>
           <p:nvPr/>
         </p:nvSpPr>
@@ -15698,7 +13396,7 @@
       </p:sp>
       <p:sp>
         <p:nvSpPr>
-          <p:cNvPr id="328" name="Google Shape;328;p21"/>
+          <p:cNvPr id="309" name="Google Shape;309;p20"/>
           <p:cNvSpPr/>
           <p:nvPr/>
         </p:nvSpPr>
@@ -15747,7 +13445,7 @@
       </p:sp>
       <p:sp>
         <p:nvSpPr>
-          <p:cNvPr id="329" name="Google Shape;329;p21"/>
+          <p:cNvPr id="310" name="Google Shape;310;p20"/>
           <p:cNvSpPr/>
           <p:nvPr/>
         </p:nvSpPr>
@@ -15796,7 +13494,7 @@
       </p:sp>
       <p:sp>
         <p:nvSpPr>
-          <p:cNvPr id="330" name="Google Shape;330;p21"/>
+          <p:cNvPr id="311" name="Google Shape;311;p20"/>
           <p:cNvSpPr/>
           <p:nvPr/>
         </p:nvSpPr>
@@ -15845,7 +13543,7 @@
       </p:sp>
       <p:sp>
         <p:nvSpPr>
-          <p:cNvPr id="331" name="Google Shape;331;p21"/>
+          <p:cNvPr id="312" name="Google Shape;312;p20"/>
           <p:cNvSpPr/>
           <p:nvPr/>
         </p:nvSpPr>
@@ -15894,7 +13592,7 @@
       </p:sp>
       <p:sp>
         <p:nvSpPr>
-          <p:cNvPr id="332" name="Google Shape;332;p21"/>
+          <p:cNvPr id="313" name="Google Shape;313;p20"/>
           <p:cNvSpPr/>
           <p:nvPr/>
         </p:nvSpPr>
@@ -15943,7 +13641,7 @@
       </p:sp>
       <p:sp>
         <p:nvSpPr>
-          <p:cNvPr id="333" name="Google Shape;333;p21"/>
+          <p:cNvPr id="314" name="Google Shape;314;p20"/>
           <p:cNvSpPr/>
           <p:nvPr/>
         </p:nvSpPr>
@@ -15992,7 +13690,7 @@
       </p:sp>
       <p:sp>
         <p:nvSpPr>
-          <p:cNvPr id="334" name="Google Shape;334;p21"/>
+          <p:cNvPr id="315" name="Google Shape;315;p20"/>
           <p:cNvSpPr/>
           <p:nvPr/>
         </p:nvSpPr>
@@ -16041,7 +13739,7 @@
       </p:sp>
       <p:sp>
         <p:nvSpPr>
-          <p:cNvPr id="335" name="Google Shape;335;p21"/>
+          <p:cNvPr id="316" name="Google Shape;316;p20"/>
           <p:cNvSpPr/>
           <p:nvPr/>
         </p:nvSpPr>
@@ -16090,7 +13788,7 @@
       </p:sp>
       <p:sp>
         <p:nvSpPr>
-          <p:cNvPr id="336" name="Google Shape;336;p21"/>
+          <p:cNvPr id="317" name="Google Shape;317;p20"/>
           <p:cNvSpPr/>
           <p:nvPr/>
         </p:nvSpPr>
@@ -16139,7 +13837,7 @@
       </p:sp>
       <p:sp>
         <p:nvSpPr>
-          <p:cNvPr id="337" name="Google Shape;337;p21"/>
+          <p:cNvPr id="318" name="Google Shape;318;p20"/>
           <p:cNvSpPr/>
           <p:nvPr/>
         </p:nvSpPr>
@@ -16188,7 +13886,7 @@
       </p:sp>
       <p:sp>
         <p:nvSpPr>
-          <p:cNvPr id="338" name="Google Shape;338;p21"/>
+          <p:cNvPr id="319" name="Google Shape;319;p20"/>
           <p:cNvSpPr/>
           <p:nvPr/>
         </p:nvSpPr>
@@ -16237,7 +13935,7 @@
       </p:sp>
       <p:sp>
         <p:nvSpPr>
-          <p:cNvPr id="339" name="Google Shape;339;p21"/>
+          <p:cNvPr id="320" name="Google Shape;320;p20"/>
           <p:cNvSpPr/>
           <p:nvPr/>
         </p:nvSpPr>
@@ -16286,7 +13984,7 @@
       </p:sp>
       <p:sp>
         <p:nvSpPr>
-          <p:cNvPr id="340" name="Google Shape;340;p21"/>
+          <p:cNvPr id="321" name="Google Shape;321;p20"/>
           <p:cNvSpPr/>
           <p:nvPr/>
         </p:nvSpPr>
@@ -16335,7 +14033,7 @@
       </p:sp>
       <p:sp>
         <p:nvSpPr>
-          <p:cNvPr id="341" name="Google Shape;341;p21"/>
+          <p:cNvPr id="322" name="Google Shape;322;p20"/>
           <p:cNvSpPr/>
           <p:nvPr/>
         </p:nvSpPr>
@@ -16384,7 +14082,7 @@
       </p:sp>
       <p:pic>
         <p:nvPicPr>
-          <p:cNvPr descr="\text w_{2,0}&#10;%e6967ff2-2e4e-48a6-b8c8-9fb27b552c62" id="342" name="Google Shape;342;p21"/>
+          <p:cNvPr descr="\text w_{2,0}&#10;%e6967ff2-2e4e-48a6-b8c8-9fb27b552c62" id="323" name="Google Shape;323;p20"/>
           <p:cNvPicPr preferRelativeResize="0"/>
           <p:nvPr/>
         </p:nvPicPr>
@@ -16412,7 +14110,7 @@
       </p:pic>
       <p:pic>
         <p:nvPicPr>
-          <p:cNvPr descr="\color{blue}\mu_1&#10;%8c806ee2-c180-4b2e-a4a6-e558f3f935a5" id="343" name="Google Shape;343;p21"/>
+          <p:cNvPr descr="\color{blue}\mu_1&#10;%8c806ee2-c180-4b2e-a4a6-e558f3f935a5" id="324" name="Google Shape;324;p20"/>
           <p:cNvPicPr preferRelativeResize="0"/>
           <p:nvPr/>
         </p:nvPicPr>
@@ -16440,7 +14138,7 @@
       </p:pic>
       <p:pic>
         <p:nvPicPr>
-          <p:cNvPr descr="\color{green}\mu_0&#10;%6ab3a84c-4ce6-483e-a38f-171d1f93b37a" id="344" name="Google Shape;344;p21"/>
+          <p:cNvPr descr="\color{green}\mu_0&#10;%6ab3a84c-4ce6-483e-a38f-171d1f93b37a" id="325" name="Google Shape;325;p20"/>
           <p:cNvPicPr preferRelativeResize="0"/>
           <p:nvPr/>
         </p:nvPicPr>

--- a/docs/figs/figs_all.pptx
+++ b/docs/figs/figs_all.pptx
@@ -14173,6 +14173,285 @@
 </file>
 
 <file path=ppt/theme/theme1.xml><?xml version="1.0" encoding="utf-8"?>
+<a:theme xmlns:a="http://schemas.openxmlformats.org/drawingml/2006/main" xmlns:r="http://schemas.openxmlformats.org/officeDocument/2006/relationships" name="Simple Light">
+  <a:themeElements>
+    <a:clrScheme name="Simple Light">
+      <a:dk1>
+        <a:srgbClr val="000000"/>
+      </a:dk1>
+      <a:lt1>
+        <a:srgbClr val="FFFFFF"/>
+      </a:lt1>
+      <a:dk2>
+        <a:srgbClr val="595959"/>
+      </a:dk2>
+      <a:lt2>
+        <a:srgbClr val="EEEEEE"/>
+      </a:lt2>
+      <a:accent1>
+        <a:srgbClr val="4285F4"/>
+      </a:accent1>
+      <a:accent2>
+        <a:srgbClr val="212121"/>
+      </a:accent2>
+      <a:accent3>
+        <a:srgbClr val="78909C"/>
+      </a:accent3>
+      <a:accent4>
+        <a:srgbClr val="FFAB40"/>
+      </a:accent4>
+      <a:accent5>
+        <a:srgbClr val="0097A7"/>
+      </a:accent5>
+      <a:accent6>
+        <a:srgbClr val="EEFF41"/>
+      </a:accent6>
+      <a:hlink>
+        <a:srgbClr val="0097A7"/>
+      </a:hlink>
+      <a:folHlink>
+        <a:srgbClr val="0097A7"/>
+      </a:folHlink>
+    </a:clrScheme>
+    <a:fontScheme name="Office">
+      <a:majorFont>
+        <a:latin typeface="Arial"/>
+        <a:ea typeface=""/>
+        <a:cs typeface=""/>
+        <a:font script="Jpan" typeface="ＭＳ Ｐゴシック"/>
+        <a:font script="Hang" typeface="맑은 고딕"/>
+        <a:font script="Hans" typeface="宋体"/>
+        <a:font script="Hant" typeface="新細明體"/>
+        <a:font script="Arab" typeface="Times New Roman"/>
+        <a:font script="Hebr" typeface="Times New Roman"/>
+        <a:font script="Thai" typeface="Angsana New"/>
+        <a:font script="Ethi" typeface="Nyala"/>
+        <a:font script="Beng" typeface="Vrinda"/>
+        <a:font script="Gujr" typeface="Shruti"/>
+        <a:font script="Khmr" typeface="MoolBoran"/>
+        <a:font script="Knda" typeface="Tunga"/>
+        <a:font script="Guru" typeface="Raavi"/>
+        <a:font script="Cans" typeface="Euphemia"/>
+        <a:font script="Cher" typeface="Plantagenet Cherokee"/>
+        <a:font script="Yiii" typeface="Microsoft Yi Baiti"/>
+        <a:font script="Tibt" typeface="Microsoft Himalaya"/>
+        <a:font script="Thaa" typeface="MV Boli"/>
+        <a:font script="Deva" typeface="Mangal"/>
+        <a:font script="Telu" typeface="Gautami"/>
+        <a:font script="Taml" typeface="Latha"/>
+        <a:font script="Syrc" typeface="Estrangelo Edessa"/>
+        <a:font script="Orya" typeface="Kalinga"/>
+        <a:font script="Mlym" typeface="Kartika"/>
+        <a:font script="Laoo" typeface="DokChampa"/>
+        <a:font script="Sinh" typeface="Iskoola Pota"/>
+        <a:font script="Mong" typeface="Mongolian Baiti"/>
+        <a:font script="Viet" typeface="Times New Roman"/>
+        <a:font script="Uigh" typeface="Microsoft Uighur"/>
+        <a:font script="Geor" typeface="Sylfaen"/>
+      </a:majorFont>
+      <a:minorFont>
+        <a:latin typeface="Arial"/>
+        <a:ea typeface=""/>
+        <a:cs typeface=""/>
+        <a:font script="Jpan" typeface="ＭＳ Ｐゴシック"/>
+        <a:font script="Hang" typeface="맑은 고딕"/>
+        <a:font script="Hans" typeface="宋体"/>
+        <a:font script="Hant" typeface="新細明體"/>
+        <a:font script="Arab" typeface="Arial"/>
+        <a:font script="Hebr" typeface="Arial"/>
+        <a:font script="Thai" typeface="Cordia New"/>
+        <a:font script="Ethi" typeface="Nyala"/>
+        <a:font script="Beng" typeface="Vrinda"/>
+        <a:font script="Gujr" typeface="Shruti"/>
+        <a:font script="Khmr" typeface="DaunPenh"/>
+        <a:font script="Knda" typeface="Tunga"/>
+        <a:font script="Guru" typeface="Raavi"/>
+        <a:font script="Cans" typeface="Euphemia"/>
+        <a:font script="Cher" typeface="Plantagenet Cherokee"/>
+        <a:font script="Yiii" typeface="Microsoft Yi Baiti"/>
+        <a:font script="Tibt" typeface="Microsoft Himalaya"/>
+        <a:font script="Thaa" typeface="MV Boli"/>
+        <a:font script="Deva" typeface="Mangal"/>
+        <a:font script="Telu" typeface="Gautami"/>
+        <a:font script="Taml" typeface="Latha"/>
+        <a:font script="Syrc" typeface="Estrangelo Edessa"/>
+        <a:font script="Orya" typeface="Kalinga"/>
+        <a:font script="Mlym" typeface="Kartika"/>
+        <a:font script="Laoo" typeface="DokChampa"/>
+        <a:font script="Sinh" typeface="Iskoola Pota"/>
+        <a:font script="Mong" typeface="Mongolian Baiti"/>
+        <a:font script="Viet" typeface="Arial"/>
+        <a:font script="Uigh" typeface="Microsoft Uighur"/>
+        <a:font script="Geor" typeface="Sylfaen"/>
+      </a:minorFont>
+    </a:fontScheme>
+    <a:fmtScheme name="Office">
+      <a:fillStyleLst>
+        <a:solidFill>
+          <a:schemeClr val="phClr"/>
+        </a:solidFill>
+        <a:gradFill rotWithShape="1">
+          <a:gsLst>
+            <a:gs pos="0">
+              <a:schemeClr val="phClr">
+                <a:tint val="50000"/>
+                <a:satMod val="300000"/>
+              </a:schemeClr>
+            </a:gs>
+            <a:gs pos="35000">
+              <a:schemeClr val="phClr">
+                <a:tint val="37000"/>
+                <a:satMod val="300000"/>
+              </a:schemeClr>
+            </a:gs>
+            <a:gs pos="100000">
+              <a:schemeClr val="phClr">
+                <a:tint val="15000"/>
+                <a:satMod val="350000"/>
+              </a:schemeClr>
+            </a:gs>
+          </a:gsLst>
+          <a:lin ang="16200000" scaled="1"/>
+        </a:gradFill>
+        <a:gradFill rotWithShape="1">
+          <a:gsLst>
+            <a:gs pos="0">
+              <a:schemeClr val="phClr">
+                <a:tint val="100000"/>
+                <a:shade val="100000"/>
+                <a:satMod val="130000"/>
+              </a:schemeClr>
+            </a:gs>
+            <a:gs pos="100000">
+              <a:schemeClr val="phClr">
+                <a:tint val="50000"/>
+                <a:shade val="100000"/>
+                <a:satMod val="350000"/>
+              </a:schemeClr>
+            </a:gs>
+          </a:gsLst>
+          <a:lin ang="16200000" scaled="0"/>
+        </a:gradFill>
+      </a:fillStyleLst>
+      <a:lnStyleLst>
+        <a:ln w="9525" cap="flat" cmpd="sng" algn="ctr">
+          <a:solidFill>
+            <a:schemeClr val="phClr">
+              <a:shade val="95000"/>
+              <a:satMod val="105000"/>
+            </a:schemeClr>
+          </a:solidFill>
+          <a:prstDash val="solid"/>
+        </a:ln>
+        <a:ln w="25400" cap="flat" cmpd="sng" algn="ctr">
+          <a:solidFill>
+            <a:schemeClr val="phClr"/>
+          </a:solidFill>
+          <a:prstDash val="solid"/>
+        </a:ln>
+        <a:ln w="38100" cap="flat" cmpd="sng" algn="ctr">
+          <a:solidFill>
+            <a:schemeClr val="phClr"/>
+          </a:solidFill>
+          <a:prstDash val="solid"/>
+        </a:ln>
+      </a:lnStyleLst>
+      <a:effectStyleLst>
+        <a:effectStyle>
+          <a:effectLst>
+            <a:outerShdw blurRad="40000" dist="20000" dir="5400000" rotWithShape="0">
+              <a:srgbClr val="000000">
+                <a:alpha val="38000"/>
+              </a:srgbClr>
+            </a:outerShdw>
+          </a:effectLst>
+        </a:effectStyle>
+        <a:effectStyle>
+          <a:effectLst>
+            <a:outerShdw blurRad="40000" dist="23000" dir="5400000" rotWithShape="0">
+              <a:srgbClr val="000000">
+                <a:alpha val="35000"/>
+              </a:srgbClr>
+            </a:outerShdw>
+          </a:effectLst>
+        </a:effectStyle>
+        <a:effectStyle>
+          <a:effectLst>
+            <a:outerShdw blurRad="40000" dist="23000" dir="5400000" rotWithShape="0">
+              <a:srgbClr val="000000">
+                <a:alpha val="35000"/>
+              </a:srgbClr>
+            </a:outerShdw>
+          </a:effectLst>
+          <a:scene3d>
+            <a:camera prst="orthographicFront">
+              <a:rot lat="0" lon="0" rev="0"/>
+            </a:camera>
+            <a:lightRig rig="threePt" dir="t">
+              <a:rot lat="0" lon="0" rev="1200000"/>
+            </a:lightRig>
+          </a:scene3d>
+          <a:sp3d>
+            <a:bevelT w="63500" h="25400"/>
+          </a:sp3d>
+        </a:effectStyle>
+      </a:effectStyleLst>
+      <a:bgFillStyleLst>
+        <a:solidFill>
+          <a:schemeClr val="phClr"/>
+        </a:solidFill>
+        <a:gradFill rotWithShape="1">
+          <a:gsLst>
+            <a:gs pos="0">
+              <a:schemeClr val="phClr">
+                <a:tint val="40000"/>
+                <a:satMod val="350000"/>
+              </a:schemeClr>
+            </a:gs>
+            <a:gs pos="40000">
+              <a:schemeClr val="phClr">
+                <a:tint val="45000"/>
+                <a:shade val="99000"/>
+                <a:satMod val="350000"/>
+              </a:schemeClr>
+            </a:gs>
+            <a:gs pos="100000">
+              <a:schemeClr val="phClr">
+                <a:shade val="20000"/>
+                <a:satMod val="255000"/>
+              </a:schemeClr>
+            </a:gs>
+          </a:gsLst>
+          <a:path path="circle">
+            <a:fillToRect l="50000" t="-80000" r="50000" b="180000"/>
+          </a:path>
+        </a:gradFill>
+        <a:gradFill rotWithShape="1">
+          <a:gsLst>
+            <a:gs pos="0">
+              <a:schemeClr val="phClr">
+                <a:tint val="80000"/>
+                <a:satMod val="300000"/>
+              </a:schemeClr>
+            </a:gs>
+            <a:gs pos="100000">
+              <a:schemeClr val="phClr">
+                <a:shade val="30000"/>
+                <a:satMod val="200000"/>
+              </a:schemeClr>
+            </a:gs>
+          </a:gsLst>
+          <a:path path="circle">
+            <a:fillToRect l="50000" t="50000" r="50000" b="50000"/>
+          </a:path>
+        </a:gradFill>
+      </a:bgFillStyleLst>
+    </a:fmtScheme>
+  </a:themeElements>
+</a:theme>
+</file>
+
+<file path=ppt/theme/theme2.xml><?xml version="1.0" encoding="utf-8"?>
 <a:theme xmlns:a="http://schemas.openxmlformats.org/drawingml/2006/main" xmlns:r="http://schemas.openxmlformats.org/officeDocument/2006/relationships">
   <a:themeElements>
     <a:clrScheme name="Default">
@@ -14449,283 +14728,4 @@
     </a:fmtScheme>
   </a:themeElements>
 </a:theme>
-</file>
-
-<file path=ppt/theme/theme2.xml><?xml version="1.0" encoding="utf-8"?>
-<a:theme xmlns:a="http://schemas.openxmlformats.org/drawingml/2006/main" xmlns:r="http://schemas.openxmlformats.org/officeDocument/2006/relationships" name="Simple Light">
-  <a:themeElements>
-    <a:clrScheme name="Simple Light">
-      <a:dk1>
-        <a:srgbClr val="000000"/>
-      </a:dk1>
-      <a:lt1>
-        <a:srgbClr val="FFFFFF"/>
-      </a:lt1>
-      <a:dk2>
-        <a:srgbClr val="595959"/>
-      </a:dk2>
-      <a:lt2>
-        <a:srgbClr val="EEEEEE"/>
-      </a:lt2>
-      <a:accent1>
-        <a:srgbClr val="4285F4"/>
-      </a:accent1>
-      <a:accent2>
-        <a:srgbClr val="212121"/>
-      </a:accent2>
-      <a:accent3>
-        <a:srgbClr val="78909C"/>
-      </a:accent3>
-      <a:accent4>
-        <a:srgbClr val="FFAB40"/>
-      </a:accent4>
-      <a:accent5>
-        <a:srgbClr val="0097A7"/>
-      </a:accent5>
-      <a:accent6>
-        <a:srgbClr val="EEFF41"/>
-      </a:accent6>
-      <a:hlink>
-        <a:srgbClr val="0097A7"/>
-      </a:hlink>
-      <a:folHlink>
-        <a:srgbClr val="0097A7"/>
-      </a:folHlink>
-    </a:clrScheme>
-    <a:fontScheme name="Office">
-      <a:majorFont>
-        <a:latin typeface="Arial"/>
-        <a:ea typeface=""/>
-        <a:cs typeface=""/>
-        <a:font script="Jpan" typeface="ＭＳ Ｐゴシック"/>
-        <a:font script="Hang" typeface="맑은 고딕"/>
-        <a:font script="Hans" typeface="宋体"/>
-        <a:font script="Hant" typeface="新細明體"/>
-        <a:font script="Arab" typeface="Times New Roman"/>
-        <a:font script="Hebr" typeface="Times New Roman"/>
-        <a:font script="Thai" typeface="Angsana New"/>
-        <a:font script="Ethi" typeface="Nyala"/>
-        <a:font script="Beng" typeface="Vrinda"/>
-        <a:font script="Gujr" typeface="Shruti"/>
-        <a:font script="Khmr" typeface="MoolBoran"/>
-        <a:font script="Knda" typeface="Tunga"/>
-        <a:font script="Guru" typeface="Raavi"/>
-        <a:font script="Cans" typeface="Euphemia"/>
-        <a:font script="Cher" typeface="Plantagenet Cherokee"/>
-        <a:font script="Yiii" typeface="Microsoft Yi Baiti"/>
-        <a:font script="Tibt" typeface="Microsoft Himalaya"/>
-        <a:font script="Thaa" typeface="MV Boli"/>
-        <a:font script="Deva" typeface="Mangal"/>
-        <a:font script="Telu" typeface="Gautami"/>
-        <a:font script="Taml" typeface="Latha"/>
-        <a:font script="Syrc" typeface="Estrangelo Edessa"/>
-        <a:font script="Orya" typeface="Kalinga"/>
-        <a:font script="Mlym" typeface="Kartika"/>
-        <a:font script="Laoo" typeface="DokChampa"/>
-        <a:font script="Sinh" typeface="Iskoola Pota"/>
-        <a:font script="Mong" typeface="Mongolian Baiti"/>
-        <a:font script="Viet" typeface="Times New Roman"/>
-        <a:font script="Uigh" typeface="Microsoft Uighur"/>
-        <a:font script="Geor" typeface="Sylfaen"/>
-      </a:majorFont>
-      <a:minorFont>
-        <a:latin typeface="Arial"/>
-        <a:ea typeface=""/>
-        <a:cs typeface=""/>
-        <a:font script="Jpan" typeface="ＭＳ Ｐゴシック"/>
-        <a:font script="Hang" typeface="맑은 고딕"/>
-        <a:font script="Hans" typeface="宋体"/>
-        <a:font script="Hant" typeface="新細明體"/>
-        <a:font script="Arab" typeface="Arial"/>
-        <a:font script="Hebr" typeface="Arial"/>
-        <a:font script="Thai" typeface="Cordia New"/>
-        <a:font script="Ethi" typeface="Nyala"/>
-        <a:font script="Beng" typeface="Vrinda"/>
-        <a:font script="Gujr" typeface="Shruti"/>
-        <a:font script="Khmr" typeface="DaunPenh"/>
-        <a:font script="Knda" typeface="Tunga"/>
-        <a:font script="Guru" typeface="Raavi"/>
-        <a:font script="Cans" typeface="Euphemia"/>
-        <a:font script="Cher" typeface="Plantagenet Cherokee"/>
-        <a:font script="Yiii" typeface="Microsoft Yi Baiti"/>
-        <a:font script="Tibt" typeface="Microsoft Himalaya"/>
-        <a:font script="Thaa" typeface="MV Boli"/>
-        <a:font script="Deva" typeface="Mangal"/>
-        <a:font script="Telu" typeface="Gautami"/>
-        <a:font script="Taml" typeface="Latha"/>
-        <a:font script="Syrc" typeface="Estrangelo Edessa"/>
-        <a:font script="Orya" typeface="Kalinga"/>
-        <a:font script="Mlym" typeface="Kartika"/>
-        <a:font script="Laoo" typeface="DokChampa"/>
-        <a:font script="Sinh" typeface="Iskoola Pota"/>
-        <a:font script="Mong" typeface="Mongolian Baiti"/>
-        <a:font script="Viet" typeface="Arial"/>
-        <a:font script="Uigh" typeface="Microsoft Uighur"/>
-        <a:font script="Geor" typeface="Sylfaen"/>
-      </a:minorFont>
-    </a:fontScheme>
-    <a:fmtScheme name="Office">
-      <a:fillStyleLst>
-        <a:solidFill>
-          <a:schemeClr val="phClr"/>
-        </a:solidFill>
-        <a:gradFill rotWithShape="1">
-          <a:gsLst>
-            <a:gs pos="0">
-              <a:schemeClr val="phClr">
-                <a:tint val="50000"/>
-                <a:satMod val="300000"/>
-              </a:schemeClr>
-            </a:gs>
-            <a:gs pos="35000">
-              <a:schemeClr val="phClr">
-                <a:tint val="37000"/>
-                <a:satMod val="300000"/>
-              </a:schemeClr>
-            </a:gs>
-            <a:gs pos="100000">
-              <a:schemeClr val="phClr">
-                <a:tint val="15000"/>
-                <a:satMod val="350000"/>
-              </a:schemeClr>
-            </a:gs>
-          </a:gsLst>
-          <a:lin ang="16200000" scaled="1"/>
-        </a:gradFill>
-        <a:gradFill rotWithShape="1">
-          <a:gsLst>
-            <a:gs pos="0">
-              <a:schemeClr val="phClr">
-                <a:tint val="100000"/>
-                <a:shade val="100000"/>
-                <a:satMod val="130000"/>
-              </a:schemeClr>
-            </a:gs>
-            <a:gs pos="100000">
-              <a:schemeClr val="phClr">
-                <a:tint val="50000"/>
-                <a:shade val="100000"/>
-                <a:satMod val="350000"/>
-              </a:schemeClr>
-            </a:gs>
-          </a:gsLst>
-          <a:lin ang="16200000" scaled="0"/>
-        </a:gradFill>
-      </a:fillStyleLst>
-      <a:lnStyleLst>
-        <a:ln w="9525" cap="flat" cmpd="sng" algn="ctr">
-          <a:solidFill>
-            <a:schemeClr val="phClr">
-              <a:shade val="95000"/>
-              <a:satMod val="105000"/>
-            </a:schemeClr>
-          </a:solidFill>
-          <a:prstDash val="solid"/>
-        </a:ln>
-        <a:ln w="25400" cap="flat" cmpd="sng" algn="ctr">
-          <a:solidFill>
-            <a:schemeClr val="phClr"/>
-          </a:solidFill>
-          <a:prstDash val="solid"/>
-        </a:ln>
-        <a:ln w="38100" cap="flat" cmpd="sng" algn="ctr">
-          <a:solidFill>
-            <a:schemeClr val="phClr"/>
-          </a:solidFill>
-          <a:prstDash val="solid"/>
-        </a:ln>
-      </a:lnStyleLst>
-      <a:effectStyleLst>
-        <a:effectStyle>
-          <a:effectLst>
-            <a:outerShdw blurRad="40000" dist="20000" dir="5400000" rotWithShape="0">
-              <a:srgbClr val="000000">
-                <a:alpha val="38000"/>
-              </a:srgbClr>
-            </a:outerShdw>
-          </a:effectLst>
-        </a:effectStyle>
-        <a:effectStyle>
-          <a:effectLst>
-            <a:outerShdw blurRad="40000" dist="23000" dir="5400000" rotWithShape="0">
-              <a:srgbClr val="000000">
-                <a:alpha val="35000"/>
-              </a:srgbClr>
-            </a:outerShdw>
-          </a:effectLst>
-        </a:effectStyle>
-        <a:effectStyle>
-          <a:effectLst>
-            <a:outerShdw blurRad="40000" dist="23000" dir="5400000" rotWithShape="0">
-              <a:srgbClr val="000000">
-                <a:alpha val="35000"/>
-              </a:srgbClr>
-            </a:outerShdw>
-          </a:effectLst>
-          <a:scene3d>
-            <a:camera prst="orthographicFront">
-              <a:rot lat="0" lon="0" rev="0"/>
-            </a:camera>
-            <a:lightRig rig="threePt" dir="t">
-              <a:rot lat="0" lon="0" rev="1200000"/>
-            </a:lightRig>
-          </a:scene3d>
-          <a:sp3d>
-            <a:bevelT w="63500" h="25400"/>
-          </a:sp3d>
-        </a:effectStyle>
-      </a:effectStyleLst>
-      <a:bgFillStyleLst>
-        <a:solidFill>
-          <a:schemeClr val="phClr"/>
-        </a:solidFill>
-        <a:gradFill rotWithShape="1">
-          <a:gsLst>
-            <a:gs pos="0">
-              <a:schemeClr val="phClr">
-                <a:tint val="40000"/>
-                <a:satMod val="350000"/>
-              </a:schemeClr>
-            </a:gs>
-            <a:gs pos="40000">
-              <a:schemeClr val="phClr">
-                <a:tint val="45000"/>
-                <a:shade val="99000"/>
-                <a:satMod val="350000"/>
-              </a:schemeClr>
-            </a:gs>
-            <a:gs pos="100000">
-              <a:schemeClr val="phClr">
-                <a:shade val="20000"/>
-                <a:satMod val="255000"/>
-              </a:schemeClr>
-            </a:gs>
-          </a:gsLst>
-          <a:path path="circle">
-            <a:fillToRect l="50000" t="-80000" r="50000" b="180000"/>
-          </a:path>
-        </a:gradFill>
-        <a:gradFill rotWithShape="1">
-          <a:gsLst>
-            <a:gs pos="0">
-              <a:schemeClr val="phClr">
-                <a:tint val="80000"/>
-                <a:satMod val="300000"/>
-              </a:schemeClr>
-            </a:gs>
-            <a:gs pos="100000">
-              <a:schemeClr val="phClr">
-                <a:shade val="30000"/>
-                <a:satMod val="200000"/>
-              </a:schemeClr>
-            </a:gs>
-          </a:gsLst>
-          <a:path path="circle">
-            <a:fillToRect l="50000" t="50000" r="50000" b="50000"/>
-          </a:path>
-        </a:gradFill>
-      </a:bgFillStyleLst>
-    </a:fmtScheme>
-  </a:themeElements>
-</a:theme>
 </file>